--- a/week14/Q3.pptx
+++ b/week14/Q3.pptx
@@ -114,6 +114,11 @@
       </a:defRPr>
     </a:lvl9pPr>
   </p:defaultTextStyle>
+  <p:extLst>
+    <p:ext uri="{EFAFB233-063F-42B5-8137-9DF3F51BA10A}">
+      <p15:sldGuideLst xmlns:p15="http://schemas.microsoft.com/office/powerpoint/2012/main"/>
+    </p:ext>
+  </p:extLst>
 </p:presentation>
 </file>
 
@@ -3367,7 +3372,7 @@
           <p:nvPr>
             <p:extLst>
               <p:ext uri="{D42A27DB-BD31-4B8C-83A1-F6EECF244321}">
-                <p14:modId xmlns:p14="http://schemas.microsoft.com/office/powerpoint/2010/main" val="1500270055"/>
+                <p14:modId xmlns:p14="http://schemas.microsoft.com/office/powerpoint/2010/main" val="1021736993"/>
               </p:ext>
             </p:extLst>
           </p:nvPr>
@@ -4272,7 +4277,7 @@
                           </a:solidFill>
                           <a:latin typeface="Consolas" panose="020B0609020204030204" pitchFamily="49" charset="0"/>
                         </a:rPr>
-                        <a:t>9</a:t>
+                        <a:t>-9</a:t>
                       </a:r>
                     </a:p>
                   </a:txBody>
@@ -4473,7 +4478,7 @@
                           </a:solidFill>
                           <a:latin typeface="Consolas" panose="020B0609020204030204" pitchFamily="49" charset="0"/>
                         </a:rPr>
-                        <a:t>7</a:t>
+                        <a:t>-7</a:t>
                       </a:r>
                     </a:p>
                   </a:txBody>
@@ -4674,7 +4679,7 @@
                           </a:solidFill>
                           <a:latin typeface="Consolas" panose="020B0609020204030204" pitchFamily="49" charset="0"/>
                         </a:rPr>
-                        <a:t>10</a:t>
+                        <a:t>-10</a:t>
                       </a:r>
                     </a:p>
                   </a:txBody>
@@ -5731,7 +5736,7 @@
           <p:nvPr>
             <p:extLst>
               <p:ext uri="{D42A27DB-BD31-4B8C-83A1-F6EECF244321}">
-                <p14:modId xmlns:p14="http://schemas.microsoft.com/office/powerpoint/2010/main" val="3649382551"/>
+                <p14:modId xmlns:p14="http://schemas.microsoft.com/office/powerpoint/2010/main" val="2130215472"/>
               </p:ext>
             </p:extLst>
           </p:nvPr>
@@ -6636,7 +6641,7 @@
                           </a:solidFill>
                           <a:latin typeface="Consolas" panose="020B0609020204030204" pitchFamily="49" charset="0"/>
                         </a:rPr>
-                        <a:t>9</a:t>
+                        <a:t>-9</a:t>
                       </a:r>
                     </a:p>
                   </a:txBody>
@@ -6837,7 +6842,7 @@
                           </a:solidFill>
                           <a:latin typeface="Consolas" panose="020B0609020204030204" pitchFamily="49" charset="0"/>
                         </a:rPr>
-                        <a:t>7</a:t>
+                        <a:t>-7</a:t>
                       </a:r>
                     </a:p>
                   </a:txBody>
@@ -7038,7 +7043,7 @@
                           </a:solidFill>
                           <a:latin typeface="Consolas" panose="020B0609020204030204" pitchFamily="49" charset="0"/>
                         </a:rPr>
-                        <a:t>10</a:t>
+                        <a:t>-10</a:t>
                       </a:r>
                     </a:p>
                   </a:txBody>
@@ -7319,7 +7324,7 @@
                           </a:solidFill>
                           <a:latin typeface="Consolas" panose="020B0609020204030204" pitchFamily="49" charset="0"/>
                         </a:rPr>
-                        <a:t>13</a:t>
+                        <a:t>-5</a:t>
                       </a:r>
                       <a:endParaRPr lang="en-US" dirty="0">
                         <a:solidFill>
@@ -7392,7 +7397,7 @@
                           </a:solidFill>
                           <a:latin typeface="Consolas" panose="020B0609020204030204" pitchFamily="49" charset="0"/>
                         </a:rPr>
-                        <a:t>15</a:t>
+                        <a:t>2</a:t>
                       </a:r>
                       <a:endParaRPr lang="en-US" dirty="0">
                         <a:solidFill>
@@ -7465,7 +7470,7 @@
                           </a:solidFill>
                           <a:latin typeface="Consolas" panose="020B0609020204030204" pitchFamily="49" charset="0"/>
                         </a:rPr>
-                        <a:t>23</a:t>
+                        <a:t>10</a:t>
                       </a:r>
                       <a:endParaRPr lang="en-US" dirty="0">
                         <a:solidFill>
@@ -7538,7 +7543,7 @@
                           </a:solidFill>
                           <a:latin typeface="Consolas" panose="020B0609020204030204" pitchFamily="49" charset="0"/>
                         </a:rPr>
-                        <a:t>30</a:t>
+                        <a:t>3</a:t>
                       </a:r>
                       <a:endParaRPr lang="en-US" dirty="0">
                         <a:solidFill>
@@ -7611,7 +7616,7 @@
                           </a:solidFill>
                           <a:latin typeface="Consolas" panose="020B0609020204030204" pitchFamily="49" charset="0"/>
                         </a:rPr>
-                        <a:t>31</a:t>
+                        <a:t>4</a:t>
                       </a:r>
                       <a:endParaRPr lang="en-US" dirty="0">
                         <a:solidFill>
@@ -7684,7 +7689,7 @@
                           </a:solidFill>
                           <a:latin typeface="Consolas" panose="020B0609020204030204" pitchFamily="49" charset="0"/>
                         </a:rPr>
-                        <a:t>35</a:t>
+                        <a:t>8</a:t>
                       </a:r>
                       <a:endParaRPr lang="en-US" dirty="0">
                         <a:solidFill>
@@ -7751,13 +7756,80 @@
                     <a:p>
                       <a:pPr algn="ctr"/>
                       <a:r>
+                        <a:rPr lang="en-US" dirty="0">
+                          <a:solidFill>
+                            <a:schemeClr val="tx1"/>
+                          </a:solidFill>
+                          <a:latin typeface="Consolas" panose="020B0609020204030204" pitchFamily="49" charset="0"/>
+                        </a:rPr>
+                        <a:t>-2</a:t>
+                      </a:r>
+                    </a:p>
+                  </a:txBody>
+                  <a:tcPr>
+                    <a:lnL w="12700" cap="flat" cmpd="sng" algn="ctr">
+                      <a:solidFill>
+                        <a:schemeClr val="tx1"/>
+                      </a:solidFill>
+                      <a:prstDash val="solid"/>
+                      <a:round/>
+                      <a:headEnd type="none" w="med" len="med"/>
+                      <a:tailEnd type="none" w="med" len="med"/>
+                    </a:lnL>
+                    <a:lnR w="12700" cap="flat" cmpd="sng" algn="ctr">
+                      <a:solidFill>
+                        <a:schemeClr val="tx1"/>
+                      </a:solidFill>
+                      <a:prstDash val="solid"/>
+                      <a:round/>
+                      <a:headEnd type="none" w="med" len="med"/>
+                      <a:tailEnd type="none" w="med" len="med"/>
+                    </a:lnR>
+                    <a:lnT w="12700" cap="flat" cmpd="sng" algn="ctr">
+                      <a:solidFill>
+                        <a:schemeClr val="tx1"/>
+                      </a:solidFill>
+                      <a:prstDash val="solid"/>
+                      <a:round/>
+                      <a:headEnd type="none" w="med" len="med"/>
+                      <a:tailEnd type="none" w="med" len="med"/>
+                    </a:lnT>
+                    <a:lnB w="12700" cap="flat" cmpd="sng" algn="ctr">
+                      <a:solidFill>
+                        <a:schemeClr val="tx1"/>
+                      </a:solidFill>
+                      <a:prstDash val="solid"/>
+                      <a:round/>
+                      <a:headEnd type="none" w="med" len="med"/>
+                      <a:tailEnd type="none" w="med" len="med"/>
+                    </a:lnB>
+                    <a:lnTlToBr w="12700" cmpd="sng">
+                      <a:noFill/>
+                      <a:prstDash val="solid"/>
+                    </a:lnTlToBr>
+                    <a:lnBlToTr w="12700" cmpd="sng">
+                      <a:noFill/>
+                      <a:prstDash val="solid"/>
+                    </a:lnBlToTr>
+                    <a:solidFill>
+                      <a:schemeClr val="bg1"/>
+                    </a:solidFill>
+                  </a:tcPr>
+                </a:tc>
+                <a:tc>
+                  <a:txBody>
+                    <a:bodyPr/>
+                    <a:lstStyle/>
+                    <a:p>
+                      <a:pPr algn="ctr"/>
+                      <a:r>
                         <a:rPr lang="en-US" altLang="zh-TW" dirty="0">
                           <a:solidFill>
                             <a:schemeClr val="tx1"/>
                           </a:solidFill>
                           <a:latin typeface="Consolas" panose="020B0609020204030204" pitchFamily="49" charset="0"/>
                         </a:rPr>
-                        <a:t>45</a:t>
+                        <a:t>3</a:t>
                       </a:r>
                       <a:endParaRPr lang="en-US" dirty="0">
                         <a:solidFill>
@@ -7830,80 +7902,7 @@
                           </a:solidFill>
                           <a:latin typeface="Consolas" panose="020B0609020204030204" pitchFamily="49" charset="0"/>
                         </a:rPr>
-                        <a:t>48</a:t>
-                      </a:r>
-                      <a:endParaRPr lang="en-US" dirty="0">
-                        <a:solidFill>
-                          <a:schemeClr val="tx1"/>
-                        </a:solidFill>
-                        <a:latin typeface="Consolas" panose="020B0609020204030204" pitchFamily="49" charset="0"/>
-                      </a:endParaRPr>
-                    </a:p>
-                  </a:txBody>
-                  <a:tcPr>
-                    <a:lnL w="12700" cap="flat" cmpd="sng" algn="ctr">
-                      <a:solidFill>
-                        <a:schemeClr val="tx1"/>
-                      </a:solidFill>
-                      <a:prstDash val="solid"/>
-                      <a:round/>
-                      <a:headEnd type="none" w="med" len="med"/>
-                      <a:tailEnd type="none" w="med" len="med"/>
-                    </a:lnL>
-                    <a:lnR w="12700" cap="flat" cmpd="sng" algn="ctr">
-                      <a:solidFill>
-                        <a:schemeClr val="tx1"/>
-                      </a:solidFill>
-                      <a:prstDash val="solid"/>
-                      <a:round/>
-                      <a:headEnd type="none" w="med" len="med"/>
-                      <a:tailEnd type="none" w="med" len="med"/>
-                    </a:lnR>
-                    <a:lnT w="12700" cap="flat" cmpd="sng" algn="ctr">
-                      <a:solidFill>
-                        <a:schemeClr val="tx1"/>
-                      </a:solidFill>
-                      <a:prstDash val="solid"/>
-                      <a:round/>
-                      <a:headEnd type="none" w="med" len="med"/>
-                      <a:tailEnd type="none" w="med" len="med"/>
-                    </a:lnT>
-                    <a:lnB w="12700" cap="flat" cmpd="sng" algn="ctr">
-                      <a:solidFill>
-                        <a:schemeClr val="tx1"/>
-                      </a:solidFill>
-                      <a:prstDash val="solid"/>
-                      <a:round/>
-                      <a:headEnd type="none" w="med" len="med"/>
-                      <a:tailEnd type="none" w="med" len="med"/>
-                    </a:lnB>
-                    <a:lnTlToBr w="12700" cmpd="sng">
-                      <a:noFill/>
-                      <a:prstDash val="solid"/>
-                    </a:lnTlToBr>
-                    <a:lnBlToTr w="12700" cmpd="sng">
-                      <a:noFill/>
-                      <a:prstDash val="solid"/>
-                    </a:lnBlToTr>
-                    <a:solidFill>
-                      <a:schemeClr val="bg1"/>
-                    </a:solidFill>
-                  </a:tcPr>
-                </a:tc>
-                <a:tc>
-                  <a:txBody>
-                    <a:bodyPr/>
-                    <a:lstStyle/>
-                    <a:p>
-                      <a:pPr algn="ctr"/>
-                      <a:r>
-                        <a:rPr lang="en-US" altLang="zh-TW" dirty="0">
-                          <a:solidFill>
-                            <a:schemeClr val="tx1"/>
-                          </a:solidFill>
-                          <a:latin typeface="Consolas" panose="020B0609020204030204" pitchFamily="49" charset="0"/>
-                        </a:rPr>
-                        <a:t>53</a:t>
+                        <a:t>10</a:t>
                       </a:r>
                       <a:endParaRPr lang="en-US" dirty="0">
                         <a:solidFill>
@@ -8094,7 +8093,7 @@
               <a:rPr lang="en-US" sz="2800" b="1" dirty="0">
                 <a:latin typeface="Consolas" panose="020B0609020204030204" pitchFamily="49" charset="0"/>
               </a:rPr>
-              <a:t>[8]+num[9],num[9]) = 53</a:t>
+              <a:t>[8]+num[9],num[9]) = 10</a:t>
             </a:r>
           </a:p>
         </p:txBody>
@@ -8144,7 +8143,7 @@
           <p:nvPr>
             <p:extLst>
               <p:ext uri="{D42A27DB-BD31-4B8C-83A1-F6EECF244321}">
-                <p14:modId xmlns:p14="http://schemas.microsoft.com/office/powerpoint/2010/main" val="2102770781"/>
+                <p14:modId xmlns:p14="http://schemas.microsoft.com/office/powerpoint/2010/main" val="1301240081"/>
               </p:ext>
             </p:extLst>
           </p:nvPr>
@@ -9049,7 +9048,7 @@
                           </a:solidFill>
                           <a:latin typeface="Consolas" panose="020B0609020204030204" pitchFamily="49" charset="0"/>
                         </a:rPr>
-                        <a:t>9</a:t>
+                        <a:t>-9</a:t>
                       </a:r>
                     </a:p>
                   </a:txBody>
@@ -9250,7 +9249,7 @@
                           </a:solidFill>
                           <a:latin typeface="Consolas" panose="020B0609020204030204" pitchFamily="49" charset="0"/>
                         </a:rPr>
-                        <a:t>7</a:t>
+                        <a:t>-7</a:t>
                       </a:r>
                     </a:p>
                   </a:txBody>
@@ -9451,7 +9450,7 @@
                           </a:solidFill>
                           <a:latin typeface="Consolas" panose="020B0609020204030204" pitchFamily="49" charset="0"/>
                         </a:rPr>
-                        <a:t>10</a:t>
+                        <a:t>-10</a:t>
                       </a:r>
                     </a:p>
                   </a:txBody>
@@ -9732,7 +9731,7 @@
                           </a:solidFill>
                           <a:latin typeface="Consolas" panose="020B0609020204030204" pitchFamily="49" charset="0"/>
                         </a:rPr>
-                        <a:t>13</a:t>
+                        <a:t>-5</a:t>
                       </a:r>
                       <a:endParaRPr lang="en-US" dirty="0">
                         <a:solidFill>
@@ -9805,7 +9804,7 @@
                           </a:solidFill>
                           <a:latin typeface="Consolas" panose="020B0609020204030204" pitchFamily="49" charset="0"/>
                         </a:rPr>
-                        <a:t>15</a:t>
+                        <a:t>2</a:t>
                       </a:r>
                       <a:endParaRPr lang="en-US" dirty="0">
                         <a:solidFill>
@@ -9878,7 +9877,7 @@
                           </a:solidFill>
                           <a:latin typeface="Consolas" panose="020B0609020204030204" pitchFamily="49" charset="0"/>
                         </a:rPr>
-                        <a:t>23</a:t>
+                        <a:t>10</a:t>
                       </a:r>
                       <a:endParaRPr lang="en-US" dirty="0">
                         <a:solidFill>
@@ -9951,7 +9950,7 @@
                           </a:solidFill>
                           <a:latin typeface="Consolas" panose="020B0609020204030204" pitchFamily="49" charset="0"/>
                         </a:rPr>
-                        <a:t>30</a:t>
+                        <a:t>3</a:t>
                       </a:r>
                       <a:endParaRPr lang="en-US" dirty="0">
                         <a:solidFill>
@@ -10024,7 +10023,7 @@
                           </a:solidFill>
                           <a:latin typeface="Consolas" panose="020B0609020204030204" pitchFamily="49" charset="0"/>
                         </a:rPr>
-                        <a:t>31</a:t>
+                        <a:t>4</a:t>
                       </a:r>
                       <a:endParaRPr lang="en-US" dirty="0">
                         <a:solidFill>
@@ -10097,7 +10096,7 @@
                           </a:solidFill>
                           <a:latin typeface="Consolas" panose="020B0609020204030204" pitchFamily="49" charset="0"/>
                         </a:rPr>
-                        <a:t>35</a:t>
+                        <a:t>8</a:t>
                       </a:r>
                       <a:endParaRPr lang="en-US" dirty="0">
                         <a:solidFill>
@@ -10164,13 +10163,80 @@
                     <a:p>
                       <a:pPr algn="ctr"/>
                       <a:r>
+                        <a:rPr lang="en-US" dirty="0">
+                          <a:solidFill>
+                            <a:schemeClr val="tx1"/>
+                          </a:solidFill>
+                          <a:latin typeface="Consolas" panose="020B0609020204030204" pitchFamily="49" charset="0"/>
+                        </a:rPr>
+                        <a:t>-2</a:t>
+                      </a:r>
+                    </a:p>
+                  </a:txBody>
+                  <a:tcPr>
+                    <a:lnL w="12700" cap="flat" cmpd="sng" algn="ctr">
+                      <a:solidFill>
+                        <a:schemeClr val="tx1"/>
+                      </a:solidFill>
+                      <a:prstDash val="solid"/>
+                      <a:round/>
+                      <a:headEnd type="none" w="med" len="med"/>
+                      <a:tailEnd type="none" w="med" len="med"/>
+                    </a:lnL>
+                    <a:lnR w="12700" cap="flat" cmpd="sng" algn="ctr">
+                      <a:solidFill>
+                        <a:schemeClr val="tx1"/>
+                      </a:solidFill>
+                      <a:prstDash val="solid"/>
+                      <a:round/>
+                      <a:headEnd type="none" w="med" len="med"/>
+                      <a:tailEnd type="none" w="med" len="med"/>
+                    </a:lnR>
+                    <a:lnT w="12700" cap="flat" cmpd="sng" algn="ctr">
+                      <a:solidFill>
+                        <a:schemeClr val="tx1"/>
+                      </a:solidFill>
+                      <a:prstDash val="solid"/>
+                      <a:round/>
+                      <a:headEnd type="none" w="med" len="med"/>
+                      <a:tailEnd type="none" w="med" len="med"/>
+                    </a:lnT>
+                    <a:lnB w="12700" cap="flat" cmpd="sng" algn="ctr">
+                      <a:solidFill>
+                        <a:schemeClr val="tx1"/>
+                      </a:solidFill>
+                      <a:prstDash val="solid"/>
+                      <a:round/>
+                      <a:headEnd type="none" w="med" len="med"/>
+                      <a:tailEnd type="none" w="med" len="med"/>
+                    </a:lnB>
+                    <a:lnTlToBr w="12700" cmpd="sng">
+                      <a:noFill/>
+                      <a:prstDash val="solid"/>
+                    </a:lnTlToBr>
+                    <a:lnBlToTr w="12700" cmpd="sng">
+                      <a:noFill/>
+                      <a:prstDash val="solid"/>
+                    </a:lnBlToTr>
+                    <a:solidFill>
+                      <a:schemeClr val="bg1"/>
+                    </a:solidFill>
+                  </a:tcPr>
+                </a:tc>
+                <a:tc>
+                  <a:txBody>
+                    <a:bodyPr/>
+                    <a:lstStyle/>
+                    <a:p>
+                      <a:pPr algn="ctr"/>
+                      <a:r>
                         <a:rPr lang="en-US" altLang="zh-TW" dirty="0">
                           <a:solidFill>
                             <a:schemeClr val="tx1"/>
                           </a:solidFill>
                           <a:latin typeface="Consolas" panose="020B0609020204030204" pitchFamily="49" charset="0"/>
                         </a:rPr>
-                        <a:t>45</a:t>
+                        <a:t>3</a:t>
                       </a:r>
                       <a:endParaRPr lang="en-US" dirty="0">
                         <a:solidFill>
@@ -10243,80 +10309,7 @@
                           </a:solidFill>
                           <a:latin typeface="Consolas" panose="020B0609020204030204" pitchFamily="49" charset="0"/>
                         </a:rPr>
-                        <a:t>48</a:t>
-                      </a:r>
-                      <a:endParaRPr lang="en-US" dirty="0">
-                        <a:solidFill>
-                          <a:schemeClr val="tx1"/>
-                        </a:solidFill>
-                        <a:latin typeface="Consolas" panose="020B0609020204030204" pitchFamily="49" charset="0"/>
-                      </a:endParaRPr>
-                    </a:p>
-                  </a:txBody>
-                  <a:tcPr>
-                    <a:lnL w="12700" cap="flat" cmpd="sng" algn="ctr">
-                      <a:solidFill>
-                        <a:schemeClr val="tx1"/>
-                      </a:solidFill>
-                      <a:prstDash val="solid"/>
-                      <a:round/>
-                      <a:headEnd type="none" w="med" len="med"/>
-                      <a:tailEnd type="none" w="med" len="med"/>
-                    </a:lnL>
-                    <a:lnR w="12700" cap="flat" cmpd="sng" algn="ctr">
-                      <a:solidFill>
-                        <a:schemeClr val="tx1"/>
-                      </a:solidFill>
-                      <a:prstDash val="solid"/>
-                      <a:round/>
-                      <a:headEnd type="none" w="med" len="med"/>
-                      <a:tailEnd type="none" w="med" len="med"/>
-                    </a:lnR>
-                    <a:lnT w="12700" cap="flat" cmpd="sng" algn="ctr">
-                      <a:solidFill>
-                        <a:schemeClr val="tx1"/>
-                      </a:solidFill>
-                      <a:prstDash val="solid"/>
-                      <a:round/>
-                      <a:headEnd type="none" w="med" len="med"/>
-                      <a:tailEnd type="none" w="med" len="med"/>
-                    </a:lnT>
-                    <a:lnB w="12700" cap="flat" cmpd="sng" algn="ctr">
-                      <a:solidFill>
-                        <a:schemeClr val="tx1"/>
-                      </a:solidFill>
-                      <a:prstDash val="solid"/>
-                      <a:round/>
-                      <a:headEnd type="none" w="med" len="med"/>
-                      <a:tailEnd type="none" w="med" len="med"/>
-                    </a:lnB>
-                    <a:lnTlToBr w="12700" cmpd="sng">
-                      <a:noFill/>
-                      <a:prstDash val="solid"/>
-                    </a:lnTlToBr>
-                    <a:lnBlToTr w="12700" cmpd="sng">
-                      <a:noFill/>
-                      <a:prstDash val="solid"/>
-                    </a:lnBlToTr>
-                    <a:solidFill>
-                      <a:schemeClr val="bg1"/>
-                    </a:solidFill>
-                  </a:tcPr>
-                </a:tc>
-                <a:tc>
-                  <a:txBody>
-                    <a:bodyPr/>
-                    <a:lstStyle/>
-                    <a:p>
-                      <a:pPr algn="ctr"/>
-                      <a:r>
-                        <a:rPr lang="en-US" altLang="zh-TW" dirty="0">
-                          <a:solidFill>
-                            <a:schemeClr val="tx1"/>
-                          </a:solidFill>
-                          <a:latin typeface="Consolas" panose="020B0609020204030204" pitchFamily="49" charset="0"/>
-                        </a:rPr>
-                        <a:t>53</a:t>
+                        <a:t>10</a:t>
                       </a:r>
                       <a:endParaRPr lang="en-US" dirty="0">
                         <a:solidFill>
@@ -10537,8 +10530,17 @@
               <a:rPr lang="en-US" sz="3600" b="1" dirty="0">
                 <a:latin typeface="Consolas" panose="020B0609020204030204" pitchFamily="49" charset="0"/>
               </a:rPr>
-              <a:t>MAXIMUM = 53</a:t>
+              <a:t>MAXIMUM </a:t>
             </a:r>
+            <a:r>
+              <a:rPr lang="en-US" sz="3600" b="1">
+                <a:latin typeface="Consolas" panose="020B0609020204030204" pitchFamily="49" charset="0"/>
+              </a:rPr>
+              <a:t>= 10</a:t>
+            </a:r>
+            <a:endParaRPr lang="en-US" sz="3600" b="1" dirty="0">
+              <a:latin typeface="Consolas" panose="020B0609020204030204" pitchFamily="49" charset="0"/>
+            </a:endParaRPr>
           </a:p>
         </p:txBody>
       </p:sp>
@@ -10587,7 +10589,7 @@
           <p:nvPr>
             <p:extLst>
               <p:ext uri="{D42A27DB-BD31-4B8C-83A1-F6EECF244321}">
-                <p14:modId xmlns:p14="http://schemas.microsoft.com/office/powerpoint/2010/main" val="3965428666"/>
+                <p14:modId xmlns:p14="http://schemas.microsoft.com/office/powerpoint/2010/main" val="189593590"/>
               </p:ext>
             </p:extLst>
           </p:nvPr>
@@ -11492,7 +11494,7 @@
                           </a:solidFill>
                           <a:latin typeface="Consolas" panose="020B0609020204030204" pitchFamily="49" charset="0"/>
                         </a:rPr>
-                        <a:t>9</a:t>
+                        <a:t>-9</a:t>
                       </a:r>
                     </a:p>
                   </a:txBody>
@@ -11693,7 +11695,7 @@
                           </a:solidFill>
                           <a:latin typeface="Consolas" panose="020B0609020204030204" pitchFamily="49" charset="0"/>
                         </a:rPr>
-                        <a:t>7</a:t>
+                        <a:t>-7</a:t>
                       </a:r>
                     </a:p>
                   </a:txBody>
@@ -11894,7 +11896,7 @@
                           </a:solidFill>
                           <a:latin typeface="Consolas" panose="020B0609020204030204" pitchFamily="49" charset="0"/>
                         </a:rPr>
-                        <a:t>10</a:t>
+                        <a:t>-10</a:t>
                       </a:r>
                     </a:p>
                   </a:txBody>
@@ -12175,7 +12177,7 @@
                           </a:solidFill>
                           <a:latin typeface="Consolas" panose="020B0609020204030204" pitchFamily="49" charset="0"/>
                         </a:rPr>
-                        <a:t>13</a:t>
+                        <a:t>-5</a:t>
                       </a:r>
                       <a:endParaRPr lang="en-US" dirty="0">
                         <a:solidFill>
@@ -12950,7 +12952,7 @@
               <a:rPr lang="en-US" sz="2800" b="1" dirty="0">
                 <a:latin typeface="Consolas" panose="020B0609020204030204" pitchFamily="49" charset="0"/>
               </a:rPr>
-              <a:t>[0]+num[1],num[1]) = 13</a:t>
+              <a:t>[0]+num[1],num[1]) = 4</a:t>
             </a:r>
           </a:p>
         </p:txBody>
@@ -13000,7 +13002,7 @@
           <p:nvPr>
             <p:extLst>
               <p:ext uri="{D42A27DB-BD31-4B8C-83A1-F6EECF244321}">
-                <p14:modId xmlns:p14="http://schemas.microsoft.com/office/powerpoint/2010/main" val="4166946579"/>
+                <p14:modId xmlns:p14="http://schemas.microsoft.com/office/powerpoint/2010/main" val="1813614581"/>
               </p:ext>
             </p:extLst>
           </p:nvPr>
@@ -13905,7 +13907,7 @@
                           </a:solidFill>
                           <a:latin typeface="Consolas" panose="020B0609020204030204" pitchFamily="49" charset="0"/>
                         </a:rPr>
-                        <a:t>9</a:t>
+                        <a:t>-9</a:t>
                       </a:r>
                     </a:p>
                   </a:txBody>
@@ -14106,7 +14108,7 @@
                           </a:solidFill>
                           <a:latin typeface="Consolas" panose="020B0609020204030204" pitchFamily="49" charset="0"/>
                         </a:rPr>
-                        <a:t>7</a:t>
+                        <a:t>-7</a:t>
                       </a:r>
                     </a:p>
                   </a:txBody>
@@ -14307,7 +14309,7 @@
                           </a:solidFill>
                           <a:latin typeface="Consolas" panose="020B0609020204030204" pitchFamily="49" charset="0"/>
                         </a:rPr>
-                        <a:t>10</a:t>
+                        <a:t>-10</a:t>
                       </a:r>
                     </a:p>
                   </a:txBody>
@@ -14588,7 +14590,7 @@
                           </a:solidFill>
                           <a:latin typeface="Consolas" panose="020B0609020204030204" pitchFamily="49" charset="0"/>
                         </a:rPr>
-                        <a:t>13</a:t>
+                        <a:t>-5</a:t>
                       </a:r>
                       <a:endParaRPr lang="en-US" dirty="0">
                         <a:solidFill>
@@ -14661,7 +14663,7 @@
                           </a:solidFill>
                           <a:latin typeface="Consolas" panose="020B0609020204030204" pitchFamily="49" charset="0"/>
                         </a:rPr>
-                        <a:t>15</a:t>
+                        <a:t>2</a:t>
                       </a:r>
                       <a:endParaRPr lang="en-US" dirty="0">
                         <a:solidFill>
@@ -14735,6 +14737,2419 @@
                           <a:latin typeface="Consolas" panose="020B0609020204030204" pitchFamily="49" charset="0"/>
                         </a:rPr>
                         <a:t>0</a:t>
+                      </a:r>
+                      <a:endParaRPr lang="en-US" dirty="0">
+                        <a:solidFill>
+                          <a:schemeClr val="tx1"/>
+                        </a:solidFill>
+                        <a:latin typeface="Consolas" panose="020B0609020204030204" pitchFamily="49" charset="0"/>
+                      </a:endParaRPr>
+                    </a:p>
+                  </a:txBody>
+                  <a:tcPr>
+                    <a:lnL w="12700" cap="flat" cmpd="sng" algn="ctr">
+                      <a:solidFill>
+                        <a:schemeClr val="tx1"/>
+                      </a:solidFill>
+                      <a:prstDash val="solid"/>
+                      <a:round/>
+                      <a:headEnd type="none" w="med" len="med"/>
+                      <a:tailEnd type="none" w="med" len="med"/>
+                    </a:lnL>
+                    <a:lnR w="12700" cap="flat" cmpd="sng" algn="ctr">
+                      <a:solidFill>
+                        <a:schemeClr val="tx1"/>
+                      </a:solidFill>
+                      <a:prstDash val="solid"/>
+                      <a:round/>
+                      <a:headEnd type="none" w="med" len="med"/>
+                      <a:tailEnd type="none" w="med" len="med"/>
+                    </a:lnR>
+                    <a:lnT w="12700" cap="flat" cmpd="sng" algn="ctr">
+                      <a:solidFill>
+                        <a:schemeClr val="tx1"/>
+                      </a:solidFill>
+                      <a:prstDash val="solid"/>
+                      <a:round/>
+                      <a:headEnd type="none" w="med" len="med"/>
+                      <a:tailEnd type="none" w="med" len="med"/>
+                    </a:lnT>
+                    <a:lnB w="12700" cap="flat" cmpd="sng" algn="ctr">
+                      <a:solidFill>
+                        <a:schemeClr val="tx1"/>
+                      </a:solidFill>
+                      <a:prstDash val="solid"/>
+                      <a:round/>
+                      <a:headEnd type="none" w="med" len="med"/>
+                      <a:tailEnd type="none" w="med" len="med"/>
+                    </a:lnB>
+                    <a:lnTlToBr w="12700" cmpd="sng">
+                      <a:noFill/>
+                      <a:prstDash val="solid"/>
+                    </a:lnTlToBr>
+                    <a:lnBlToTr w="12700" cmpd="sng">
+                      <a:noFill/>
+                      <a:prstDash val="solid"/>
+                    </a:lnBlToTr>
+                    <a:solidFill>
+                      <a:schemeClr val="bg1"/>
+                    </a:solidFill>
+                  </a:tcPr>
+                </a:tc>
+                <a:tc>
+                  <a:txBody>
+                    <a:bodyPr/>
+                    <a:lstStyle/>
+                    <a:p>
+                      <a:pPr algn="ctr"/>
+                      <a:r>
+                        <a:rPr lang="en-US" altLang="zh-TW" dirty="0">
+                          <a:solidFill>
+                            <a:schemeClr val="tx1"/>
+                          </a:solidFill>
+                          <a:latin typeface="Consolas" panose="020B0609020204030204" pitchFamily="49" charset="0"/>
+                        </a:rPr>
+                        <a:t>0</a:t>
+                      </a:r>
+                      <a:endParaRPr lang="en-US" dirty="0">
+                        <a:solidFill>
+                          <a:schemeClr val="tx1"/>
+                        </a:solidFill>
+                        <a:latin typeface="Consolas" panose="020B0609020204030204" pitchFamily="49" charset="0"/>
+                      </a:endParaRPr>
+                    </a:p>
+                  </a:txBody>
+                  <a:tcPr>
+                    <a:lnL w="12700" cap="flat" cmpd="sng" algn="ctr">
+                      <a:solidFill>
+                        <a:schemeClr val="tx1"/>
+                      </a:solidFill>
+                      <a:prstDash val="solid"/>
+                      <a:round/>
+                      <a:headEnd type="none" w="med" len="med"/>
+                      <a:tailEnd type="none" w="med" len="med"/>
+                    </a:lnL>
+                    <a:lnR w="12700" cap="flat" cmpd="sng" algn="ctr">
+                      <a:solidFill>
+                        <a:schemeClr val="tx1"/>
+                      </a:solidFill>
+                      <a:prstDash val="solid"/>
+                      <a:round/>
+                      <a:headEnd type="none" w="med" len="med"/>
+                      <a:tailEnd type="none" w="med" len="med"/>
+                    </a:lnR>
+                    <a:lnT w="12700" cap="flat" cmpd="sng" algn="ctr">
+                      <a:solidFill>
+                        <a:schemeClr val="tx1"/>
+                      </a:solidFill>
+                      <a:prstDash val="solid"/>
+                      <a:round/>
+                      <a:headEnd type="none" w="med" len="med"/>
+                      <a:tailEnd type="none" w="med" len="med"/>
+                    </a:lnT>
+                    <a:lnB w="12700" cap="flat" cmpd="sng" algn="ctr">
+                      <a:solidFill>
+                        <a:schemeClr val="tx1"/>
+                      </a:solidFill>
+                      <a:prstDash val="solid"/>
+                      <a:round/>
+                      <a:headEnd type="none" w="med" len="med"/>
+                      <a:tailEnd type="none" w="med" len="med"/>
+                    </a:lnB>
+                    <a:lnTlToBr w="12700" cmpd="sng">
+                      <a:noFill/>
+                      <a:prstDash val="solid"/>
+                    </a:lnTlToBr>
+                    <a:lnBlToTr w="12700" cmpd="sng">
+                      <a:noFill/>
+                      <a:prstDash val="solid"/>
+                    </a:lnBlToTr>
+                    <a:solidFill>
+                      <a:schemeClr val="bg1"/>
+                    </a:solidFill>
+                  </a:tcPr>
+                </a:tc>
+                <a:tc>
+                  <a:txBody>
+                    <a:bodyPr/>
+                    <a:lstStyle/>
+                    <a:p>
+                      <a:pPr algn="ctr"/>
+                      <a:r>
+                        <a:rPr lang="en-US" altLang="zh-TW" dirty="0">
+                          <a:solidFill>
+                            <a:schemeClr val="tx1"/>
+                          </a:solidFill>
+                          <a:latin typeface="Consolas" panose="020B0609020204030204" pitchFamily="49" charset="0"/>
+                        </a:rPr>
+                        <a:t>0</a:t>
+                      </a:r>
+                      <a:endParaRPr lang="en-US" dirty="0">
+                        <a:solidFill>
+                          <a:schemeClr val="tx1"/>
+                        </a:solidFill>
+                        <a:latin typeface="Consolas" panose="020B0609020204030204" pitchFamily="49" charset="0"/>
+                      </a:endParaRPr>
+                    </a:p>
+                  </a:txBody>
+                  <a:tcPr>
+                    <a:lnL w="12700" cap="flat" cmpd="sng" algn="ctr">
+                      <a:solidFill>
+                        <a:schemeClr val="tx1"/>
+                      </a:solidFill>
+                      <a:prstDash val="solid"/>
+                      <a:round/>
+                      <a:headEnd type="none" w="med" len="med"/>
+                      <a:tailEnd type="none" w="med" len="med"/>
+                    </a:lnL>
+                    <a:lnR w="12700" cap="flat" cmpd="sng" algn="ctr">
+                      <a:solidFill>
+                        <a:schemeClr val="tx1"/>
+                      </a:solidFill>
+                      <a:prstDash val="solid"/>
+                      <a:round/>
+                      <a:headEnd type="none" w="med" len="med"/>
+                      <a:tailEnd type="none" w="med" len="med"/>
+                    </a:lnR>
+                    <a:lnT w="12700" cap="flat" cmpd="sng" algn="ctr">
+                      <a:solidFill>
+                        <a:schemeClr val="tx1"/>
+                      </a:solidFill>
+                      <a:prstDash val="solid"/>
+                      <a:round/>
+                      <a:headEnd type="none" w="med" len="med"/>
+                      <a:tailEnd type="none" w="med" len="med"/>
+                    </a:lnT>
+                    <a:lnB w="12700" cap="flat" cmpd="sng" algn="ctr">
+                      <a:solidFill>
+                        <a:schemeClr val="tx1"/>
+                      </a:solidFill>
+                      <a:prstDash val="solid"/>
+                      <a:round/>
+                      <a:headEnd type="none" w="med" len="med"/>
+                      <a:tailEnd type="none" w="med" len="med"/>
+                    </a:lnB>
+                    <a:lnTlToBr w="12700" cmpd="sng">
+                      <a:noFill/>
+                      <a:prstDash val="solid"/>
+                    </a:lnTlToBr>
+                    <a:lnBlToTr w="12700" cmpd="sng">
+                      <a:noFill/>
+                      <a:prstDash val="solid"/>
+                    </a:lnBlToTr>
+                    <a:solidFill>
+                      <a:schemeClr val="bg1"/>
+                    </a:solidFill>
+                  </a:tcPr>
+                </a:tc>
+                <a:tc>
+                  <a:txBody>
+                    <a:bodyPr/>
+                    <a:lstStyle/>
+                    <a:p>
+                      <a:pPr algn="ctr"/>
+                      <a:r>
+                        <a:rPr lang="en-US" altLang="zh-TW" dirty="0">
+                          <a:solidFill>
+                            <a:schemeClr val="tx1"/>
+                          </a:solidFill>
+                          <a:latin typeface="Consolas" panose="020B0609020204030204" pitchFamily="49" charset="0"/>
+                        </a:rPr>
+                        <a:t>0</a:t>
+                      </a:r>
+                      <a:endParaRPr lang="en-US" dirty="0">
+                        <a:solidFill>
+                          <a:schemeClr val="tx1"/>
+                        </a:solidFill>
+                        <a:latin typeface="Consolas" panose="020B0609020204030204" pitchFamily="49" charset="0"/>
+                      </a:endParaRPr>
+                    </a:p>
+                  </a:txBody>
+                  <a:tcPr>
+                    <a:lnL w="12700" cap="flat" cmpd="sng" algn="ctr">
+                      <a:solidFill>
+                        <a:schemeClr val="tx1"/>
+                      </a:solidFill>
+                      <a:prstDash val="solid"/>
+                      <a:round/>
+                      <a:headEnd type="none" w="med" len="med"/>
+                      <a:tailEnd type="none" w="med" len="med"/>
+                    </a:lnL>
+                    <a:lnR w="12700" cap="flat" cmpd="sng" algn="ctr">
+                      <a:solidFill>
+                        <a:schemeClr val="tx1"/>
+                      </a:solidFill>
+                      <a:prstDash val="solid"/>
+                      <a:round/>
+                      <a:headEnd type="none" w="med" len="med"/>
+                      <a:tailEnd type="none" w="med" len="med"/>
+                    </a:lnR>
+                    <a:lnT w="12700" cap="flat" cmpd="sng" algn="ctr">
+                      <a:solidFill>
+                        <a:schemeClr val="tx1"/>
+                      </a:solidFill>
+                      <a:prstDash val="solid"/>
+                      <a:round/>
+                      <a:headEnd type="none" w="med" len="med"/>
+                      <a:tailEnd type="none" w="med" len="med"/>
+                    </a:lnT>
+                    <a:lnB w="12700" cap="flat" cmpd="sng" algn="ctr">
+                      <a:solidFill>
+                        <a:schemeClr val="tx1"/>
+                      </a:solidFill>
+                      <a:prstDash val="solid"/>
+                      <a:round/>
+                      <a:headEnd type="none" w="med" len="med"/>
+                      <a:tailEnd type="none" w="med" len="med"/>
+                    </a:lnB>
+                    <a:lnTlToBr w="12700" cmpd="sng">
+                      <a:noFill/>
+                      <a:prstDash val="solid"/>
+                    </a:lnTlToBr>
+                    <a:lnBlToTr w="12700" cmpd="sng">
+                      <a:noFill/>
+                      <a:prstDash val="solid"/>
+                    </a:lnBlToTr>
+                    <a:solidFill>
+                      <a:schemeClr val="bg1"/>
+                    </a:solidFill>
+                  </a:tcPr>
+                </a:tc>
+                <a:tc>
+                  <a:txBody>
+                    <a:bodyPr/>
+                    <a:lstStyle/>
+                    <a:p>
+                      <a:pPr algn="ctr"/>
+                      <a:r>
+                        <a:rPr lang="en-US" altLang="zh-TW" dirty="0">
+                          <a:solidFill>
+                            <a:schemeClr val="tx1"/>
+                          </a:solidFill>
+                          <a:latin typeface="Consolas" panose="020B0609020204030204" pitchFamily="49" charset="0"/>
+                        </a:rPr>
+                        <a:t>0</a:t>
+                      </a:r>
+                      <a:endParaRPr lang="en-US" dirty="0">
+                        <a:solidFill>
+                          <a:schemeClr val="tx1"/>
+                        </a:solidFill>
+                        <a:latin typeface="Consolas" panose="020B0609020204030204" pitchFamily="49" charset="0"/>
+                      </a:endParaRPr>
+                    </a:p>
+                  </a:txBody>
+                  <a:tcPr>
+                    <a:lnL w="12700" cap="flat" cmpd="sng" algn="ctr">
+                      <a:solidFill>
+                        <a:schemeClr val="tx1"/>
+                      </a:solidFill>
+                      <a:prstDash val="solid"/>
+                      <a:round/>
+                      <a:headEnd type="none" w="med" len="med"/>
+                      <a:tailEnd type="none" w="med" len="med"/>
+                    </a:lnL>
+                    <a:lnR w="12700" cap="flat" cmpd="sng" algn="ctr">
+                      <a:solidFill>
+                        <a:schemeClr val="tx1"/>
+                      </a:solidFill>
+                      <a:prstDash val="solid"/>
+                      <a:round/>
+                      <a:headEnd type="none" w="med" len="med"/>
+                      <a:tailEnd type="none" w="med" len="med"/>
+                    </a:lnR>
+                    <a:lnT w="12700" cap="flat" cmpd="sng" algn="ctr">
+                      <a:solidFill>
+                        <a:schemeClr val="tx1"/>
+                      </a:solidFill>
+                      <a:prstDash val="solid"/>
+                      <a:round/>
+                      <a:headEnd type="none" w="med" len="med"/>
+                      <a:tailEnd type="none" w="med" len="med"/>
+                    </a:lnT>
+                    <a:lnB w="12700" cap="flat" cmpd="sng" algn="ctr">
+                      <a:solidFill>
+                        <a:schemeClr val="tx1"/>
+                      </a:solidFill>
+                      <a:prstDash val="solid"/>
+                      <a:round/>
+                      <a:headEnd type="none" w="med" len="med"/>
+                      <a:tailEnd type="none" w="med" len="med"/>
+                    </a:lnB>
+                    <a:lnTlToBr w="12700" cmpd="sng">
+                      <a:noFill/>
+                      <a:prstDash val="solid"/>
+                    </a:lnTlToBr>
+                    <a:lnBlToTr w="12700" cmpd="sng">
+                      <a:noFill/>
+                      <a:prstDash val="solid"/>
+                    </a:lnBlToTr>
+                    <a:solidFill>
+                      <a:schemeClr val="bg1"/>
+                    </a:solidFill>
+                  </a:tcPr>
+                </a:tc>
+                <a:tc>
+                  <a:txBody>
+                    <a:bodyPr/>
+                    <a:lstStyle/>
+                    <a:p>
+                      <a:pPr algn="ctr"/>
+                      <a:r>
+                        <a:rPr lang="en-US" altLang="zh-TW" dirty="0">
+                          <a:solidFill>
+                            <a:schemeClr val="tx1"/>
+                          </a:solidFill>
+                          <a:latin typeface="Consolas" panose="020B0609020204030204" pitchFamily="49" charset="0"/>
+                        </a:rPr>
+                        <a:t>0</a:t>
+                      </a:r>
+                      <a:endParaRPr lang="en-US" dirty="0">
+                        <a:solidFill>
+                          <a:schemeClr val="tx1"/>
+                        </a:solidFill>
+                        <a:latin typeface="Consolas" panose="020B0609020204030204" pitchFamily="49" charset="0"/>
+                      </a:endParaRPr>
+                    </a:p>
+                  </a:txBody>
+                  <a:tcPr>
+                    <a:lnL w="12700" cap="flat" cmpd="sng" algn="ctr">
+                      <a:solidFill>
+                        <a:schemeClr val="tx1"/>
+                      </a:solidFill>
+                      <a:prstDash val="solid"/>
+                      <a:round/>
+                      <a:headEnd type="none" w="med" len="med"/>
+                      <a:tailEnd type="none" w="med" len="med"/>
+                    </a:lnL>
+                    <a:lnR w="12700" cap="flat" cmpd="sng" algn="ctr">
+                      <a:solidFill>
+                        <a:schemeClr val="tx1"/>
+                      </a:solidFill>
+                      <a:prstDash val="solid"/>
+                      <a:round/>
+                      <a:headEnd type="none" w="med" len="med"/>
+                      <a:tailEnd type="none" w="med" len="med"/>
+                    </a:lnR>
+                    <a:lnT w="12700" cap="flat" cmpd="sng" algn="ctr">
+                      <a:solidFill>
+                        <a:schemeClr val="tx1"/>
+                      </a:solidFill>
+                      <a:prstDash val="solid"/>
+                      <a:round/>
+                      <a:headEnd type="none" w="med" len="med"/>
+                      <a:tailEnd type="none" w="med" len="med"/>
+                    </a:lnT>
+                    <a:lnB w="12700" cap="flat" cmpd="sng" algn="ctr">
+                      <a:solidFill>
+                        <a:schemeClr val="tx1"/>
+                      </a:solidFill>
+                      <a:prstDash val="solid"/>
+                      <a:round/>
+                      <a:headEnd type="none" w="med" len="med"/>
+                      <a:tailEnd type="none" w="med" len="med"/>
+                    </a:lnB>
+                    <a:lnTlToBr w="12700" cmpd="sng">
+                      <a:noFill/>
+                      <a:prstDash val="solid"/>
+                    </a:lnTlToBr>
+                    <a:lnBlToTr w="12700" cmpd="sng">
+                      <a:noFill/>
+                      <a:prstDash val="solid"/>
+                    </a:lnBlToTr>
+                    <a:solidFill>
+                      <a:schemeClr val="bg1"/>
+                    </a:solidFill>
+                  </a:tcPr>
+                </a:tc>
+                <a:tc>
+                  <a:txBody>
+                    <a:bodyPr/>
+                    <a:lstStyle/>
+                    <a:p>
+                      <a:pPr algn="ctr"/>
+                      <a:r>
+                        <a:rPr lang="en-US" altLang="zh-TW" dirty="0">
+                          <a:solidFill>
+                            <a:schemeClr val="tx1"/>
+                          </a:solidFill>
+                          <a:latin typeface="Consolas" panose="020B0609020204030204" pitchFamily="49" charset="0"/>
+                        </a:rPr>
+                        <a:t>0</a:t>
+                      </a:r>
+                      <a:endParaRPr lang="en-US" dirty="0">
+                        <a:solidFill>
+                          <a:schemeClr val="tx1"/>
+                        </a:solidFill>
+                        <a:latin typeface="Consolas" panose="020B0609020204030204" pitchFamily="49" charset="0"/>
+                      </a:endParaRPr>
+                    </a:p>
+                  </a:txBody>
+                  <a:tcPr>
+                    <a:lnL w="12700" cap="flat" cmpd="sng" algn="ctr">
+                      <a:solidFill>
+                        <a:schemeClr val="tx1"/>
+                      </a:solidFill>
+                      <a:prstDash val="solid"/>
+                      <a:round/>
+                      <a:headEnd type="none" w="med" len="med"/>
+                      <a:tailEnd type="none" w="med" len="med"/>
+                    </a:lnL>
+                    <a:lnR w="12700" cap="flat" cmpd="sng" algn="ctr">
+                      <a:solidFill>
+                        <a:schemeClr val="tx1"/>
+                      </a:solidFill>
+                      <a:prstDash val="solid"/>
+                      <a:round/>
+                      <a:headEnd type="none" w="med" len="med"/>
+                      <a:tailEnd type="none" w="med" len="med"/>
+                    </a:lnR>
+                    <a:lnT w="12700" cap="flat" cmpd="sng" algn="ctr">
+                      <a:solidFill>
+                        <a:schemeClr val="tx1"/>
+                      </a:solidFill>
+                      <a:prstDash val="solid"/>
+                      <a:round/>
+                      <a:headEnd type="none" w="med" len="med"/>
+                      <a:tailEnd type="none" w="med" len="med"/>
+                    </a:lnT>
+                    <a:lnB w="12700" cap="flat" cmpd="sng" algn="ctr">
+                      <a:solidFill>
+                        <a:schemeClr val="tx1"/>
+                      </a:solidFill>
+                      <a:prstDash val="solid"/>
+                      <a:round/>
+                      <a:headEnd type="none" w="med" len="med"/>
+                      <a:tailEnd type="none" w="med" len="med"/>
+                    </a:lnB>
+                    <a:lnTlToBr w="12700" cmpd="sng">
+                      <a:noFill/>
+                      <a:prstDash val="solid"/>
+                    </a:lnTlToBr>
+                    <a:lnBlToTr w="12700" cmpd="sng">
+                      <a:noFill/>
+                      <a:prstDash val="solid"/>
+                    </a:lnBlToTr>
+                    <a:solidFill>
+                      <a:schemeClr val="bg1"/>
+                    </a:solidFill>
+                  </a:tcPr>
+                </a:tc>
+                <a:extLst>
+                  <a:ext uri="{0D108BD9-81ED-4DB2-BD59-A6C34878D82A}">
+                    <a16:rowId xmlns:a16="http://schemas.microsoft.com/office/drawing/2014/main" val="4182549166"/>
+                  </a:ext>
+                </a:extLst>
+              </a:tr>
+            </a:tbl>
+          </a:graphicData>
+        </a:graphic>
+      </p:graphicFrame>
+      <p:sp>
+        <p:nvSpPr>
+          <p:cNvPr id="5" name="文字方塊 4">
+            <a:extLst>
+              <a:ext uri="{FF2B5EF4-FFF2-40B4-BE49-F238E27FC236}">
+                <a16:creationId xmlns:a16="http://schemas.microsoft.com/office/drawing/2014/main" id="{64A08855-064F-4041-8030-4336D7ED12B8}"/>
+              </a:ext>
+            </a:extLst>
+          </p:cNvPr>
+          <p:cNvSpPr txBox="1"/>
+          <p:nvPr/>
+        </p:nvSpPr>
+        <p:spPr>
+          <a:xfrm>
+            <a:off x="1362635" y="3244334"/>
+            <a:ext cx="564578" cy="369332"/>
+          </a:xfrm>
+          <a:prstGeom prst="rect">
+            <a:avLst/>
+          </a:prstGeom>
+          <a:noFill/>
+        </p:spPr>
+        <p:txBody>
+          <a:bodyPr wrap="none" rtlCol="0">
+            <a:spAutoFit/>
+          </a:bodyPr>
+          <a:lstStyle/>
+          <a:p>
+            <a:r>
+              <a:rPr lang="en-US" b="1" dirty="0">
+                <a:latin typeface="Consolas" panose="020B0609020204030204" pitchFamily="49" charset="0"/>
+              </a:rPr>
+              <a:t>num</a:t>
+            </a:r>
+          </a:p>
+        </p:txBody>
+      </p:sp>
+      <p:sp>
+        <p:nvSpPr>
+          <p:cNvPr id="6" name="文字方塊 5">
+            <a:extLst>
+              <a:ext uri="{FF2B5EF4-FFF2-40B4-BE49-F238E27FC236}">
+                <a16:creationId xmlns:a16="http://schemas.microsoft.com/office/drawing/2014/main" id="{FB163E0B-473E-4386-B310-AB66AAC247D9}"/>
+              </a:ext>
+            </a:extLst>
+          </p:cNvPr>
+          <p:cNvSpPr txBox="1"/>
+          <p:nvPr/>
+        </p:nvSpPr>
+        <p:spPr>
+          <a:xfrm>
+            <a:off x="1362635" y="3613666"/>
+            <a:ext cx="437940" cy="369332"/>
+          </a:xfrm>
+          <a:prstGeom prst="rect">
+            <a:avLst/>
+          </a:prstGeom>
+          <a:noFill/>
+        </p:spPr>
+        <p:txBody>
+          <a:bodyPr wrap="none" rtlCol="0">
+            <a:spAutoFit/>
+          </a:bodyPr>
+          <a:lstStyle/>
+          <a:p>
+            <a:r>
+              <a:rPr lang="en-US" b="1" dirty="0" err="1">
+                <a:latin typeface="Consolas" panose="020B0609020204030204" pitchFamily="49" charset="0"/>
+              </a:rPr>
+              <a:t>dp</a:t>
+            </a:r>
+            <a:endParaRPr lang="en-US" b="1" dirty="0">
+              <a:latin typeface="Consolas" panose="020B0609020204030204" pitchFamily="49" charset="0"/>
+            </a:endParaRPr>
+          </a:p>
+        </p:txBody>
+      </p:sp>
+      <p:sp>
+        <p:nvSpPr>
+          <p:cNvPr id="2" name="文字方塊 1">
+            <a:extLst>
+              <a:ext uri="{FF2B5EF4-FFF2-40B4-BE49-F238E27FC236}">
+                <a16:creationId xmlns:a16="http://schemas.microsoft.com/office/drawing/2014/main" id="{4CB24D44-B356-4935-9130-BF5AF10B3B8F}"/>
+              </a:ext>
+            </a:extLst>
+          </p:cNvPr>
+          <p:cNvSpPr txBox="1"/>
+          <p:nvPr/>
+        </p:nvSpPr>
+        <p:spPr>
+          <a:xfrm>
+            <a:off x="3001276" y="2196353"/>
+            <a:ext cx="5705408" cy="523220"/>
+          </a:xfrm>
+          <a:prstGeom prst="rect">
+            <a:avLst/>
+          </a:prstGeom>
+          <a:noFill/>
+        </p:spPr>
+        <p:txBody>
+          <a:bodyPr wrap="none" rtlCol="0">
+            <a:spAutoFit/>
+          </a:bodyPr>
+          <a:lstStyle/>
+          <a:p>
+            <a:r>
+              <a:rPr lang="en-US" sz="2800" b="1" dirty="0">
+                <a:latin typeface="Consolas" panose="020B0609020204030204" pitchFamily="49" charset="0"/>
+              </a:rPr>
+              <a:t>Max(</a:t>
+            </a:r>
+            <a:r>
+              <a:rPr lang="en-US" sz="2800" b="1" dirty="0" err="1">
+                <a:latin typeface="Consolas" panose="020B0609020204030204" pitchFamily="49" charset="0"/>
+              </a:rPr>
+              <a:t>dp</a:t>
+            </a:r>
+            <a:r>
+              <a:rPr lang="en-US" sz="2800" b="1" dirty="0">
+                <a:latin typeface="Consolas" panose="020B0609020204030204" pitchFamily="49" charset="0"/>
+              </a:rPr>
+              <a:t>[1]+num[2],num[2]) = 2</a:t>
+            </a:r>
+          </a:p>
+        </p:txBody>
+      </p:sp>
+    </p:spTree>
+    <p:extLst>
+      <p:ext uri="{BB962C8B-B14F-4D97-AF65-F5344CB8AC3E}">
+        <p14:creationId xmlns:p14="http://schemas.microsoft.com/office/powerpoint/2010/main" val="1522120024"/>
+      </p:ext>
+    </p:extLst>
+  </p:cSld>
+  <p:clrMapOvr>
+    <a:masterClrMapping/>
+  </p:clrMapOvr>
+</p:sld>
+</file>
+
+<file path=ppt/slides/slide4.xml><?xml version="1.0" encoding="utf-8"?>
+<p:sld xmlns:a="http://schemas.openxmlformats.org/drawingml/2006/main" xmlns:r="http://schemas.openxmlformats.org/officeDocument/2006/relationships" xmlns:p="http://schemas.openxmlformats.org/presentationml/2006/main">
+  <p:cSld>
+    <p:spTree>
+      <p:nvGrpSpPr>
+        <p:cNvPr id="1" name=""/>
+        <p:cNvGrpSpPr/>
+        <p:nvPr/>
+      </p:nvGrpSpPr>
+      <p:grpSpPr>
+        <a:xfrm>
+          <a:off x="0" y="0"/>
+          <a:ext cx="0" cy="0"/>
+          <a:chOff x="0" y="0"/>
+          <a:chExt cx="0" cy="0"/>
+        </a:xfrm>
+      </p:grpSpPr>
+      <p:graphicFrame>
+        <p:nvGraphicFramePr>
+          <p:cNvPr id="4" name="表格 4">
+            <a:extLst>
+              <a:ext uri="{FF2B5EF4-FFF2-40B4-BE49-F238E27FC236}">
+                <a16:creationId xmlns:a16="http://schemas.microsoft.com/office/drawing/2014/main" id="{03F00DEE-C175-42F4-A458-8C6B45BB0E69}"/>
+              </a:ext>
+            </a:extLst>
+          </p:cNvPr>
+          <p:cNvGraphicFramePr>
+            <a:graphicFrameLocks noGrp="1"/>
+          </p:cNvGraphicFramePr>
+          <p:nvPr>
+            <p:extLst>
+              <p:ext uri="{D42A27DB-BD31-4B8C-83A1-F6EECF244321}">
+                <p14:modId xmlns:p14="http://schemas.microsoft.com/office/powerpoint/2010/main" val="3995120886"/>
+              </p:ext>
+            </p:extLst>
+          </p:nvPr>
+        </p:nvGraphicFramePr>
+        <p:xfrm>
+          <a:off x="2032000" y="2872740"/>
+          <a:ext cx="8128000" cy="1112520"/>
+        </p:xfrm>
+        <a:graphic>
+          <a:graphicData uri="http://schemas.openxmlformats.org/drawingml/2006/table">
+            <a:tbl>
+              <a:tblPr firstRow="1" bandRow="1">
+                <a:tableStyleId>{5C22544A-7EE6-4342-B048-85BDC9FD1C3A}</a:tableStyleId>
+              </a:tblPr>
+              <a:tblGrid>
+                <a:gridCol w="812800">
+                  <a:extLst>
+                    <a:ext uri="{9D8B030D-6E8A-4147-A177-3AD203B41FA5}">
+                      <a16:colId xmlns:a16="http://schemas.microsoft.com/office/drawing/2014/main" val="237125844"/>
+                    </a:ext>
+                  </a:extLst>
+                </a:gridCol>
+                <a:gridCol w="812800">
+                  <a:extLst>
+                    <a:ext uri="{9D8B030D-6E8A-4147-A177-3AD203B41FA5}">
+                      <a16:colId xmlns:a16="http://schemas.microsoft.com/office/drawing/2014/main" val="1421239685"/>
+                    </a:ext>
+                  </a:extLst>
+                </a:gridCol>
+                <a:gridCol w="812800">
+                  <a:extLst>
+                    <a:ext uri="{9D8B030D-6E8A-4147-A177-3AD203B41FA5}">
+                      <a16:colId xmlns:a16="http://schemas.microsoft.com/office/drawing/2014/main" val="3193054104"/>
+                    </a:ext>
+                  </a:extLst>
+                </a:gridCol>
+                <a:gridCol w="812800">
+                  <a:extLst>
+                    <a:ext uri="{9D8B030D-6E8A-4147-A177-3AD203B41FA5}">
+                      <a16:colId xmlns:a16="http://schemas.microsoft.com/office/drawing/2014/main" val="1608412698"/>
+                    </a:ext>
+                  </a:extLst>
+                </a:gridCol>
+                <a:gridCol w="812800">
+                  <a:extLst>
+                    <a:ext uri="{9D8B030D-6E8A-4147-A177-3AD203B41FA5}">
+                      <a16:colId xmlns:a16="http://schemas.microsoft.com/office/drawing/2014/main" val="1723431427"/>
+                    </a:ext>
+                  </a:extLst>
+                </a:gridCol>
+                <a:gridCol w="812800">
+                  <a:extLst>
+                    <a:ext uri="{9D8B030D-6E8A-4147-A177-3AD203B41FA5}">
+                      <a16:colId xmlns:a16="http://schemas.microsoft.com/office/drawing/2014/main" val="1132059301"/>
+                    </a:ext>
+                  </a:extLst>
+                </a:gridCol>
+                <a:gridCol w="812800">
+                  <a:extLst>
+                    <a:ext uri="{9D8B030D-6E8A-4147-A177-3AD203B41FA5}">
+                      <a16:colId xmlns:a16="http://schemas.microsoft.com/office/drawing/2014/main" val="1627904585"/>
+                    </a:ext>
+                  </a:extLst>
+                </a:gridCol>
+                <a:gridCol w="812800">
+                  <a:extLst>
+                    <a:ext uri="{9D8B030D-6E8A-4147-A177-3AD203B41FA5}">
+                      <a16:colId xmlns:a16="http://schemas.microsoft.com/office/drawing/2014/main" val="42300968"/>
+                    </a:ext>
+                  </a:extLst>
+                </a:gridCol>
+                <a:gridCol w="812800">
+                  <a:extLst>
+                    <a:ext uri="{9D8B030D-6E8A-4147-A177-3AD203B41FA5}">
+                      <a16:colId xmlns:a16="http://schemas.microsoft.com/office/drawing/2014/main" val="17296344"/>
+                    </a:ext>
+                  </a:extLst>
+                </a:gridCol>
+                <a:gridCol w="812800">
+                  <a:extLst>
+                    <a:ext uri="{9D8B030D-6E8A-4147-A177-3AD203B41FA5}">
+                      <a16:colId xmlns:a16="http://schemas.microsoft.com/office/drawing/2014/main" val="1948739838"/>
+                    </a:ext>
+                  </a:extLst>
+                </a:gridCol>
+              </a:tblGrid>
+              <a:tr h="370840">
+                <a:tc>
+                  <a:txBody>
+                    <a:bodyPr/>
+                    <a:lstStyle/>
+                    <a:p>
+                      <a:pPr algn="ctr"/>
+                      <a:r>
+                        <a:rPr lang="en-US" altLang="zh-TW" dirty="0">
+                          <a:solidFill>
+                            <a:schemeClr val="tx1"/>
+                          </a:solidFill>
+                          <a:latin typeface="Consolas" panose="020B0609020204030204" pitchFamily="49" charset="0"/>
+                        </a:rPr>
+                        <a:t>0</a:t>
+                      </a:r>
+                      <a:endParaRPr lang="en-US" dirty="0">
+                        <a:solidFill>
+                          <a:schemeClr val="tx1"/>
+                        </a:solidFill>
+                        <a:latin typeface="Consolas" panose="020B0609020204030204" pitchFamily="49" charset="0"/>
+                      </a:endParaRPr>
+                    </a:p>
+                  </a:txBody>
+                  <a:tcPr>
+                    <a:lnL w="12700" cap="flat" cmpd="sng" algn="ctr">
+                      <a:solidFill>
+                        <a:schemeClr val="tx1"/>
+                      </a:solidFill>
+                      <a:prstDash val="solid"/>
+                      <a:round/>
+                      <a:headEnd type="none" w="med" len="med"/>
+                      <a:tailEnd type="none" w="med" len="med"/>
+                    </a:lnL>
+                    <a:lnR w="12700" cap="flat" cmpd="sng" algn="ctr">
+                      <a:solidFill>
+                        <a:schemeClr val="tx1"/>
+                      </a:solidFill>
+                      <a:prstDash val="solid"/>
+                      <a:round/>
+                      <a:headEnd type="none" w="med" len="med"/>
+                      <a:tailEnd type="none" w="med" len="med"/>
+                    </a:lnR>
+                    <a:lnT w="12700" cap="flat" cmpd="sng" algn="ctr">
+                      <a:solidFill>
+                        <a:schemeClr val="tx1"/>
+                      </a:solidFill>
+                      <a:prstDash val="solid"/>
+                      <a:round/>
+                      <a:headEnd type="none" w="med" len="med"/>
+                      <a:tailEnd type="none" w="med" len="med"/>
+                    </a:lnT>
+                    <a:lnB w="12700" cap="flat" cmpd="sng" algn="ctr">
+                      <a:solidFill>
+                        <a:schemeClr val="tx1"/>
+                      </a:solidFill>
+                      <a:prstDash val="solid"/>
+                      <a:round/>
+                      <a:headEnd type="none" w="med" len="med"/>
+                      <a:tailEnd type="none" w="med" len="med"/>
+                    </a:lnB>
+                    <a:lnTlToBr w="12700" cmpd="sng">
+                      <a:noFill/>
+                      <a:prstDash val="solid"/>
+                    </a:lnTlToBr>
+                    <a:lnBlToTr w="12700" cmpd="sng">
+                      <a:noFill/>
+                      <a:prstDash val="solid"/>
+                    </a:lnBlToTr>
+                    <a:solidFill>
+                      <a:schemeClr val="bg2"/>
+                    </a:solidFill>
+                  </a:tcPr>
+                </a:tc>
+                <a:tc>
+                  <a:txBody>
+                    <a:bodyPr/>
+                    <a:lstStyle/>
+                    <a:p>
+                      <a:pPr algn="ctr"/>
+                      <a:r>
+                        <a:rPr lang="en-US" altLang="zh-TW" dirty="0">
+                          <a:solidFill>
+                            <a:schemeClr val="tx1"/>
+                          </a:solidFill>
+                          <a:latin typeface="Consolas" panose="020B0609020204030204" pitchFamily="49" charset="0"/>
+                        </a:rPr>
+                        <a:t>1</a:t>
+                      </a:r>
+                      <a:endParaRPr lang="en-US" dirty="0">
+                        <a:solidFill>
+                          <a:schemeClr val="tx1"/>
+                        </a:solidFill>
+                        <a:latin typeface="Consolas" panose="020B0609020204030204" pitchFamily="49" charset="0"/>
+                      </a:endParaRPr>
+                    </a:p>
+                  </a:txBody>
+                  <a:tcPr>
+                    <a:lnL w="12700" cap="flat" cmpd="sng" algn="ctr">
+                      <a:solidFill>
+                        <a:schemeClr val="tx1"/>
+                      </a:solidFill>
+                      <a:prstDash val="solid"/>
+                      <a:round/>
+                      <a:headEnd type="none" w="med" len="med"/>
+                      <a:tailEnd type="none" w="med" len="med"/>
+                    </a:lnL>
+                    <a:lnR w="12700" cap="flat" cmpd="sng" algn="ctr">
+                      <a:solidFill>
+                        <a:schemeClr val="tx1"/>
+                      </a:solidFill>
+                      <a:prstDash val="solid"/>
+                      <a:round/>
+                      <a:headEnd type="none" w="med" len="med"/>
+                      <a:tailEnd type="none" w="med" len="med"/>
+                    </a:lnR>
+                    <a:lnT w="12700" cap="flat" cmpd="sng" algn="ctr">
+                      <a:solidFill>
+                        <a:schemeClr val="tx1"/>
+                      </a:solidFill>
+                      <a:prstDash val="solid"/>
+                      <a:round/>
+                      <a:headEnd type="none" w="med" len="med"/>
+                      <a:tailEnd type="none" w="med" len="med"/>
+                    </a:lnT>
+                    <a:lnB w="12700" cap="flat" cmpd="sng" algn="ctr">
+                      <a:solidFill>
+                        <a:schemeClr val="tx1"/>
+                      </a:solidFill>
+                      <a:prstDash val="solid"/>
+                      <a:round/>
+                      <a:headEnd type="none" w="med" len="med"/>
+                      <a:tailEnd type="none" w="med" len="med"/>
+                    </a:lnB>
+                    <a:lnTlToBr w="12700" cmpd="sng">
+                      <a:noFill/>
+                      <a:prstDash val="solid"/>
+                    </a:lnTlToBr>
+                    <a:lnBlToTr w="12700" cmpd="sng">
+                      <a:noFill/>
+                      <a:prstDash val="solid"/>
+                    </a:lnBlToTr>
+                    <a:solidFill>
+                      <a:schemeClr val="bg2"/>
+                    </a:solidFill>
+                  </a:tcPr>
+                </a:tc>
+                <a:tc>
+                  <a:txBody>
+                    <a:bodyPr/>
+                    <a:lstStyle/>
+                    <a:p>
+                      <a:pPr algn="ctr"/>
+                      <a:r>
+                        <a:rPr lang="en-US" altLang="zh-TW" dirty="0">
+                          <a:solidFill>
+                            <a:schemeClr val="tx1"/>
+                          </a:solidFill>
+                          <a:latin typeface="Consolas" panose="020B0609020204030204" pitchFamily="49" charset="0"/>
+                        </a:rPr>
+                        <a:t>2</a:t>
+                      </a:r>
+                      <a:endParaRPr lang="en-US" dirty="0">
+                        <a:solidFill>
+                          <a:schemeClr val="tx1"/>
+                        </a:solidFill>
+                        <a:latin typeface="Consolas" panose="020B0609020204030204" pitchFamily="49" charset="0"/>
+                      </a:endParaRPr>
+                    </a:p>
+                  </a:txBody>
+                  <a:tcPr>
+                    <a:lnL w="12700" cap="flat" cmpd="sng" algn="ctr">
+                      <a:solidFill>
+                        <a:schemeClr val="tx1"/>
+                      </a:solidFill>
+                      <a:prstDash val="solid"/>
+                      <a:round/>
+                      <a:headEnd type="none" w="med" len="med"/>
+                      <a:tailEnd type="none" w="med" len="med"/>
+                    </a:lnL>
+                    <a:lnR w="12700" cap="flat" cmpd="sng" algn="ctr">
+                      <a:solidFill>
+                        <a:schemeClr val="tx1"/>
+                      </a:solidFill>
+                      <a:prstDash val="solid"/>
+                      <a:round/>
+                      <a:headEnd type="none" w="med" len="med"/>
+                      <a:tailEnd type="none" w="med" len="med"/>
+                    </a:lnR>
+                    <a:lnT w="12700" cap="flat" cmpd="sng" algn="ctr">
+                      <a:solidFill>
+                        <a:schemeClr val="tx1"/>
+                      </a:solidFill>
+                      <a:prstDash val="solid"/>
+                      <a:round/>
+                      <a:headEnd type="none" w="med" len="med"/>
+                      <a:tailEnd type="none" w="med" len="med"/>
+                    </a:lnT>
+                    <a:lnB w="12700" cap="flat" cmpd="sng" algn="ctr">
+                      <a:solidFill>
+                        <a:schemeClr val="tx1"/>
+                      </a:solidFill>
+                      <a:prstDash val="solid"/>
+                      <a:round/>
+                      <a:headEnd type="none" w="med" len="med"/>
+                      <a:tailEnd type="none" w="med" len="med"/>
+                    </a:lnB>
+                    <a:lnTlToBr w="12700" cmpd="sng">
+                      <a:noFill/>
+                      <a:prstDash val="solid"/>
+                    </a:lnTlToBr>
+                    <a:lnBlToTr w="12700" cmpd="sng">
+                      <a:noFill/>
+                      <a:prstDash val="solid"/>
+                    </a:lnBlToTr>
+                    <a:solidFill>
+                      <a:schemeClr val="bg2"/>
+                    </a:solidFill>
+                  </a:tcPr>
+                </a:tc>
+                <a:tc>
+                  <a:txBody>
+                    <a:bodyPr/>
+                    <a:lstStyle/>
+                    <a:p>
+                      <a:pPr algn="ctr"/>
+                      <a:r>
+                        <a:rPr lang="en-US" altLang="zh-TW" dirty="0">
+                          <a:solidFill>
+                            <a:schemeClr val="tx1"/>
+                          </a:solidFill>
+                          <a:latin typeface="Consolas" panose="020B0609020204030204" pitchFamily="49" charset="0"/>
+                        </a:rPr>
+                        <a:t>3</a:t>
+                      </a:r>
+                      <a:endParaRPr lang="en-US" dirty="0">
+                        <a:solidFill>
+                          <a:schemeClr val="tx1"/>
+                        </a:solidFill>
+                        <a:latin typeface="Consolas" panose="020B0609020204030204" pitchFamily="49" charset="0"/>
+                      </a:endParaRPr>
+                    </a:p>
+                  </a:txBody>
+                  <a:tcPr>
+                    <a:lnL w="12700" cap="flat" cmpd="sng" algn="ctr">
+                      <a:solidFill>
+                        <a:schemeClr val="tx1"/>
+                      </a:solidFill>
+                      <a:prstDash val="solid"/>
+                      <a:round/>
+                      <a:headEnd type="none" w="med" len="med"/>
+                      <a:tailEnd type="none" w="med" len="med"/>
+                    </a:lnL>
+                    <a:lnR w="12700" cap="flat" cmpd="sng" algn="ctr">
+                      <a:solidFill>
+                        <a:schemeClr val="tx1"/>
+                      </a:solidFill>
+                      <a:prstDash val="solid"/>
+                      <a:round/>
+                      <a:headEnd type="none" w="med" len="med"/>
+                      <a:tailEnd type="none" w="med" len="med"/>
+                    </a:lnR>
+                    <a:lnT w="12700" cap="flat" cmpd="sng" algn="ctr">
+                      <a:solidFill>
+                        <a:schemeClr val="tx1"/>
+                      </a:solidFill>
+                      <a:prstDash val="solid"/>
+                      <a:round/>
+                      <a:headEnd type="none" w="med" len="med"/>
+                      <a:tailEnd type="none" w="med" len="med"/>
+                    </a:lnT>
+                    <a:lnB w="12700" cap="flat" cmpd="sng" algn="ctr">
+                      <a:solidFill>
+                        <a:schemeClr val="tx1"/>
+                      </a:solidFill>
+                      <a:prstDash val="solid"/>
+                      <a:round/>
+                      <a:headEnd type="none" w="med" len="med"/>
+                      <a:tailEnd type="none" w="med" len="med"/>
+                    </a:lnB>
+                    <a:lnTlToBr w="12700" cmpd="sng">
+                      <a:noFill/>
+                      <a:prstDash val="solid"/>
+                    </a:lnTlToBr>
+                    <a:lnBlToTr w="12700" cmpd="sng">
+                      <a:noFill/>
+                      <a:prstDash val="solid"/>
+                    </a:lnBlToTr>
+                    <a:solidFill>
+                      <a:schemeClr val="bg2"/>
+                    </a:solidFill>
+                  </a:tcPr>
+                </a:tc>
+                <a:tc>
+                  <a:txBody>
+                    <a:bodyPr/>
+                    <a:lstStyle/>
+                    <a:p>
+                      <a:pPr algn="ctr"/>
+                      <a:r>
+                        <a:rPr lang="en-US" altLang="zh-TW" dirty="0">
+                          <a:solidFill>
+                            <a:schemeClr val="tx1"/>
+                          </a:solidFill>
+                          <a:latin typeface="Consolas" panose="020B0609020204030204" pitchFamily="49" charset="0"/>
+                        </a:rPr>
+                        <a:t>4</a:t>
+                      </a:r>
+                      <a:endParaRPr lang="en-US" dirty="0">
+                        <a:solidFill>
+                          <a:schemeClr val="tx1"/>
+                        </a:solidFill>
+                        <a:latin typeface="Consolas" panose="020B0609020204030204" pitchFamily="49" charset="0"/>
+                      </a:endParaRPr>
+                    </a:p>
+                  </a:txBody>
+                  <a:tcPr>
+                    <a:lnL w="12700" cap="flat" cmpd="sng" algn="ctr">
+                      <a:solidFill>
+                        <a:schemeClr val="tx1"/>
+                      </a:solidFill>
+                      <a:prstDash val="solid"/>
+                      <a:round/>
+                      <a:headEnd type="none" w="med" len="med"/>
+                      <a:tailEnd type="none" w="med" len="med"/>
+                    </a:lnL>
+                    <a:lnR w="12700" cap="flat" cmpd="sng" algn="ctr">
+                      <a:solidFill>
+                        <a:schemeClr val="tx1"/>
+                      </a:solidFill>
+                      <a:prstDash val="solid"/>
+                      <a:round/>
+                      <a:headEnd type="none" w="med" len="med"/>
+                      <a:tailEnd type="none" w="med" len="med"/>
+                    </a:lnR>
+                    <a:lnT w="12700" cap="flat" cmpd="sng" algn="ctr">
+                      <a:solidFill>
+                        <a:schemeClr val="tx1"/>
+                      </a:solidFill>
+                      <a:prstDash val="solid"/>
+                      <a:round/>
+                      <a:headEnd type="none" w="med" len="med"/>
+                      <a:tailEnd type="none" w="med" len="med"/>
+                    </a:lnT>
+                    <a:lnB w="12700" cap="flat" cmpd="sng" algn="ctr">
+                      <a:solidFill>
+                        <a:schemeClr val="tx1"/>
+                      </a:solidFill>
+                      <a:prstDash val="solid"/>
+                      <a:round/>
+                      <a:headEnd type="none" w="med" len="med"/>
+                      <a:tailEnd type="none" w="med" len="med"/>
+                    </a:lnB>
+                    <a:lnTlToBr w="12700" cmpd="sng">
+                      <a:noFill/>
+                      <a:prstDash val="solid"/>
+                    </a:lnTlToBr>
+                    <a:lnBlToTr w="12700" cmpd="sng">
+                      <a:noFill/>
+                      <a:prstDash val="solid"/>
+                    </a:lnBlToTr>
+                    <a:solidFill>
+                      <a:schemeClr val="bg2"/>
+                    </a:solidFill>
+                  </a:tcPr>
+                </a:tc>
+                <a:tc>
+                  <a:txBody>
+                    <a:bodyPr/>
+                    <a:lstStyle/>
+                    <a:p>
+                      <a:pPr algn="ctr"/>
+                      <a:r>
+                        <a:rPr lang="en-US" altLang="zh-TW" dirty="0">
+                          <a:solidFill>
+                            <a:schemeClr val="tx1"/>
+                          </a:solidFill>
+                          <a:latin typeface="Consolas" panose="020B0609020204030204" pitchFamily="49" charset="0"/>
+                        </a:rPr>
+                        <a:t>5</a:t>
+                      </a:r>
+                      <a:endParaRPr lang="en-US" dirty="0">
+                        <a:solidFill>
+                          <a:schemeClr val="tx1"/>
+                        </a:solidFill>
+                        <a:latin typeface="Consolas" panose="020B0609020204030204" pitchFamily="49" charset="0"/>
+                      </a:endParaRPr>
+                    </a:p>
+                  </a:txBody>
+                  <a:tcPr>
+                    <a:lnL w="12700" cap="flat" cmpd="sng" algn="ctr">
+                      <a:solidFill>
+                        <a:schemeClr val="tx1"/>
+                      </a:solidFill>
+                      <a:prstDash val="solid"/>
+                      <a:round/>
+                      <a:headEnd type="none" w="med" len="med"/>
+                      <a:tailEnd type="none" w="med" len="med"/>
+                    </a:lnL>
+                    <a:lnR w="12700" cap="flat" cmpd="sng" algn="ctr">
+                      <a:solidFill>
+                        <a:schemeClr val="tx1"/>
+                      </a:solidFill>
+                      <a:prstDash val="solid"/>
+                      <a:round/>
+                      <a:headEnd type="none" w="med" len="med"/>
+                      <a:tailEnd type="none" w="med" len="med"/>
+                    </a:lnR>
+                    <a:lnT w="12700" cap="flat" cmpd="sng" algn="ctr">
+                      <a:solidFill>
+                        <a:schemeClr val="tx1"/>
+                      </a:solidFill>
+                      <a:prstDash val="solid"/>
+                      <a:round/>
+                      <a:headEnd type="none" w="med" len="med"/>
+                      <a:tailEnd type="none" w="med" len="med"/>
+                    </a:lnT>
+                    <a:lnB w="12700" cap="flat" cmpd="sng" algn="ctr">
+                      <a:solidFill>
+                        <a:schemeClr val="tx1"/>
+                      </a:solidFill>
+                      <a:prstDash val="solid"/>
+                      <a:round/>
+                      <a:headEnd type="none" w="med" len="med"/>
+                      <a:tailEnd type="none" w="med" len="med"/>
+                    </a:lnB>
+                    <a:lnTlToBr w="12700" cmpd="sng">
+                      <a:noFill/>
+                      <a:prstDash val="solid"/>
+                    </a:lnTlToBr>
+                    <a:lnBlToTr w="12700" cmpd="sng">
+                      <a:noFill/>
+                      <a:prstDash val="solid"/>
+                    </a:lnBlToTr>
+                    <a:solidFill>
+                      <a:schemeClr val="bg2"/>
+                    </a:solidFill>
+                  </a:tcPr>
+                </a:tc>
+                <a:tc>
+                  <a:txBody>
+                    <a:bodyPr/>
+                    <a:lstStyle/>
+                    <a:p>
+                      <a:pPr algn="ctr"/>
+                      <a:r>
+                        <a:rPr lang="en-US" altLang="zh-TW" dirty="0">
+                          <a:solidFill>
+                            <a:schemeClr val="tx1"/>
+                          </a:solidFill>
+                          <a:latin typeface="Consolas" panose="020B0609020204030204" pitchFamily="49" charset="0"/>
+                        </a:rPr>
+                        <a:t>6</a:t>
+                      </a:r>
+                      <a:endParaRPr lang="en-US" dirty="0">
+                        <a:solidFill>
+                          <a:schemeClr val="tx1"/>
+                        </a:solidFill>
+                        <a:latin typeface="Consolas" panose="020B0609020204030204" pitchFamily="49" charset="0"/>
+                      </a:endParaRPr>
+                    </a:p>
+                  </a:txBody>
+                  <a:tcPr>
+                    <a:lnL w="12700" cap="flat" cmpd="sng" algn="ctr">
+                      <a:solidFill>
+                        <a:schemeClr val="tx1"/>
+                      </a:solidFill>
+                      <a:prstDash val="solid"/>
+                      <a:round/>
+                      <a:headEnd type="none" w="med" len="med"/>
+                      <a:tailEnd type="none" w="med" len="med"/>
+                    </a:lnL>
+                    <a:lnR w="12700" cap="flat" cmpd="sng" algn="ctr">
+                      <a:solidFill>
+                        <a:schemeClr val="tx1"/>
+                      </a:solidFill>
+                      <a:prstDash val="solid"/>
+                      <a:round/>
+                      <a:headEnd type="none" w="med" len="med"/>
+                      <a:tailEnd type="none" w="med" len="med"/>
+                    </a:lnR>
+                    <a:lnT w="12700" cap="flat" cmpd="sng" algn="ctr">
+                      <a:solidFill>
+                        <a:schemeClr val="tx1"/>
+                      </a:solidFill>
+                      <a:prstDash val="solid"/>
+                      <a:round/>
+                      <a:headEnd type="none" w="med" len="med"/>
+                      <a:tailEnd type="none" w="med" len="med"/>
+                    </a:lnT>
+                    <a:lnB w="12700" cap="flat" cmpd="sng" algn="ctr">
+                      <a:solidFill>
+                        <a:schemeClr val="tx1"/>
+                      </a:solidFill>
+                      <a:prstDash val="solid"/>
+                      <a:round/>
+                      <a:headEnd type="none" w="med" len="med"/>
+                      <a:tailEnd type="none" w="med" len="med"/>
+                    </a:lnB>
+                    <a:lnTlToBr w="12700" cmpd="sng">
+                      <a:noFill/>
+                      <a:prstDash val="solid"/>
+                    </a:lnTlToBr>
+                    <a:lnBlToTr w="12700" cmpd="sng">
+                      <a:noFill/>
+                      <a:prstDash val="solid"/>
+                    </a:lnBlToTr>
+                    <a:solidFill>
+                      <a:schemeClr val="bg2"/>
+                    </a:solidFill>
+                  </a:tcPr>
+                </a:tc>
+                <a:tc>
+                  <a:txBody>
+                    <a:bodyPr/>
+                    <a:lstStyle/>
+                    <a:p>
+                      <a:pPr algn="ctr"/>
+                      <a:r>
+                        <a:rPr lang="en-US" altLang="zh-TW" dirty="0">
+                          <a:solidFill>
+                            <a:schemeClr val="tx1"/>
+                          </a:solidFill>
+                          <a:latin typeface="Consolas" panose="020B0609020204030204" pitchFamily="49" charset="0"/>
+                        </a:rPr>
+                        <a:t>7</a:t>
+                      </a:r>
+                      <a:endParaRPr lang="en-US" dirty="0">
+                        <a:solidFill>
+                          <a:schemeClr val="tx1"/>
+                        </a:solidFill>
+                        <a:latin typeface="Consolas" panose="020B0609020204030204" pitchFamily="49" charset="0"/>
+                      </a:endParaRPr>
+                    </a:p>
+                  </a:txBody>
+                  <a:tcPr>
+                    <a:lnL w="12700" cap="flat" cmpd="sng" algn="ctr">
+                      <a:solidFill>
+                        <a:schemeClr val="tx1"/>
+                      </a:solidFill>
+                      <a:prstDash val="solid"/>
+                      <a:round/>
+                      <a:headEnd type="none" w="med" len="med"/>
+                      <a:tailEnd type="none" w="med" len="med"/>
+                    </a:lnL>
+                    <a:lnR w="12700" cap="flat" cmpd="sng" algn="ctr">
+                      <a:solidFill>
+                        <a:schemeClr val="tx1"/>
+                      </a:solidFill>
+                      <a:prstDash val="solid"/>
+                      <a:round/>
+                      <a:headEnd type="none" w="med" len="med"/>
+                      <a:tailEnd type="none" w="med" len="med"/>
+                    </a:lnR>
+                    <a:lnT w="12700" cap="flat" cmpd="sng" algn="ctr">
+                      <a:solidFill>
+                        <a:schemeClr val="tx1"/>
+                      </a:solidFill>
+                      <a:prstDash val="solid"/>
+                      <a:round/>
+                      <a:headEnd type="none" w="med" len="med"/>
+                      <a:tailEnd type="none" w="med" len="med"/>
+                    </a:lnT>
+                    <a:lnB w="12700" cap="flat" cmpd="sng" algn="ctr">
+                      <a:solidFill>
+                        <a:schemeClr val="tx1"/>
+                      </a:solidFill>
+                      <a:prstDash val="solid"/>
+                      <a:round/>
+                      <a:headEnd type="none" w="med" len="med"/>
+                      <a:tailEnd type="none" w="med" len="med"/>
+                    </a:lnB>
+                    <a:lnTlToBr w="12700" cmpd="sng">
+                      <a:noFill/>
+                      <a:prstDash val="solid"/>
+                    </a:lnTlToBr>
+                    <a:lnBlToTr w="12700" cmpd="sng">
+                      <a:noFill/>
+                      <a:prstDash val="solid"/>
+                    </a:lnBlToTr>
+                    <a:solidFill>
+                      <a:schemeClr val="bg2"/>
+                    </a:solidFill>
+                  </a:tcPr>
+                </a:tc>
+                <a:tc>
+                  <a:txBody>
+                    <a:bodyPr/>
+                    <a:lstStyle/>
+                    <a:p>
+                      <a:pPr algn="ctr"/>
+                      <a:r>
+                        <a:rPr lang="en-US" altLang="zh-TW" dirty="0">
+                          <a:solidFill>
+                            <a:schemeClr val="tx1"/>
+                          </a:solidFill>
+                          <a:latin typeface="Consolas" panose="020B0609020204030204" pitchFamily="49" charset="0"/>
+                        </a:rPr>
+                        <a:t>8</a:t>
+                      </a:r>
+                      <a:endParaRPr lang="en-US" dirty="0">
+                        <a:solidFill>
+                          <a:schemeClr val="tx1"/>
+                        </a:solidFill>
+                        <a:latin typeface="Consolas" panose="020B0609020204030204" pitchFamily="49" charset="0"/>
+                      </a:endParaRPr>
+                    </a:p>
+                  </a:txBody>
+                  <a:tcPr>
+                    <a:lnL w="12700" cap="flat" cmpd="sng" algn="ctr">
+                      <a:solidFill>
+                        <a:schemeClr val="tx1"/>
+                      </a:solidFill>
+                      <a:prstDash val="solid"/>
+                      <a:round/>
+                      <a:headEnd type="none" w="med" len="med"/>
+                      <a:tailEnd type="none" w="med" len="med"/>
+                    </a:lnL>
+                    <a:lnR w="12700" cap="flat" cmpd="sng" algn="ctr">
+                      <a:solidFill>
+                        <a:schemeClr val="tx1"/>
+                      </a:solidFill>
+                      <a:prstDash val="solid"/>
+                      <a:round/>
+                      <a:headEnd type="none" w="med" len="med"/>
+                      <a:tailEnd type="none" w="med" len="med"/>
+                    </a:lnR>
+                    <a:lnT w="12700" cap="flat" cmpd="sng" algn="ctr">
+                      <a:solidFill>
+                        <a:schemeClr val="tx1"/>
+                      </a:solidFill>
+                      <a:prstDash val="solid"/>
+                      <a:round/>
+                      <a:headEnd type="none" w="med" len="med"/>
+                      <a:tailEnd type="none" w="med" len="med"/>
+                    </a:lnT>
+                    <a:lnB w="12700" cap="flat" cmpd="sng" algn="ctr">
+                      <a:solidFill>
+                        <a:schemeClr val="tx1"/>
+                      </a:solidFill>
+                      <a:prstDash val="solid"/>
+                      <a:round/>
+                      <a:headEnd type="none" w="med" len="med"/>
+                      <a:tailEnd type="none" w="med" len="med"/>
+                    </a:lnB>
+                    <a:lnTlToBr w="12700" cmpd="sng">
+                      <a:noFill/>
+                      <a:prstDash val="solid"/>
+                    </a:lnTlToBr>
+                    <a:lnBlToTr w="12700" cmpd="sng">
+                      <a:noFill/>
+                      <a:prstDash val="solid"/>
+                    </a:lnBlToTr>
+                    <a:solidFill>
+                      <a:schemeClr val="bg2"/>
+                    </a:solidFill>
+                  </a:tcPr>
+                </a:tc>
+                <a:tc>
+                  <a:txBody>
+                    <a:bodyPr/>
+                    <a:lstStyle/>
+                    <a:p>
+                      <a:pPr algn="ctr"/>
+                      <a:r>
+                        <a:rPr lang="en-US" altLang="zh-TW" dirty="0">
+                          <a:solidFill>
+                            <a:schemeClr val="tx1"/>
+                          </a:solidFill>
+                          <a:latin typeface="Consolas" panose="020B0609020204030204" pitchFamily="49" charset="0"/>
+                        </a:rPr>
+                        <a:t>9</a:t>
+                      </a:r>
+                      <a:endParaRPr lang="en-US" dirty="0">
+                        <a:solidFill>
+                          <a:schemeClr val="tx1"/>
+                        </a:solidFill>
+                        <a:latin typeface="Consolas" panose="020B0609020204030204" pitchFamily="49" charset="0"/>
+                      </a:endParaRPr>
+                    </a:p>
+                  </a:txBody>
+                  <a:tcPr>
+                    <a:lnL w="12700" cap="flat" cmpd="sng" algn="ctr">
+                      <a:solidFill>
+                        <a:schemeClr val="tx1"/>
+                      </a:solidFill>
+                      <a:prstDash val="solid"/>
+                      <a:round/>
+                      <a:headEnd type="none" w="med" len="med"/>
+                      <a:tailEnd type="none" w="med" len="med"/>
+                    </a:lnL>
+                    <a:lnR w="12700" cap="flat" cmpd="sng" algn="ctr">
+                      <a:solidFill>
+                        <a:schemeClr val="tx1"/>
+                      </a:solidFill>
+                      <a:prstDash val="solid"/>
+                      <a:round/>
+                      <a:headEnd type="none" w="med" len="med"/>
+                      <a:tailEnd type="none" w="med" len="med"/>
+                    </a:lnR>
+                    <a:lnT w="12700" cap="flat" cmpd="sng" algn="ctr">
+                      <a:solidFill>
+                        <a:schemeClr val="tx1"/>
+                      </a:solidFill>
+                      <a:prstDash val="solid"/>
+                      <a:round/>
+                      <a:headEnd type="none" w="med" len="med"/>
+                      <a:tailEnd type="none" w="med" len="med"/>
+                    </a:lnT>
+                    <a:lnB w="12700" cap="flat" cmpd="sng" algn="ctr">
+                      <a:solidFill>
+                        <a:schemeClr val="tx1"/>
+                      </a:solidFill>
+                      <a:prstDash val="solid"/>
+                      <a:round/>
+                      <a:headEnd type="none" w="med" len="med"/>
+                      <a:tailEnd type="none" w="med" len="med"/>
+                    </a:lnB>
+                    <a:lnTlToBr w="12700" cmpd="sng">
+                      <a:noFill/>
+                      <a:prstDash val="solid"/>
+                    </a:lnTlToBr>
+                    <a:lnBlToTr w="12700" cmpd="sng">
+                      <a:noFill/>
+                      <a:prstDash val="solid"/>
+                    </a:lnBlToTr>
+                    <a:solidFill>
+                      <a:schemeClr val="bg2"/>
+                    </a:solidFill>
+                  </a:tcPr>
+                </a:tc>
+                <a:extLst>
+                  <a:ext uri="{0D108BD9-81ED-4DB2-BD59-A6C34878D82A}">
+                    <a16:rowId xmlns:a16="http://schemas.microsoft.com/office/drawing/2014/main" val="376532356"/>
+                  </a:ext>
+                </a:extLst>
+              </a:tr>
+              <a:tr h="370840">
+                <a:tc>
+                  <a:txBody>
+                    <a:bodyPr/>
+                    <a:lstStyle/>
+                    <a:p>
+                      <a:pPr algn="ctr"/>
+                      <a:r>
+                        <a:rPr lang="en-US" dirty="0">
+                          <a:solidFill>
+                            <a:schemeClr val="tx1"/>
+                          </a:solidFill>
+                          <a:latin typeface="Consolas" panose="020B0609020204030204" pitchFamily="49" charset="0"/>
+                        </a:rPr>
+                        <a:t>4</a:t>
+                      </a:r>
+                    </a:p>
+                  </a:txBody>
+                  <a:tcPr>
+                    <a:lnL w="12700" cap="flat" cmpd="sng" algn="ctr">
+                      <a:solidFill>
+                        <a:schemeClr val="tx1"/>
+                      </a:solidFill>
+                      <a:prstDash val="solid"/>
+                      <a:round/>
+                      <a:headEnd type="none" w="med" len="med"/>
+                      <a:tailEnd type="none" w="med" len="med"/>
+                    </a:lnL>
+                    <a:lnR w="12700" cap="flat" cmpd="sng" algn="ctr">
+                      <a:solidFill>
+                        <a:schemeClr val="tx1"/>
+                      </a:solidFill>
+                      <a:prstDash val="solid"/>
+                      <a:round/>
+                      <a:headEnd type="none" w="med" len="med"/>
+                      <a:tailEnd type="none" w="med" len="med"/>
+                    </a:lnR>
+                    <a:lnT w="12700" cap="flat" cmpd="sng" algn="ctr">
+                      <a:solidFill>
+                        <a:schemeClr val="tx1"/>
+                      </a:solidFill>
+                      <a:prstDash val="solid"/>
+                      <a:round/>
+                      <a:headEnd type="none" w="med" len="med"/>
+                      <a:tailEnd type="none" w="med" len="med"/>
+                    </a:lnT>
+                    <a:lnB w="12700" cap="flat" cmpd="sng" algn="ctr">
+                      <a:solidFill>
+                        <a:schemeClr val="tx1"/>
+                      </a:solidFill>
+                      <a:prstDash val="solid"/>
+                      <a:round/>
+                      <a:headEnd type="none" w="med" len="med"/>
+                      <a:tailEnd type="none" w="med" len="med"/>
+                    </a:lnB>
+                    <a:lnTlToBr w="12700" cmpd="sng">
+                      <a:noFill/>
+                      <a:prstDash val="solid"/>
+                    </a:lnTlToBr>
+                    <a:lnBlToTr w="12700" cmpd="sng">
+                      <a:noFill/>
+                      <a:prstDash val="solid"/>
+                    </a:lnBlToTr>
+                    <a:solidFill>
+                      <a:schemeClr val="bg1"/>
+                    </a:solidFill>
+                  </a:tcPr>
+                </a:tc>
+                <a:tc>
+                  <a:txBody>
+                    <a:bodyPr/>
+                    <a:lstStyle/>
+                    <a:p>
+                      <a:pPr algn="ctr"/>
+                      <a:r>
+                        <a:rPr lang="en-US" dirty="0">
+                          <a:solidFill>
+                            <a:schemeClr val="tx1"/>
+                          </a:solidFill>
+                          <a:latin typeface="Consolas" panose="020B0609020204030204" pitchFamily="49" charset="0"/>
+                        </a:rPr>
+                        <a:t>-9</a:t>
+                      </a:r>
+                    </a:p>
+                  </a:txBody>
+                  <a:tcPr>
+                    <a:lnL w="12700" cap="flat" cmpd="sng" algn="ctr">
+                      <a:solidFill>
+                        <a:schemeClr val="tx1"/>
+                      </a:solidFill>
+                      <a:prstDash val="solid"/>
+                      <a:round/>
+                      <a:headEnd type="none" w="med" len="med"/>
+                      <a:tailEnd type="none" w="med" len="med"/>
+                    </a:lnL>
+                    <a:lnR w="12700" cap="flat" cmpd="sng" algn="ctr">
+                      <a:solidFill>
+                        <a:schemeClr val="tx1"/>
+                      </a:solidFill>
+                      <a:prstDash val="solid"/>
+                      <a:round/>
+                      <a:headEnd type="none" w="med" len="med"/>
+                      <a:tailEnd type="none" w="med" len="med"/>
+                    </a:lnR>
+                    <a:lnT w="12700" cap="flat" cmpd="sng" algn="ctr">
+                      <a:solidFill>
+                        <a:schemeClr val="tx1"/>
+                      </a:solidFill>
+                      <a:prstDash val="solid"/>
+                      <a:round/>
+                      <a:headEnd type="none" w="med" len="med"/>
+                      <a:tailEnd type="none" w="med" len="med"/>
+                    </a:lnT>
+                    <a:lnB w="12700" cap="flat" cmpd="sng" algn="ctr">
+                      <a:solidFill>
+                        <a:schemeClr val="tx1"/>
+                      </a:solidFill>
+                      <a:prstDash val="solid"/>
+                      <a:round/>
+                      <a:headEnd type="none" w="med" len="med"/>
+                      <a:tailEnd type="none" w="med" len="med"/>
+                    </a:lnB>
+                    <a:lnTlToBr w="12700" cmpd="sng">
+                      <a:noFill/>
+                      <a:prstDash val="solid"/>
+                    </a:lnTlToBr>
+                    <a:lnBlToTr w="12700" cmpd="sng">
+                      <a:noFill/>
+                      <a:prstDash val="solid"/>
+                    </a:lnBlToTr>
+                    <a:solidFill>
+                      <a:schemeClr val="bg1"/>
+                    </a:solidFill>
+                  </a:tcPr>
+                </a:tc>
+                <a:tc>
+                  <a:txBody>
+                    <a:bodyPr/>
+                    <a:lstStyle/>
+                    <a:p>
+                      <a:pPr algn="ctr"/>
+                      <a:r>
+                        <a:rPr lang="en-US" dirty="0">
+                          <a:solidFill>
+                            <a:schemeClr val="tx1"/>
+                          </a:solidFill>
+                          <a:latin typeface="Consolas" panose="020B0609020204030204" pitchFamily="49" charset="0"/>
+                        </a:rPr>
+                        <a:t>2</a:t>
+                      </a:r>
+                    </a:p>
+                  </a:txBody>
+                  <a:tcPr>
+                    <a:lnL w="12700" cap="flat" cmpd="sng" algn="ctr">
+                      <a:solidFill>
+                        <a:schemeClr val="tx1"/>
+                      </a:solidFill>
+                      <a:prstDash val="solid"/>
+                      <a:round/>
+                      <a:headEnd type="none" w="med" len="med"/>
+                      <a:tailEnd type="none" w="med" len="med"/>
+                    </a:lnL>
+                    <a:lnR w="12700" cap="flat" cmpd="sng" algn="ctr">
+                      <a:solidFill>
+                        <a:schemeClr val="tx1"/>
+                      </a:solidFill>
+                      <a:prstDash val="solid"/>
+                      <a:round/>
+                      <a:headEnd type="none" w="med" len="med"/>
+                      <a:tailEnd type="none" w="med" len="med"/>
+                    </a:lnR>
+                    <a:lnT w="12700" cap="flat" cmpd="sng" algn="ctr">
+                      <a:solidFill>
+                        <a:schemeClr val="tx1"/>
+                      </a:solidFill>
+                      <a:prstDash val="solid"/>
+                      <a:round/>
+                      <a:headEnd type="none" w="med" len="med"/>
+                      <a:tailEnd type="none" w="med" len="med"/>
+                    </a:lnT>
+                    <a:lnB w="12700" cap="flat" cmpd="sng" algn="ctr">
+                      <a:solidFill>
+                        <a:schemeClr val="tx1"/>
+                      </a:solidFill>
+                      <a:prstDash val="solid"/>
+                      <a:round/>
+                      <a:headEnd type="none" w="med" len="med"/>
+                      <a:tailEnd type="none" w="med" len="med"/>
+                    </a:lnB>
+                    <a:lnTlToBr w="12700" cmpd="sng">
+                      <a:noFill/>
+                      <a:prstDash val="solid"/>
+                    </a:lnTlToBr>
+                    <a:lnBlToTr w="12700" cmpd="sng">
+                      <a:noFill/>
+                      <a:prstDash val="solid"/>
+                    </a:lnBlToTr>
+                    <a:solidFill>
+                      <a:schemeClr val="bg1"/>
+                    </a:solidFill>
+                  </a:tcPr>
+                </a:tc>
+                <a:tc>
+                  <a:txBody>
+                    <a:bodyPr/>
+                    <a:lstStyle/>
+                    <a:p>
+                      <a:pPr algn="ctr"/>
+                      <a:r>
+                        <a:rPr lang="en-US" dirty="0">
+                          <a:solidFill>
+                            <a:schemeClr val="tx1"/>
+                          </a:solidFill>
+                          <a:latin typeface="Consolas" panose="020B0609020204030204" pitchFamily="49" charset="0"/>
+                        </a:rPr>
+                        <a:t>8</a:t>
+                      </a:r>
+                    </a:p>
+                  </a:txBody>
+                  <a:tcPr>
+                    <a:lnL w="12700" cap="flat" cmpd="sng" algn="ctr">
+                      <a:solidFill>
+                        <a:schemeClr val="tx1"/>
+                      </a:solidFill>
+                      <a:prstDash val="solid"/>
+                      <a:round/>
+                      <a:headEnd type="none" w="med" len="med"/>
+                      <a:tailEnd type="none" w="med" len="med"/>
+                    </a:lnL>
+                    <a:lnR w="12700" cap="flat" cmpd="sng" algn="ctr">
+                      <a:solidFill>
+                        <a:schemeClr val="tx1"/>
+                      </a:solidFill>
+                      <a:prstDash val="solid"/>
+                      <a:round/>
+                      <a:headEnd type="none" w="med" len="med"/>
+                      <a:tailEnd type="none" w="med" len="med"/>
+                    </a:lnR>
+                    <a:lnT w="12700" cap="flat" cmpd="sng" algn="ctr">
+                      <a:solidFill>
+                        <a:schemeClr val="tx1"/>
+                      </a:solidFill>
+                      <a:prstDash val="solid"/>
+                      <a:round/>
+                      <a:headEnd type="none" w="med" len="med"/>
+                      <a:tailEnd type="none" w="med" len="med"/>
+                    </a:lnT>
+                    <a:lnB w="12700" cap="flat" cmpd="sng" algn="ctr">
+                      <a:solidFill>
+                        <a:schemeClr val="tx1"/>
+                      </a:solidFill>
+                      <a:prstDash val="solid"/>
+                      <a:round/>
+                      <a:headEnd type="none" w="med" len="med"/>
+                      <a:tailEnd type="none" w="med" len="med"/>
+                    </a:lnB>
+                    <a:lnTlToBr w="12700" cmpd="sng">
+                      <a:noFill/>
+                      <a:prstDash val="solid"/>
+                    </a:lnTlToBr>
+                    <a:lnBlToTr w="12700" cmpd="sng">
+                      <a:noFill/>
+                      <a:prstDash val="solid"/>
+                    </a:lnBlToTr>
+                    <a:solidFill>
+                      <a:schemeClr val="bg1"/>
+                    </a:solidFill>
+                  </a:tcPr>
+                </a:tc>
+                <a:tc>
+                  <a:txBody>
+                    <a:bodyPr/>
+                    <a:lstStyle/>
+                    <a:p>
+                      <a:pPr algn="ctr"/>
+                      <a:r>
+                        <a:rPr lang="en-US" dirty="0">
+                          <a:solidFill>
+                            <a:schemeClr val="tx1"/>
+                          </a:solidFill>
+                          <a:latin typeface="Consolas" panose="020B0609020204030204" pitchFamily="49" charset="0"/>
+                        </a:rPr>
+                        <a:t>-7</a:t>
+                      </a:r>
+                    </a:p>
+                  </a:txBody>
+                  <a:tcPr>
+                    <a:lnL w="12700" cap="flat" cmpd="sng" algn="ctr">
+                      <a:solidFill>
+                        <a:schemeClr val="tx1"/>
+                      </a:solidFill>
+                      <a:prstDash val="solid"/>
+                      <a:round/>
+                      <a:headEnd type="none" w="med" len="med"/>
+                      <a:tailEnd type="none" w="med" len="med"/>
+                    </a:lnL>
+                    <a:lnR w="12700" cap="flat" cmpd="sng" algn="ctr">
+                      <a:solidFill>
+                        <a:schemeClr val="tx1"/>
+                      </a:solidFill>
+                      <a:prstDash val="solid"/>
+                      <a:round/>
+                      <a:headEnd type="none" w="med" len="med"/>
+                      <a:tailEnd type="none" w="med" len="med"/>
+                    </a:lnR>
+                    <a:lnT w="12700" cap="flat" cmpd="sng" algn="ctr">
+                      <a:solidFill>
+                        <a:schemeClr val="tx1"/>
+                      </a:solidFill>
+                      <a:prstDash val="solid"/>
+                      <a:round/>
+                      <a:headEnd type="none" w="med" len="med"/>
+                      <a:tailEnd type="none" w="med" len="med"/>
+                    </a:lnT>
+                    <a:lnB w="12700" cap="flat" cmpd="sng" algn="ctr">
+                      <a:solidFill>
+                        <a:schemeClr val="tx1"/>
+                      </a:solidFill>
+                      <a:prstDash val="solid"/>
+                      <a:round/>
+                      <a:headEnd type="none" w="med" len="med"/>
+                      <a:tailEnd type="none" w="med" len="med"/>
+                    </a:lnB>
+                    <a:lnTlToBr w="12700" cmpd="sng">
+                      <a:noFill/>
+                      <a:prstDash val="solid"/>
+                    </a:lnTlToBr>
+                    <a:lnBlToTr w="12700" cmpd="sng">
+                      <a:noFill/>
+                      <a:prstDash val="solid"/>
+                    </a:lnBlToTr>
+                    <a:solidFill>
+                      <a:schemeClr val="bg1"/>
+                    </a:solidFill>
+                  </a:tcPr>
+                </a:tc>
+                <a:tc>
+                  <a:txBody>
+                    <a:bodyPr/>
+                    <a:lstStyle/>
+                    <a:p>
+                      <a:pPr algn="ctr"/>
+                      <a:r>
+                        <a:rPr lang="en-US" dirty="0">
+                          <a:solidFill>
+                            <a:schemeClr val="tx1"/>
+                          </a:solidFill>
+                          <a:latin typeface="Consolas" panose="020B0609020204030204" pitchFamily="49" charset="0"/>
+                        </a:rPr>
+                        <a:t>1</a:t>
+                      </a:r>
+                    </a:p>
+                  </a:txBody>
+                  <a:tcPr>
+                    <a:lnL w="12700" cap="flat" cmpd="sng" algn="ctr">
+                      <a:solidFill>
+                        <a:schemeClr val="tx1"/>
+                      </a:solidFill>
+                      <a:prstDash val="solid"/>
+                      <a:round/>
+                      <a:headEnd type="none" w="med" len="med"/>
+                      <a:tailEnd type="none" w="med" len="med"/>
+                    </a:lnL>
+                    <a:lnR w="12700" cap="flat" cmpd="sng" algn="ctr">
+                      <a:solidFill>
+                        <a:schemeClr val="tx1"/>
+                      </a:solidFill>
+                      <a:prstDash val="solid"/>
+                      <a:round/>
+                      <a:headEnd type="none" w="med" len="med"/>
+                      <a:tailEnd type="none" w="med" len="med"/>
+                    </a:lnR>
+                    <a:lnT w="12700" cap="flat" cmpd="sng" algn="ctr">
+                      <a:solidFill>
+                        <a:schemeClr val="tx1"/>
+                      </a:solidFill>
+                      <a:prstDash val="solid"/>
+                      <a:round/>
+                      <a:headEnd type="none" w="med" len="med"/>
+                      <a:tailEnd type="none" w="med" len="med"/>
+                    </a:lnT>
+                    <a:lnB w="12700" cap="flat" cmpd="sng" algn="ctr">
+                      <a:solidFill>
+                        <a:schemeClr val="tx1"/>
+                      </a:solidFill>
+                      <a:prstDash val="solid"/>
+                      <a:round/>
+                      <a:headEnd type="none" w="med" len="med"/>
+                      <a:tailEnd type="none" w="med" len="med"/>
+                    </a:lnB>
+                    <a:lnTlToBr w="12700" cmpd="sng">
+                      <a:noFill/>
+                      <a:prstDash val="solid"/>
+                    </a:lnTlToBr>
+                    <a:lnBlToTr w="12700" cmpd="sng">
+                      <a:noFill/>
+                      <a:prstDash val="solid"/>
+                    </a:lnBlToTr>
+                    <a:solidFill>
+                      <a:schemeClr val="bg1"/>
+                    </a:solidFill>
+                  </a:tcPr>
+                </a:tc>
+                <a:tc>
+                  <a:txBody>
+                    <a:bodyPr/>
+                    <a:lstStyle/>
+                    <a:p>
+                      <a:pPr algn="ctr"/>
+                      <a:r>
+                        <a:rPr lang="en-US" dirty="0">
+                          <a:solidFill>
+                            <a:schemeClr val="tx1"/>
+                          </a:solidFill>
+                          <a:latin typeface="Consolas" panose="020B0609020204030204" pitchFamily="49" charset="0"/>
+                        </a:rPr>
+                        <a:t>4</a:t>
+                      </a:r>
+                    </a:p>
+                  </a:txBody>
+                  <a:tcPr>
+                    <a:lnL w="12700" cap="flat" cmpd="sng" algn="ctr">
+                      <a:solidFill>
+                        <a:schemeClr val="tx1"/>
+                      </a:solidFill>
+                      <a:prstDash val="solid"/>
+                      <a:round/>
+                      <a:headEnd type="none" w="med" len="med"/>
+                      <a:tailEnd type="none" w="med" len="med"/>
+                    </a:lnL>
+                    <a:lnR w="12700" cap="flat" cmpd="sng" algn="ctr">
+                      <a:solidFill>
+                        <a:schemeClr val="tx1"/>
+                      </a:solidFill>
+                      <a:prstDash val="solid"/>
+                      <a:round/>
+                      <a:headEnd type="none" w="med" len="med"/>
+                      <a:tailEnd type="none" w="med" len="med"/>
+                    </a:lnR>
+                    <a:lnT w="12700" cap="flat" cmpd="sng" algn="ctr">
+                      <a:solidFill>
+                        <a:schemeClr val="tx1"/>
+                      </a:solidFill>
+                      <a:prstDash val="solid"/>
+                      <a:round/>
+                      <a:headEnd type="none" w="med" len="med"/>
+                      <a:tailEnd type="none" w="med" len="med"/>
+                    </a:lnT>
+                    <a:lnB w="12700" cap="flat" cmpd="sng" algn="ctr">
+                      <a:solidFill>
+                        <a:schemeClr val="tx1"/>
+                      </a:solidFill>
+                      <a:prstDash val="solid"/>
+                      <a:round/>
+                      <a:headEnd type="none" w="med" len="med"/>
+                      <a:tailEnd type="none" w="med" len="med"/>
+                    </a:lnB>
+                    <a:lnTlToBr w="12700" cmpd="sng">
+                      <a:noFill/>
+                      <a:prstDash val="solid"/>
+                    </a:lnTlToBr>
+                    <a:lnBlToTr w="12700" cmpd="sng">
+                      <a:noFill/>
+                      <a:prstDash val="solid"/>
+                    </a:lnBlToTr>
+                    <a:solidFill>
+                      <a:schemeClr val="bg1"/>
+                    </a:solidFill>
+                  </a:tcPr>
+                </a:tc>
+                <a:tc>
+                  <a:txBody>
+                    <a:bodyPr/>
+                    <a:lstStyle/>
+                    <a:p>
+                      <a:pPr algn="ctr"/>
+                      <a:r>
+                        <a:rPr lang="en-US" dirty="0">
+                          <a:solidFill>
+                            <a:schemeClr val="tx1"/>
+                          </a:solidFill>
+                          <a:latin typeface="Consolas" panose="020B0609020204030204" pitchFamily="49" charset="0"/>
+                        </a:rPr>
+                        <a:t>-10</a:t>
+                      </a:r>
+                    </a:p>
+                  </a:txBody>
+                  <a:tcPr>
+                    <a:lnL w="12700" cap="flat" cmpd="sng" algn="ctr">
+                      <a:solidFill>
+                        <a:schemeClr val="tx1"/>
+                      </a:solidFill>
+                      <a:prstDash val="solid"/>
+                      <a:round/>
+                      <a:headEnd type="none" w="med" len="med"/>
+                      <a:tailEnd type="none" w="med" len="med"/>
+                    </a:lnL>
+                    <a:lnR w="12700" cap="flat" cmpd="sng" algn="ctr">
+                      <a:solidFill>
+                        <a:schemeClr val="tx1"/>
+                      </a:solidFill>
+                      <a:prstDash val="solid"/>
+                      <a:round/>
+                      <a:headEnd type="none" w="med" len="med"/>
+                      <a:tailEnd type="none" w="med" len="med"/>
+                    </a:lnR>
+                    <a:lnT w="12700" cap="flat" cmpd="sng" algn="ctr">
+                      <a:solidFill>
+                        <a:schemeClr val="tx1"/>
+                      </a:solidFill>
+                      <a:prstDash val="solid"/>
+                      <a:round/>
+                      <a:headEnd type="none" w="med" len="med"/>
+                      <a:tailEnd type="none" w="med" len="med"/>
+                    </a:lnT>
+                    <a:lnB w="12700" cap="flat" cmpd="sng" algn="ctr">
+                      <a:solidFill>
+                        <a:schemeClr val="tx1"/>
+                      </a:solidFill>
+                      <a:prstDash val="solid"/>
+                      <a:round/>
+                      <a:headEnd type="none" w="med" len="med"/>
+                      <a:tailEnd type="none" w="med" len="med"/>
+                    </a:lnB>
+                    <a:lnTlToBr w="12700" cmpd="sng">
+                      <a:noFill/>
+                      <a:prstDash val="solid"/>
+                    </a:lnTlToBr>
+                    <a:lnBlToTr w="12700" cmpd="sng">
+                      <a:noFill/>
+                      <a:prstDash val="solid"/>
+                    </a:lnBlToTr>
+                    <a:solidFill>
+                      <a:schemeClr val="bg1"/>
+                    </a:solidFill>
+                  </a:tcPr>
+                </a:tc>
+                <a:tc>
+                  <a:txBody>
+                    <a:bodyPr/>
+                    <a:lstStyle/>
+                    <a:p>
+                      <a:pPr algn="ctr"/>
+                      <a:r>
+                        <a:rPr lang="en-US" dirty="0">
+                          <a:solidFill>
+                            <a:schemeClr val="tx1"/>
+                          </a:solidFill>
+                          <a:latin typeface="Consolas" panose="020B0609020204030204" pitchFamily="49" charset="0"/>
+                        </a:rPr>
+                        <a:t>3</a:t>
+                      </a:r>
+                    </a:p>
+                  </a:txBody>
+                  <a:tcPr>
+                    <a:lnL w="12700" cap="flat" cmpd="sng" algn="ctr">
+                      <a:solidFill>
+                        <a:schemeClr val="tx1"/>
+                      </a:solidFill>
+                      <a:prstDash val="solid"/>
+                      <a:round/>
+                      <a:headEnd type="none" w="med" len="med"/>
+                      <a:tailEnd type="none" w="med" len="med"/>
+                    </a:lnL>
+                    <a:lnR w="12700" cap="flat" cmpd="sng" algn="ctr">
+                      <a:solidFill>
+                        <a:schemeClr val="tx1"/>
+                      </a:solidFill>
+                      <a:prstDash val="solid"/>
+                      <a:round/>
+                      <a:headEnd type="none" w="med" len="med"/>
+                      <a:tailEnd type="none" w="med" len="med"/>
+                    </a:lnR>
+                    <a:lnT w="12700" cap="flat" cmpd="sng" algn="ctr">
+                      <a:solidFill>
+                        <a:schemeClr val="tx1"/>
+                      </a:solidFill>
+                      <a:prstDash val="solid"/>
+                      <a:round/>
+                      <a:headEnd type="none" w="med" len="med"/>
+                      <a:tailEnd type="none" w="med" len="med"/>
+                    </a:lnT>
+                    <a:lnB w="12700" cap="flat" cmpd="sng" algn="ctr">
+                      <a:solidFill>
+                        <a:schemeClr val="tx1"/>
+                      </a:solidFill>
+                      <a:prstDash val="solid"/>
+                      <a:round/>
+                      <a:headEnd type="none" w="med" len="med"/>
+                      <a:tailEnd type="none" w="med" len="med"/>
+                    </a:lnB>
+                    <a:lnTlToBr w="12700" cmpd="sng">
+                      <a:noFill/>
+                      <a:prstDash val="solid"/>
+                    </a:lnTlToBr>
+                    <a:lnBlToTr w="12700" cmpd="sng">
+                      <a:noFill/>
+                      <a:prstDash val="solid"/>
+                    </a:lnBlToTr>
+                    <a:solidFill>
+                      <a:schemeClr val="bg1"/>
+                    </a:solidFill>
+                  </a:tcPr>
+                </a:tc>
+                <a:tc>
+                  <a:txBody>
+                    <a:bodyPr/>
+                    <a:lstStyle/>
+                    <a:p>
+                      <a:pPr algn="ctr"/>
+                      <a:r>
+                        <a:rPr lang="en-US" dirty="0">
+                          <a:solidFill>
+                            <a:schemeClr val="tx1"/>
+                          </a:solidFill>
+                          <a:latin typeface="Consolas" panose="020B0609020204030204" pitchFamily="49" charset="0"/>
+                        </a:rPr>
+                        <a:t>7</a:t>
+                      </a:r>
+                    </a:p>
+                  </a:txBody>
+                  <a:tcPr>
+                    <a:lnL w="12700" cap="flat" cmpd="sng" algn="ctr">
+                      <a:solidFill>
+                        <a:schemeClr val="tx1"/>
+                      </a:solidFill>
+                      <a:prstDash val="solid"/>
+                      <a:round/>
+                      <a:headEnd type="none" w="med" len="med"/>
+                      <a:tailEnd type="none" w="med" len="med"/>
+                    </a:lnL>
+                    <a:lnR w="12700" cap="flat" cmpd="sng" algn="ctr">
+                      <a:solidFill>
+                        <a:schemeClr val="tx1"/>
+                      </a:solidFill>
+                      <a:prstDash val="solid"/>
+                      <a:round/>
+                      <a:headEnd type="none" w="med" len="med"/>
+                      <a:tailEnd type="none" w="med" len="med"/>
+                    </a:lnR>
+                    <a:lnT w="12700" cap="flat" cmpd="sng" algn="ctr">
+                      <a:solidFill>
+                        <a:schemeClr val="tx1"/>
+                      </a:solidFill>
+                      <a:prstDash val="solid"/>
+                      <a:round/>
+                      <a:headEnd type="none" w="med" len="med"/>
+                      <a:tailEnd type="none" w="med" len="med"/>
+                    </a:lnT>
+                    <a:lnB w="12700" cap="flat" cmpd="sng" algn="ctr">
+                      <a:solidFill>
+                        <a:schemeClr val="tx1"/>
+                      </a:solidFill>
+                      <a:prstDash val="solid"/>
+                      <a:round/>
+                      <a:headEnd type="none" w="med" len="med"/>
+                      <a:tailEnd type="none" w="med" len="med"/>
+                    </a:lnB>
+                    <a:lnTlToBr w="12700" cmpd="sng">
+                      <a:noFill/>
+                      <a:prstDash val="solid"/>
+                    </a:lnTlToBr>
+                    <a:lnBlToTr w="12700" cmpd="sng">
+                      <a:noFill/>
+                      <a:prstDash val="solid"/>
+                    </a:lnBlToTr>
+                    <a:solidFill>
+                      <a:schemeClr val="bg1"/>
+                    </a:solidFill>
+                  </a:tcPr>
+                </a:tc>
+                <a:extLst>
+                  <a:ext uri="{0D108BD9-81ED-4DB2-BD59-A6C34878D82A}">
+                    <a16:rowId xmlns:a16="http://schemas.microsoft.com/office/drawing/2014/main" val="2415824673"/>
+                  </a:ext>
+                </a:extLst>
+              </a:tr>
+              <a:tr h="370840">
+                <a:tc>
+                  <a:txBody>
+                    <a:bodyPr/>
+                    <a:lstStyle/>
+                    <a:p>
+                      <a:pPr algn="ctr"/>
+                      <a:r>
+                        <a:rPr lang="en-US" altLang="zh-TW" dirty="0">
+                          <a:solidFill>
+                            <a:schemeClr val="tx1"/>
+                          </a:solidFill>
+                          <a:latin typeface="Consolas" panose="020B0609020204030204" pitchFamily="49" charset="0"/>
+                        </a:rPr>
+                        <a:t>4</a:t>
+                      </a:r>
+                      <a:endParaRPr lang="en-US" dirty="0">
+                        <a:solidFill>
+                          <a:schemeClr val="tx1"/>
+                        </a:solidFill>
+                        <a:latin typeface="Consolas" panose="020B0609020204030204" pitchFamily="49" charset="0"/>
+                      </a:endParaRPr>
+                    </a:p>
+                  </a:txBody>
+                  <a:tcPr>
+                    <a:lnL w="12700" cap="flat" cmpd="sng" algn="ctr">
+                      <a:solidFill>
+                        <a:schemeClr val="tx1"/>
+                      </a:solidFill>
+                      <a:prstDash val="solid"/>
+                      <a:round/>
+                      <a:headEnd type="none" w="med" len="med"/>
+                      <a:tailEnd type="none" w="med" len="med"/>
+                    </a:lnL>
+                    <a:lnR w="12700" cap="flat" cmpd="sng" algn="ctr">
+                      <a:solidFill>
+                        <a:schemeClr val="tx1"/>
+                      </a:solidFill>
+                      <a:prstDash val="solid"/>
+                      <a:round/>
+                      <a:headEnd type="none" w="med" len="med"/>
+                      <a:tailEnd type="none" w="med" len="med"/>
+                    </a:lnR>
+                    <a:lnT w="12700" cap="flat" cmpd="sng" algn="ctr">
+                      <a:solidFill>
+                        <a:schemeClr val="tx1"/>
+                      </a:solidFill>
+                      <a:prstDash val="solid"/>
+                      <a:round/>
+                      <a:headEnd type="none" w="med" len="med"/>
+                      <a:tailEnd type="none" w="med" len="med"/>
+                    </a:lnT>
+                    <a:lnB w="12700" cap="flat" cmpd="sng" algn="ctr">
+                      <a:solidFill>
+                        <a:schemeClr val="tx1"/>
+                      </a:solidFill>
+                      <a:prstDash val="solid"/>
+                      <a:round/>
+                      <a:headEnd type="none" w="med" len="med"/>
+                      <a:tailEnd type="none" w="med" len="med"/>
+                    </a:lnB>
+                    <a:lnTlToBr w="12700" cmpd="sng">
+                      <a:noFill/>
+                      <a:prstDash val="solid"/>
+                    </a:lnTlToBr>
+                    <a:lnBlToTr w="12700" cmpd="sng">
+                      <a:noFill/>
+                      <a:prstDash val="solid"/>
+                    </a:lnBlToTr>
+                    <a:solidFill>
+                      <a:schemeClr val="bg1"/>
+                    </a:solidFill>
+                  </a:tcPr>
+                </a:tc>
+                <a:tc>
+                  <a:txBody>
+                    <a:bodyPr/>
+                    <a:lstStyle/>
+                    <a:p>
+                      <a:pPr algn="ctr"/>
+                      <a:r>
+                        <a:rPr lang="en-US" altLang="zh-TW" dirty="0">
+                          <a:solidFill>
+                            <a:schemeClr val="tx1"/>
+                          </a:solidFill>
+                          <a:latin typeface="Consolas" panose="020B0609020204030204" pitchFamily="49" charset="0"/>
+                        </a:rPr>
+                        <a:t>-5</a:t>
+                      </a:r>
+                      <a:endParaRPr lang="en-US" dirty="0">
+                        <a:solidFill>
+                          <a:schemeClr val="tx1"/>
+                        </a:solidFill>
+                        <a:latin typeface="Consolas" panose="020B0609020204030204" pitchFamily="49" charset="0"/>
+                      </a:endParaRPr>
+                    </a:p>
+                  </a:txBody>
+                  <a:tcPr>
+                    <a:lnL w="12700" cap="flat" cmpd="sng" algn="ctr">
+                      <a:solidFill>
+                        <a:schemeClr val="tx1"/>
+                      </a:solidFill>
+                      <a:prstDash val="solid"/>
+                      <a:round/>
+                      <a:headEnd type="none" w="med" len="med"/>
+                      <a:tailEnd type="none" w="med" len="med"/>
+                    </a:lnL>
+                    <a:lnR w="12700" cap="flat" cmpd="sng" algn="ctr">
+                      <a:solidFill>
+                        <a:schemeClr val="tx1"/>
+                      </a:solidFill>
+                      <a:prstDash val="solid"/>
+                      <a:round/>
+                      <a:headEnd type="none" w="med" len="med"/>
+                      <a:tailEnd type="none" w="med" len="med"/>
+                    </a:lnR>
+                    <a:lnT w="12700" cap="flat" cmpd="sng" algn="ctr">
+                      <a:solidFill>
+                        <a:schemeClr val="tx1"/>
+                      </a:solidFill>
+                      <a:prstDash val="solid"/>
+                      <a:round/>
+                      <a:headEnd type="none" w="med" len="med"/>
+                      <a:tailEnd type="none" w="med" len="med"/>
+                    </a:lnT>
+                    <a:lnB w="12700" cap="flat" cmpd="sng" algn="ctr">
+                      <a:solidFill>
+                        <a:schemeClr val="tx1"/>
+                      </a:solidFill>
+                      <a:prstDash val="solid"/>
+                      <a:round/>
+                      <a:headEnd type="none" w="med" len="med"/>
+                      <a:tailEnd type="none" w="med" len="med"/>
+                    </a:lnB>
+                    <a:lnTlToBr w="12700" cmpd="sng">
+                      <a:noFill/>
+                      <a:prstDash val="solid"/>
+                    </a:lnTlToBr>
+                    <a:lnBlToTr w="12700" cmpd="sng">
+                      <a:noFill/>
+                      <a:prstDash val="solid"/>
+                    </a:lnBlToTr>
+                    <a:solidFill>
+                      <a:schemeClr val="bg1"/>
+                    </a:solidFill>
+                  </a:tcPr>
+                </a:tc>
+                <a:tc>
+                  <a:txBody>
+                    <a:bodyPr/>
+                    <a:lstStyle/>
+                    <a:p>
+                      <a:pPr algn="ctr"/>
+                      <a:r>
+                        <a:rPr lang="en-US" altLang="zh-TW" dirty="0">
+                          <a:solidFill>
+                            <a:schemeClr val="tx1"/>
+                          </a:solidFill>
+                          <a:latin typeface="Consolas" panose="020B0609020204030204" pitchFamily="49" charset="0"/>
+                        </a:rPr>
+                        <a:t>2</a:t>
+                      </a:r>
+                      <a:endParaRPr lang="en-US" dirty="0">
+                        <a:solidFill>
+                          <a:schemeClr val="tx1"/>
+                        </a:solidFill>
+                        <a:latin typeface="Consolas" panose="020B0609020204030204" pitchFamily="49" charset="0"/>
+                      </a:endParaRPr>
+                    </a:p>
+                  </a:txBody>
+                  <a:tcPr>
+                    <a:lnL w="12700" cap="flat" cmpd="sng" algn="ctr">
+                      <a:solidFill>
+                        <a:schemeClr val="tx1"/>
+                      </a:solidFill>
+                      <a:prstDash val="solid"/>
+                      <a:round/>
+                      <a:headEnd type="none" w="med" len="med"/>
+                      <a:tailEnd type="none" w="med" len="med"/>
+                    </a:lnL>
+                    <a:lnR w="12700" cap="flat" cmpd="sng" algn="ctr">
+                      <a:solidFill>
+                        <a:schemeClr val="tx1"/>
+                      </a:solidFill>
+                      <a:prstDash val="solid"/>
+                      <a:round/>
+                      <a:headEnd type="none" w="med" len="med"/>
+                      <a:tailEnd type="none" w="med" len="med"/>
+                    </a:lnR>
+                    <a:lnT w="12700" cap="flat" cmpd="sng" algn="ctr">
+                      <a:solidFill>
+                        <a:schemeClr val="tx1"/>
+                      </a:solidFill>
+                      <a:prstDash val="solid"/>
+                      <a:round/>
+                      <a:headEnd type="none" w="med" len="med"/>
+                      <a:tailEnd type="none" w="med" len="med"/>
+                    </a:lnT>
+                    <a:lnB w="12700" cap="flat" cmpd="sng" algn="ctr">
+                      <a:solidFill>
+                        <a:schemeClr val="tx1"/>
+                      </a:solidFill>
+                      <a:prstDash val="solid"/>
+                      <a:round/>
+                      <a:headEnd type="none" w="med" len="med"/>
+                      <a:tailEnd type="none" w="med" len="med"/>
+                    </a:lnB>
+                    <a:lnTlToBr w="12700" cmpd="sng">
+                      <a:noFill/>
+                      <a:prstDash val="solid"/>
+                    </a:lnTlToBr>
+                    <a:lnBlToTr w="12700" cmpd="sng">
+                      <a:noFill/>
+                      <a:prstDash val="solid"/>
+                    </a:lnBlToTr>
+                    <a:solidFill>
+                      <a:schemeClr val="bg1"/>
+                    </a:solidFill>
+                  </a:tcPr>
+                </a:tc>
+                <a:tc>
+                  <a:txBody>
+                    <a:bodyPr/>
+                    <a:lstStyle/>
+                    <a:p>
+                      <a:pPr algn="ctr"/>
+                      <a:r>
+                        <a:rPr lang="en-US" altLang="zh-TW" dirty="0">
+                          <a:solidFill>
+                            <a:schemeClr val="tx1"/>
+                          </a:solidFill>
+                          <a:latin typeface="Consolas" panose="020B0609020204030204" pitchFamily="49" charset="0"/>
+                        </a:rPr>
+                        <a:t>10</a:t>
                       </a:r>
                       <a:endParaRPr lang="en-US" dirty="0">
                         <a:solidFill>
@@ -15363,7 +17778,7 @@
               <a:rPr lang="en-US" sz="2800" b="1" dirty="0">
                 <a:latin typeface="Consolas" panose="020B0609020204030204" pitchFamily="49" charset="0"/>
               </a:rPr>
-              <a:t>[1]+num[2],num[2]) = 15</a:t>
+              <a:t>[2]+num[3],num[3]) = 10</a:t>
             </a:r>
           </a:p>
         </p:txBody>
@@ -15371,7 +17786,7 @@
     </p:spTree>
     <p:extLst>
       <p:ext uri="{BB962C8B-B14F-4D97-AF65-F5344CB8AC3E}">
-        <p14:creationId xmlns:p14="http://schemas.microsoft.com/office/powerpoint/2010/main" val="1522120024"/>
+        <p14:creationId xmlns:p14="http://schemas.microsoft.com/office/powerpoint/2010/main" val="2919344200"/>
       </p:ext>
     </p:extLst>
   </p:cSld>
@@ -15381,7 +17796,7 @@
 </p:sld>
 </file>
 
-<file path=ppt/slides/slide4.xml><?xml version="1.0" encoding="utf-8"?>
+<file path=ppt/slides/slide5.xml><?xml version="1.0" encoding="utf-8"?>
 <p:sld xmlns:a="http://schemas.openxmlformats.org/drawingml/2006/main" xmlns:r="http://schemas.openxmlformats.org/officeDocument/2006/relationships" xmlns:p="http://schemas.openxmlformats.org/presentationml/2006/main">
   <p:cSld>
     <p:spTree>
@@ -15413,7 +17828,7 @@
           <p:nvPr>
             <p:extLst>
               <p:ext uri="{D42A27DB-BD31-4B8C-83A1-F6EECF244321}">
-                <p14:modId xmlns:p14="http://schemas.microsoft.com/office/powerpoint/2010/main" val="1883829050"/>
+                <p14:modId xmlns:p14="http://schemas.microsoft.com/office/powerpoint/2010/main" val="3409498181"/>
               </p:ext>
             </p:extLst>
           </p:nvPr>
@@ -16318,7 +18733,7 @@
                           </a:solidFill>
                           <a:latin typeface="Consolas" panose="020B0609020204030204" pitchFamily="49" charset="0"/>
                         </a:rPr>
-                        <a:t>9</a:t>
+                        <a:t>-9</a:t>
                       </a:r>
                     </a:p>
                   </a:txBody>
@@ -16519,7 +18934,7 @@
                           </a:solidFill>
                           <a:latin typeface="Consolas" panose="020B0609020204030204" pitchFamily="49" charset="0"/>
                         </a:rPr>
-                        <a:t>7</a:t>
+                        <a:t>-7</a:t>
                       </a:r>
                     </a:p>
                   </a:txBody>
@@ -16720,7 +19135,7 @@
                           </a:solidFill>
                           <a:latin typeface="Consolas" panose="020B0609020204030204" pitchFamily="49" charset="0"/>
                         </a:rPr>
-                        <a:t>10</a:t>
+                        <a:t>-10</a:t>
                       </a:r>
                     </a:p>
                   </a:txBody>
@@ -17001,7 +19416,7 @@
                           </a:solidFill>
                           <a:latin typeface="Consolas" panose="020B0609020204030204" pitchFamily="49" charset="0"/>
                         </a:rPr>
-                        <a:t>13</a:t>
+                        <a:t>-5</a:t>
                       </a:r>
                       <a:endParaRPr lang="en-US" dirty="0">
                         <a:solidFill>
@@ -17074,7 +19489,7 @@
                           </a:solidFill>
                           <a:latin typeface="Consolas" panose="020B0609020204030204" pitchFamily="49" charset="0"/>
                         </a:rPr>
-                        <a:t>15</a:t>
+                        <a:t>2</a:t>
                       </a:r>
                       <a:endParaRPr lang="en-US" dirty="0">
                         <a:solidFill>
@@ -17147,7 +19562,7 @@
                           </a:solidFill>
                           <a:latin typeface="Consolas" panose="020B0609020204030204" pitchFamily="49" charset="0"/>
                         </a:rPr>
-                        <a:t>23</a:t>
+                        <a:t>10</a:t>
                       </a:r>
                       <a:endParaRPr lang="en-US" dirty="0">
                         <a:solidFill>
@@ -17220,7 +19635,7 @@
                           </a:solidFill>
                           <a:latin typeface="Consolas" panose="020B0609020204030204" pitchFamily="49" charset="0"/>
                         </a:rPr>
-                        <a:t>0</a:t>
+                        <a:t>3</a:t>
                       </a:r>
                       <a:endParaRPr lang="en-US" dirty="0">
                         <a:solidFill>
@@ -17776,7 +20191,7 @@
               <a:rPr lang="en-US" sz="2800" b="1" dirty="0">
                 <a:latin typeface="Consolas" panose="020B0609020204030204" pitchFamily="49" charset="0"/>
               </a:rPr>
-              <a:t>[2]+num[3],num[3]) = 23</a:t>
+              <a:t>[3]+num[4],num[4]) = 3</a:t>
             </a:r>
           </a:p>
         </p:txBody>
@@ -17784,7 +20199,7 @@
     </p:spTree>
     <p:extLst>
       <p:ext uri="{BB962C8B-B14F-4D97-AF65-F5344CB8AC3E}">
-        <p14:creationId xmlns:p14="http://schemas.microsoft.com/office/powerpoint/2010/main" val="2919344200"/>
+        <p14:creationId xmlns:p14="http://schemas.microsoft.com/office/powerpoint/2010/main" val="3046679000"/>
       </p:ext>
     </p:extLst>
   </p:cSld>
@@ -17794,7 +20209,7 @@
 </p:sld>
 </file>
 
-<file path=ppt/slides/slide5.xml><?xml version="1.0" encoding="utf-8"?>
+<file path=ppt/slides/slide6.xml><?xml version="1.0" encoding="utf-8"?>
 <p:sld xmlns:a="http://schemas.openxmlformats.org/drawingml/2006/main" xmlns:r="http://schemas.openxmlformats.org/officeDocument/2006/relationships" xmlns:p="http://schemas.openxmlformats.org/presentationml/2006/main">
   <p:cSld>
     <p:spTree>
@@ -17826,7 +20241,7 @@
           <p:nvPr>
             <p:extLst>
               <p:ext uri="{D42A27DB-BD31-4B8C-83A1-F6EECF244321}">
-                <p14:modId xmlns:p14="http://schemas.microsoft.com/office/powerpoint/2010/main" val="1247088870"/>
+                <p14:modId xmlns:p14="http://schemas.microsoft.com/office/powerpoint/2010/main" val="287560371"/>
               </p:ext>
             </p:extLst>
           </p:nvPr>
@@ -18731,7 +21146,7 @@
                           </a:solidFill>
                           <a:latin typeface="Consolas" panose="020B0609020204030204" pitchFamily="49" charset="0"/>
                         </a:rPr>
-                        <a:t>9</a:t>
+                        <a:t>-9</a:t>
                       </a:r>
                     </a:p>
                   </a:txBody>
@@ -18932,7 +21347,7 @@
                           </a:solidFill>
                           <a:latin typeface="Consolas" panose="020B0609020204030204" pitchFamily="49" charset="0"/>
                         </a:rPr>
-                        <a:t>7</a:t>
+                        <a:t>-7</a:t>
                       </a:r>
                     </a:p>
                   </a:txBody>
@@ -19133,7 +21548,7 @@
                           </a:solidFill>
                           <a:latin typeface="Consolas" panose="020B0609020204030204" pitchFamily="49" charset="0"/>
                         </a:rPr>
-                        <a:t>10</a:t>
+                        <a:t>-10</a:t>
                       </a:r>
                     </a:p>
                   </a:txBody>
@@ -19414,7 +21829,7 @@
                           </a:solidFill>
                           <a:latin typeface="Consolas" panose="020B0609020204030204" pitchFamily="49" charset="0"/>
                         </a:rPr>
-                        <a:t>13</a:t>
+                        <a:t>-5</a:t>
                       </a:r>
                       <a:endParaRPr lang="en-US" dirty="0">
                         <a:solidFill>
@@ -19487,7 +21902,7 @@
                           </a:solidFill>
                           <a:latin typeface="Consolas" panose="020B0609020204030204" pitchFamily="49" charset="0"/>
                         </a:rPr>
-                        <a:t>15</a:t>
+                        <a:t>2</a:t>
                       </a:r>
                       <a:endParaRPr lang="en-US" dirty="0">
                         <a:solidFill>
@@ -19560,7 +21975,7 @@
                           </a:solidFill>
                           <a:latin typeface="Consolas" panose="020B0609020204030204" pitchFamily="49" charset="0"/>
                         </a:rPr>
-                        <a:t>23</a:t>
+                        <a:t>10</a:t>
                       </a:r>
                       <a:endParaRPr lang="en-US" dirty="0">
                         <a:solidFill>
@@ -19633,7 +22048,7 @@
                           </a:solidFill>
                           <a:latin typeface="Consolas" panose="020B0609020204030204" pitchFamily="49" charset="0"/>
                         </a:rPr>
-                        <a:t>30</a:t>
+                        <a:t>3</a:t>
                       </a:r>
                       <a:endParaRPr lang="en-US" dirty="0">
                         <a:solidFill>
@@ -19706,7 +22121,7 @@
                           </a:solidFill>
                           <a:latin typeface="Consolas" panose="020B0609020204030204" pitchFamily="49" charset="0"/>
                         </a:rPr>
-                        <a:t>0</a:t>
+                        <a:t>4</a:t>
                       </a:r>
                       <a:endParaRPr lang="en-US" dirty="0">
                         <a:solidFill>
@@ -20189,7 +22604,7 @@
               <a:rPr lang="en-US" sz="2800" b="1" dirty="0">
                 <a:latin typeface="Consolas" panose="020B0609020204030204" pitchFamily="49" charset="0"/>
               </a:rPr>
-              <a:t>[3]+num[4],num[4]) = 30</a:t>
+              <a:t>[4]+num[5],num[5]) = 4</a:t>
             </a:r>
           </a:p>
         </p:txBody>
@@ -20197,7 +22612,7 @@
     </p:spTree>
     <p:extLst>
       <p:ext uri="{BB962C8B-B14F-4D97-AF65-F5344CB8AC3E}">
-        <p14:creationId xmlns:p14="http://schemas.microsoft.com/office/powerpoint/2010/main" val="3046679000"/>
+        <p14:creationId xmlns:p14="http://schemas.microsoft.com/office/powerpoint/2010/main" val="577922952"/>
       </p:ext>
     </p:extLst>
   </p:cSld>
@@ -20207,7 +22622,7 @@
 </p:sld>
 </file>
 
-<file path=ppt/slides/slide6.xml><?xml version="1.0" encoding="utf-8"?>
+<file path=ppt/slides/slide7.xml><?xml version="1.0" encoding="utf-8"?>
 <p:sld xmlns:a="http://schemas.openxmlformats.org/drawingml/2006/main" xmlns:r="http://schemas.openxmlformats.org/officeDocument/2006/relationships" xmlns:p="http://schemas.openxmlformats.org/presentationml/2006/main">
   <p:cSld>
     <p:spTree>
@@ -20239,7 +22654,7 @@
           <p:nvPr>
             <p:extLst>
               <p:ext uri="{D42A27DB-BD31-4B8C-83A1-F6EECF244321}">
-                <p14:modId xmlns:p14="http://schemas.microsoft.com/office/powerpoint/2010/main" val="1322596928"/>
+                <p14:modId xmlns:p14="http://schemas.microsoft.com/office/powerpoint/2010/main" val="3909818134"/>
               </p:ext>
             </p:extLst>
           </p:nvPr>
@@ -21144,7 +23559,7 @@
                           </a:solidFill>
                           <a:latin typeface="Consolas" panose="020B0609020204030204" pitchFamily="49" charset="0"/>
                         </a:rPr>
-                        <a:t>9</a:t>
+                        <a:t>-9</a:t>
                       </a:r>
                     </a:p>
                   </a:txBody>
@@ -21345,7 +23760,7 @@
                           </a:solidFill>
                           <a:latin typeface="Consolas" panose="020B0609020204030204" pitchFamily="49" charset="0"/>
                         </a:rPr>
-                        <a:t>7</a:t>
+                        <a:t>-7</a:t>
                       </a:r>
                     </a:p>
                   </a:txBody>
@@ -21546,7 +23961,7 @@
                           </a:solidFill>
                           <a:latin typeface="Consolas" panose="020B0609020204030204" pitchFamily="49" charset="0"/>
                         </a:rPr>
-                        <a:t>10</a:t>
+                        <a:t>-10</a:t>
                       </a:r>
                     </a:p>
                   </a:txBody>
@@ -21827,7 +24242,7 @@
                           </a:solidFill>
                           <a:latin typeface="Consolas" panose="020B0609020204030204" pitchFamily="49" charset="0"/>
                         </a:rPr>
-                        <a:t>13</a:t>
+                        <a:t>-5</a:t>
                       </a:r>
                       <a:endParaRPr lang="en-US" dirty="0">
                         <a:solidFill>
@@ -21900,7 +24315,7 @@
                           </a:solidFill>
                           <a:latin typeface="Consolas" panose="020B0609020204030204" pitchFamily="49" charset="0"/>
                         </a:rPr>
-                        <a:t>15</a:t>
+                        <a:t>2</a:t>
                       </a:r>
                       <a:endParaRPr lang="en-US" dirty="0">
                         <a:solidFill>
@@ -21973,7 +24388,7 @@
                           </a:solidFill>
                           <a:latin typeface="Consolas" panose="020B0609020204030204" pitchFamily="49" charset="0"/>
                         </a:rPr>
-                        <a:t>23</a:t>
+                        <a:t>10</a:t>
                       </a:r>
                       <a:endParaRPr lang="en-US" dirty="0">
                         <a:solidFill>
@@ -22046,7 +24461,7 @@
                           </a:solidFill>
                           <a:latin typeface="Consolas" panose="020B0609020204030204" pitchFamily="49" charset="0"/>
                         </a:rPr>
-                        <a:t>30</a:t>
+                        <a:t>3</a:t>
                       </a:r>
                       <a:endParaRPr lang="en-US" dirty="0">
                         <a:solidFill>
@@ -22119,7 +24534,7 @@
                           </a:solidFill>
                           <a:latin typeface="Consolas" panose="020B0609020204030204" pitchFamily="49" charset="0"/>
                         </a:rPr>
-                        <a:t>31</a:t>
+                        <a:t>4</a:t>
                       </a:r>
                       <a:endParaRPr lang="en-US" dirty="0">
                         <a:solidFill>
@@ -22192,7 +24607,7 @@
                           </a:solidFill>
                           <a:latin typeface="Consolas" panose="020B0609020204030204" pitchFamily="49" charset="0"/>
                         </a:rPr>
-                        <a:t>0</a:t>
+                        <a:t>8</a:t>
                       </a:r>
                       <a:endParaRPr lang="en-US" dirty="0">
                         <a:solidFill>
@@ -22602,7 +25017,7 @@
               <a:rPr lang="en-US" sz="2800" b="1" dirty="0">
                 <a:latin typeface="Consolas" panose="020B0609020204030204" pitchFamily="49" charset="0"/>
               </a:rPr>
-              <a:t>[4]+num[5],num[5]) = 31</a:t>
+              <a:t>[5]+num[6],num[6]) = 8</a:t>
             </a:r>
           </a:p>
         </p:txBody>
@@ -22610,7 +25025,7 @@
     </p:spTree>
     <p:extLst>
       <p:ext uri="{BB962C8B-B14F-4D97-AF65-F5344CB8AC3E}">
-        <p14:creationId xmlns:p14="http://schemas.microsoft.com/office/powerpoint/2010/main" val="577922952"/>
+        <p14:creationId xmlns:p14="http://schemas.microsoft.com/office/powerpoint/2010/main" val="941129604"/>
       </p:ext>
     </p:extLst>
   </p:cSld>
@@ -22620,7 +25035,7 @@
 </p:sld>
 </file>
 
-<file path=ppt/slides/slide7.xml><?xml version="1.0" encoding="utf-8"?>
+<file path=ppt/slides/slide8.xml><?xml version="1.0" encoding="utf-8"?>
 <p:sld xmlns:a="http://schemas.openxmlformats.org/drawingml/2006/main" xmlns:r="http://schemas.openxmlformats.org/officeDocument/2006/relationships" xmlns:p="http://schemas.openxmlformats.org/presentationml/2006/main">
   <p:cSld>
     <p:spTree>
@@ -22652,7 +25067,7 @@
           <p:nvPr>
             <p:extLst>
               <p:ext uri="{D42A27DB-BD31-4B8C-83A1-F6EECF244321}">
-                <p14:modId xmlns:p14="http://schemas.microsoft.com/office/powerpoint/2010/main" val="1644412285"/>
+                <p14:modId xmlns:p14="http://schemas.microsoft.com/office/powerpoint/2010/main" val="752920480"/>
               </p:ext>
             </p:extLst>
           </p:nvPr>
@@ -23557,7 +25972,7 @@
                           </a:solidFill>
                           <a:latin typeface="Consolas" panose="020B0609020204030204" pitchFamily="49" charset="0"/>
                         </a:rPr>
-                        <a:t>9</a:t>
+                        <a:t>-9</a:t>
                       </a:r>
                     </a:p>
                   </a:txBody>
@@ -23758,7 +26173,7 @@
                           </a:solidFill>
                           <a:latin typeface="Consolas" panose="020B0609020204030204" pitchFamily="49" charset="0"/>
                         </a:rPr>
-                        <a:t>7</a:t>
+                        <a:t>-7</a:t>
                       </a:r>
                     </a:p>
                   </a:txBody>
@@ -23959,7 +26374,7 @@
                           </a:solidFill>
                           <a:latin typeface="Consolas" panose="020B0609020204030204" pitchFamily="49" charset="0"/>
                         </a:rPr>
-                        <a:t>10</a:t>
+                        <a:t>-10</a:t>
                       </a:r>
                     </a:p>
                   </a:txBody>
@@ -24240,7 +26655,7 @@
                           </a:solidFill>
                           <a:latin typeface="Consolas" panose="020B0609020204030204" pitchFamily="49" charset="0"/>
                         </a:rPr>
-                        <a:t>13</a:t>
+                        <a:t>-5</a:t>
                       </a:r>
                       <a:endParaRPr lang="en-US" dirty="0">
                         <a:solidFill>
@@ -24313,7 +26728,7 @@
                           </a:solidFill>
                           <a:latin typeface="Consolas" panose="020B0609020204030204" pitchFamily="49" charset="0"/>
                         </a:rPr>
-                        <a:t>15</a:t>
+                        <a:t>2</a:t>
                       </a:r>
                       <a:endParaRPr lang="en-US" dirty="0">
                         <a:solidFill>
@@ -24386,7 +26801,7 @@
                           </a:solidFill>
                           <a:latin typeface="Consolas" panose="020B0609020204030204" pitchFamily="49" charset="0"/>
                         </a:rPr>
-                        <a:t>23</a:t>
+                        <a:t>10</a:t>
                       </a:r>
                       <a:endParaRPr lang="en-US" dirty="0">
                         <a:solidFill>
@@ -24459,7 +26874,7 @@
                           </a:solidFill>
                           <a:latin typeface="Consolas" panose="020B0609020204030204" pitchFamily="49" charset="0"/>
                         </a:rPr>
-                        <a:t>30</a:t>
+                        <a:t>3</a:t>
                       </a:r>
                       <a:endParaRPr lang="en-US" dirty="0">
                         <a:solidFill>
@@ -24532,7 +26947,7 @@
                           </a:solidFill>
                           <a:latin typeface="Consolas" panose="020B0609020204030204" pitchFamily="49" charset="0"/>
                         </a:rPr>
-                        <a:t>31</a:t>
+                        <a:t>4</a:t>
                       </a:r>
                       <a:endParaRPr lang="en-US" dirty="0">
                         <a:solidFill>
@@ -24605,7 +27020,7 @@
                           </a:solidFill>
                           <a:latin typeface="Consolas" panose="020B0609020204030204" pitchFamily="49" charset="0"/>
                         </a:rPr>
-                        <a:t>35</a:t>
+                        <a:t>8</a:t>
                       </a:r>
                       <a:endParaRPr lang="en-US" dirty="0">
                         <a:solidFill>
@@ -24672,20 +27087,14 @@
                     <a:p>
                       <a:pPr algn="ctr"/>
                       <a:r>
-                        <a:rPr lang="en-US" altLang="zh-TW" dirty="0">
-                          <a:solidFill>
-                            <a:schemeClr val="tx1"/>
-                          </a:solidFill>
-                          <a:latin typeface="Consolas" panose="020B0609020204030204" pitchFamily="49" charset="0"/>
-                        </a:rPr>
-                        <a:t>0</a:t>
-                      </a:r>
-                      <a:endParaRPr lang="en-US" dirty="0">
-                        <a:solidFill>
-                          <a:schemeClr val="tx1"/>
-                        </a:solidFill>
-                        <a:latin typeface="Consolas" panose="020B0609020204030204" pitchFamily="49" charset="0"/>
-                      </a:endParaRPr>
+                        <a:rPr lang="en-US" dirty="0">
+                          <a:solidFill>
+                            <a:schemeClr val="tx1"/>
+                          </a:solidFill>
+                          <a:latin typeface="Consolas" panose="020B0609020204030204" pitchFamily="49" charset="0"/>
+                        </a:rPr>
+                        <a:t>-2</a:t>
+                      </a:r>
                     </a:p>
                   </a:txBody>
                   <a:tcPr>
@@ -25015,7 +27424,7 @@
               <a:rPr lang="en-US" sz="2800" b="1" dirty="0">
                 <a:latin typeface="Consolas" panose="020B0609020204030204" pitchFamily="49" charset="0"/>
               </a:rPr>
-              <a:t>[5]+num[6],num[6]) = 35</a:t>
+              <a:t>[6]+num[7],num[7]) = -2</a:t>
             </a:r>
           </a:p>
         </p:txBody>
@@ -25023,7 +27432,7 @@
     </p:spTree>
     <p:extLst>
       <p:ext uri="{BB962C8B-B14F-4D97-AF65-F5344CB8AC3E}">
-        <p14:creationId xmlns:p14="http://schemas.microsoft.com/office/powerpoint/2010/main" val="941129604"/>
+        <p14:creationId xmlns:p14="http://schemas.microsoft.com/office/powerpoint/2010/main" val="1766131960"/>
       </p:ext>
     </p:extLst>
   </p:cSld>
@@ -25033,7 +27442,7 @@
 </p:sld>
 </file>
 
-<file path=ppt/slides/slide8.xml><?xml version="1.0" encoding="utf-8"?>
+<file path=ppt/slides/slide9.xml><?xml version="1.0" encoding="utf-8"?>
 <p:sld xmlns:a="http://schemas.openxmlformats.org/drawingml/2006/main" xmlns:r="http://schemas.openxmlformats.org/officeDocument/2006/relationships" xmlns:p="http://schemas.openxmlformats.org/presentationml/2006/main">
   <p:cSld>
     <p:spTree>
@@ -25065,7 +27474,7 @@
           <p:nvPr>
             <p:extLst>
               <p:ext uri="{D42A27DB-BD31-4B8C-83A1-F6EECF244321}">
-                <p14:modId xmlns:p14="http://schemas.microsoft.com/office/powerpoint/2010/main" val="3611209607"/>
+                <p14:modId xmlns:p14="http://schemas.microsoft.com/office/powerpoint/2010/main" val="2284885852"/>
               </p:ext>
             </p:extLst>
           </p:nvPr>
@@ -25970,7 +28379,7 @@
                           </a:solidFill>
                           <a:latin typeface="Consolas" panose="020B0609020204030204" pitchFamily="49" charset="0"/>
                         </a:rPr>
-                        <a:t>9</a:t>
+                        <a:t>-9</a:t>
                       </a:r>
                     </a:p>
                   </a:txBody>
@@ -26171,7 +28580,7 @@
                           </a:solidFill>
                           <a:latin typeface="Consolas" panose="020B0609020204030204" pitchFamily="49" charset="0"/>
                         </a:rPr>
-                        <a:t>7</a:t>
+                        <a:t>-7</a:t>
                       </a:r>
                     </a:p>
                   </a:txBody>
@@ -26372,7 +28781,7 @@
                           </a:solidFill>
                           <a:latin typeface="Consolas" panose="020B0609020204030204" pitchFamily="49" charset="0"/>
                         </a:rPr>
-                        <a:t>10</a:t>
+                        <a:t>-10</a:t>
                       </a:r>
                     </a:p>
                   </a:txBody>
@@ -26653,7 +29062,7 @@
                           </a:solidFill>
                           <a:latin typeface="Consolas" panose="020B0609020204030204" pitchFamily="49" charset="0"/>
                         </a:rPr>
-                        <a:t>13</a:t>
+                        <a:t>-5</a:t>
                       </a:r>
                       <a:endParaRPr lang="en-US" dirty="0">
                         <a:solidFill>
@@ -26726,7 +29135,7 @@
                           </a:solidFill>
                           <a:latin typeface="Consolas" panose="020B0609020204030204" pitchFamily="49" charset="0"/>
                         </a:rPr>
-                        <a:t>15</a:t>
+                        <a:t>2</a:t>
                       </a:r>
                       <a:endParaRPr lang="en-US" dirty="0">
                         <a:solidFill>
@@ -26799,7 +29208,7 @@
                           </a:solidFill>
                           <a:latin typeface="Consolas" panose="020B0609020204030204" pitchFamily="49" charset="0"/>
                         </a:rPr>
-                        <a:t>23</a:t>
+                        <a:t>10</a:t>
                       </a:r>
                       <a:endParaRPr lang="en-US" dirty="0">
                         <a:solidFill>
@@ -26872,7 +29281,7 @@
                           </a:solidFill>
                           <a:latin typeface="Consolas" panose="020B0609020204030204" pitchFamily="49" charset="0"/>
                         </a:rPr>
-                        <a:t>30</a:t>
+                        <a:t>3</a:t>
                       </a:r>
                       <a:endParaRPr lang="en-US" dirty="0">
                         <a:solidFill>
@@ -26945,7 +29354,7 @@
                           </a:solidFill>
                           <a:latin typeface="Consolas" panose="020B0609020204030204" pitchFamily="49" charset="0"/>
                         </a:rPr>
-                        <a:t>31</a:t>
+                        <a:t>4</a:t>
                       </a:r>
                       <a:endParaRPr lang="en-US" dirty="0">
                         <a:solidFill>
@@ -27018,7 +29427,7 @@
                           </a:solidFill>
                           <a:latin typeface="Consolas" panose="020B0609020204030204" pitchFamily="49" charset="0"/>
                         </a:rPr>
-                        <a:t>35</a:t>
+                        <a:t>8</a:t>
                       </a:r>
                       <a:endParaRPr lang="en-US" dirty="0">
                         <a:solidFill>
@@ -27085,86 +29494,80 @@
                     <a:p>
                       <a:pPr algn="ctr"/>
                       <a:r>
+                        <a:rPr lang="en-US" dirty="0">
+                          <a:solidFill>
+                            <a:schemeClr val="tx1"/>
+                          </a:solidFill>
+                          <a:latin typeface="Consolas" panose="020B0609020204030204" pitchFamily="49" charset="0"/>
+                        </a:rPr>
+                        <a:t>-2</a:t>
+                      </a:r>
+                    </a:p>
+                  </a:txBody>
+                  <a:tcPr>
+                    <a:lnL w="12700" cap="flat" cmpd="sng" algn="ctr">
+                      <a:solidFill>
+                        <a:schemeClr val="tx1"/>
+                      </a:solidFill>
+                      <a:prstDash val="solid"/>
+                      <a:round/>
+                      <a:headEnd type="none" w="med" len="med"/>
+                      <a:tailEnd type="none" w="med" len="med"/>
+                    </a:lnL>
+                    <a:lnR w="12700" cap="flat" cmpd="sng" algn="ctr">
+                      <a:solidFill>
+                        <a:schemeClr val="tx1"/>
+                      </a:solidFill>
+                      <a:prstDash val="solid"/>
+                      <a:round/>
+                      <a:headEnd type="none" w="med" len="med"/>
+                      <a:tailEnd type="none" w="med" len="med"/>
+                    </a:lnR>
+                    <a:lnT w="12700" cap="flat" cmpd="sng" algn="ctr">
+                      <a:solidFill>
+                        <a:schemeClr val="tx1"/>
+                      </a:solidFill>
+                      <a:prstDash val="solid"/>
+                      <a:round/>
+                      <a:headEnd type="none" w="med" len="med"/>
+                      <a:tailEnd type="none" w="med" len="med"/>
+                    </a:lnT>
+                    <a:lnB w="12700" cap="flat" cmpd="sng" algn="ctr">
+                      <a:solidFill>
+                        <a:schemeClr val="tx1"/>
+                      </a:solidFill>
+                      <a:prstDash val="solid"/>
+                      <a:round/>
+                      <a:headEnd type="none" w="med" len="med"/>
+                      <a:tailEnd type="none" w="med" len="med"/>
+                    </a:lnB>
+                    <a:lnTlToBr w="12700" cmpd="sng">
+                      <a:noFill/>
+                      <a:prstDash val="solid"/>
+                    </a:lnTlToBr>
+                    <a:lnBlToTr w="12700" cmpd="sng">
+                      <a:noFill/>
+                      <a:prstDash val="solid"/>
+                    </a:lnBlToTr>
+                    <a:solidFill>
+                      <a:schemeClr val="bg1"/>
+                    </a:solidFill>
+                  </a:tcPr>
+                </a:tc>
+                <a:tc>
+                  <a:txBody>
+                    <a:bodyPr/>
+                    <a:lstStyle/>
+                    <a:p>
+                      <a:pPr algn="ctr"/>
+                      <a:r>
                         <a:rPr lang="en-US" altLang="zh-TW" dirty="0">
                           <a:solidFill>
                             <a:schemeClr val="tx1"/>
                           </a:solidFill>
                           <a:latin typeface="Consolas" panose="020B0609020204030204" pitchFamily="49" charset="0"/>
                         </a:rPr>
-                        <a:t>45</a:t>
-                      </a:r>
-                      <a:endParaRPr lang="en-US" dirty="0">
-                        <a:solidFill>
-                          <a:schemeClr val="tx1"/>
-                        </a:solidFill>
-                        <a:latin typeface="Consolas" panose="020B0609020204030204" pitchFamily="49" charset="0"/>
-                      </a:endParaRPr>
-                    </a:p>
-                  </a:txBody>
-                  <a:tcPr>
-                    <a:lnL w="12700" cap="flat" cmpd="sng" algn="ctr">
-                      <a:solidFill>
-                        <a:schemeClr val="tx1"/>
-                      </a:solidFill>
-                      <a:prstDash val="solid"/>
-                      <a:round/>
-                      <a:headEnd type="none" w="med" len="med"/>
-                      <a:tailEnd type="none" w="med" len="med"/>
-                    </a:lnL>
-                    <a:lnR w="12700" cap="flat" cmpd="sng" algn="ctr">
-                      <a:solidFill>
-                        <a:schemeClr val="tx1"/>
-                      </a:solidFill>
-                      <a:prstDash val="solid"/>
-                      <a:round/>
-                      <a:headEnd type="none" w="med" len="med"/>
-                      <a:tailEnd type="none" w="med" len="med"/>
-                    </a:lnR>
-                    <a:lnT w="12700" cap="flat" cmpd="sng" algn="ctr">
-                      <a:solidFill>
-                        <a:schemeClr val="tx1"/>
-                      </a:solidFill>
-                      <a:prstDash val="solid"/>
-                      <a:round/>
-                      <a:headEnd type="none" w="med" len="med"/>
-                      <a:tailEnd type="none" w="med" len="med"/>
-                    </a:lnT>
-                    <a:lnB w="12700" cap="flat" cmpd="sng" algn="ctr">
-                      <a:solidFill>
-                        <a:schemeClr val="tx1"/>
-                      </a:solidFill>
-                      <a:prstDash val="solid"/>
-                      <a:round/>
-                      <a:headEnd type="none" w="med" len="med"/>
-                      <a:tailEnd type="none" w="med" len="med"/>
-                    </a:lnB>
-                    <a:lnTlToBr w="12700" cmpd="sng">
-                      <a:noFill/>
-                      <a:prstDash val="solid"/>
-                    </a:lnTlToBr>
-                    <a:lnBlToTr w="12700" cmpd="sng">
-                      <a:noFill/>
-                      <a:prstDash val="solid"/>
-                    </a:lnBlToTr>
-                    <a:solidFill>
-                      <a:schemeClr val="bg1"/>
-                    </a:solidFill>
-                  </a:tcPr>
-                </a:tc>
-                <a:tc>
-                  <a:txBody>
-                    <a:bodyPr/>
-                    <a:lstStyle/>
-                    <a:p>
-                      <a:pPr algn="ctr"/>
-                      <a:r>
-                        <a:rPr lang="en-US" altLang="zh-TW" dirty="0">
-                          <a:solidFill>
-                            <a:schemeClr val="tx1"/>
-                          </a:solidFill>
-                          <a:latin typeface="Consolas" panose="020B0609020204030204" pitchFamily="49" charset="0"/>
-                        </a:rPr>
-                        <a:t>0</a:t>
+                        <a:t>3</a:t>
                       </a:r>
                       <a:endParaRPr lang="en-US" dirty="0">
                         <a:solidFill>
@@ -27428,2420 +29831,7 @@
               <a:rPr lang="en-US" sz="2800" b="1" dirty="0">
                 <a:latin typeface="Consolas" panose="020B0609020204030204" pitchFamily="49" charset="0"/>
               </a:rPr>
-              <a:t>[6]+num[7],num[7]) = 45</a:t>
-            </a:r>
-          </a:p>
-        </p:txBody>
-      </p:sp>
-    </p:spTree>
-    <p:extLst>
-      <p:ext uri="{BB962C8B-B14F-4D97-AF65-F5344CB8AC3E}">
-        <p14:creationId xmlns:p14="http://schemas.microsoft.com/office/powerpoint/2010/main" val="1766131960"/>
-      </p:ext>
-    </p:extLst>
-  </p:cSld>
-  <p:clrMapOvr>
-    <a:masterClrMapping/>
-  </p:clrMapOvr>
-</p:sld>
-</file>
-
-<file path=ppt/slides/slide9.xml><?xml version="1.0" encoding="utf-8"?>
-<p:sld xmlns:a="http://schemas.openxmlformats.org/drawingml/2006/main" xmlns:r="http://schemas.openxmlformats.org/officeDocument/2006/relationships" xmlns:p="http://schemas.openxmlformats.org/presentationml/2006/main">
-  <p:cSld>
-    <p:spTree>
-      <p:nvGrpSpPr>
-        <p:cNvPr id="1" name=""/>
-        <p:cNvGrpSpPr/>
-        <p:nvPr/>
-      </p:nvGrpSpPr>
-      <p:grpSpPr>
-        <a:xfrm>
-          <a:off x="0" y="0"/>
-          <a:ext cx="0" cy="0"/>
-          <a:chOff x="0" y="0"/>
-          <a:chExt cx="0" cy="0"/>
-        </a:xfrm>
-      </p:grpSpPr>
-      <p:graphicFrame>
-        <p:nvGraphicFramePr>
-          <p:cNvPr id="4" name="表格 4">
-            <a:extLst>
-              <a:ext uri="{FF2B5EF4-FFF2-40B4-BE49-F238E27FC236}">
-                <a16:creationId xmlns:a16="http://schemas.microsoft.com/office/drawing/2014/main" id="{03F00DEE-C175-42F4-A458-8C6B45BB0E69}"/>
-              </a:ext>
-            </a:extLst>
-          </p:cNvPr>
-          <p:cNvGraphicFramePr>
-            <a:graphicFrameLocks noGrp="1"/>
-          </p:cNvGraphicFramePr>
-          <p:nvPr>
-            <p:extLst>
-              <p:ext uri="{D42A27DB-BD31-4B8C-83A1-F6EECF244321}">
-                <p14:modId xmlns:p14="http://schemas.microsoft.com/office/powerpoint/2010/main" val="318294728"/>
-              </p:ext>
-            </p:extLst>
-          </p:nvPr>
-        </p:nvGraphicFramePr>
-        <p:xfrm>
-          <a:off x="2032000" y="2872740"/>
-          <a:ext cx="8128000" cy="1112520"/>
-        </p:xfrm>
-        <a:graphic>
-          <a:graphicData uri="http://schemas.openxmlformats.org/drawingml/2006/table">
-            <a:tbl>
-              <a:tblPr firstRow="1" bandRow="1">
-                <a:tableStyleId>{5C22544A-7EE6-4342-B048-85BDC9FD1C3A}</a:tableStyleId>
-              </a:tblPr>
-              <a:tblGrid>
-                <a:gridCol w="812800">
-                  <a:extLst>
-                    <a:ext uri="{9D8B030D-6E8A-4147-A177-3AD203B41FA5}">
-                      <a16:colId xmlns:a16="http://schemas.microsoft.com/office/drawing/2014/main" val="237125844"/>
-                    </a:ext>
-                  </a:extLst>
-                </a:gridCol>
-                <a:gridCol w="812800">
-                  <a:extLst>
-                    <a:ext uri="{9D8B030D-6E8A-4147-A177-3AD203B41FA5}">
-                      <a16:colId xmlns:a16="http://schemas.microsoft.com/office/drawing/2014/main" val="1421239685"/>
-                    </a:ext>
-                  </a:extLst>
-                </a:gridCol>
-                <a:gridCol w="812800">
-                  <a:extLst>
-                    <a:ext uri="{9D8B030D-6E8A-4147-A177-3AD203B41FA5}">
-                      <a16:colId xmlns:a16="http://schemas.microsoft.com/office/drawing/2014/main" val="3193054104"/>
-                    </a:ext>
-                  </a:extLst>
-                </a:gridCol>
-                <a:gridCol w="812800">
-                  <a:extLst>
-                    <a:ext uri="{9D8B030D-6E8A-4147-A177-3AD203B41FA5}">
-                      <a16:colId xmlns:a16="http://schemas.microsoft.com/office/drawing/2014/main" val="1608412698"/>
-                    </a:ext>
-                  </a:extLst>
-                </a:gridCol>
-                <a:gridCol w="812800">
-                  <a:extLst>
-                    <a:ext uri="{9D8B030D-6E8A-4147-A177-3AD203B41FA5}">
-                      <a16:colId xmlns:a16="http://schemas.microsoft.com/office/drawing/2014/main" val="1723431427"/>
-                    </a:ext>
-                  </a:extLst>
-                </a:gridCol>
-                <a:gridCol w="812800">
-                  <a:extLst>
-                    <a:ext uri="{9D8B030D-6E8A-4147-A177-3AD203B41FA5}">
-                      <a16:colId xmlns:a16="http://schemas.microsoft.com/office/drawing/2014/main" val="1132059301"/>
-                    </a:ext>
-                  </a:extLst>
-                </a:gridCol>
-                <a:gridCol w="812800">
-                  <a:extLst>
-                    <a:ext uri="{9D8B030D-6E8A-4147-A177-3AD203B41FA5}">
-                      <a16:colId xmlns:a16="http://schemas.microsoft.com/office/drawing/2014/main" val="1627904585"/>
-                    </a:ext>
-                  </a:extLst>
-                </a:gridCol>
-                <a:gridCol w="812800">
-                  <a:extLst>
-                    <a:ext uri="{9D8B030D-6E8A-4147-A177-3AD203B41FA5}">
-                      <a16:colId xmlns:a16="http://schemas.microsoft.com/office/drawing/2014/main" val="42300968"/>
-                    </a:ext>
-                  </a:extLst>
-                </a:gridCol>
-                <a:gridCol w="812800">
-                  <a:extLst>
-                    <a:ext uri="{9D8B030D-6E8A-4147-A177-3AD203B41FA5}">
-                      <a16:colId xmlns:a16="http://schemas.microsoft.com/office/drawing/2014/main" val="17296344"/>
-                    </a:ext>
-                  </a:extLst>
-                </a:gridCol>
-                <a:gridCol w="812800">
-                  <a:extLst>
-                    <a:ext uri="{9D8B030D-6E8A-4147-A177-3AD203B41FA5}">
-                      <a16:colId xmlns:a16="http://schemas.microsoft.com/office/drawing/2014/main" val="1948739838"/>
-                    </a:ext>
-                  </a:extLst>
-                </a:gridCol>
-              </a:tblGrid>
-              <a:tr h="370840">
-                <a:tc>
-                  <a:txBody>
-                    <a:bodyPr/>
-                    <a:lstStyle/>
-                    <a:p>
-                      <a:pPr algn="ctr"/>
-                      <a:r>
-                        <a:rPr lang="en-US" altLang="zh-TW" dirty="0">
-                          <a:solidFill>
-                            <a:schemeClr val="tx1"/>
-                          </a:solidFill>
-                          <a:latin typeface="Consolas" panose="020B0609020204030204" pitchFamily="49" charset="0"/>
-                        </a:rPr>
-                        <a:t>0</a:t>
-                      </a:r>
-                      <a:endParaRPr lang="en-US" dirty="0">
-                        <a:solidFill>
-                          <a:schemeClr val="tx1"/>
-                        </a:solidFill>
-                        <a:latin typeface="Consolas" panose="020B0609020204030204" pitchFamily="49" charset="0"/>
-                      </a:endParaRPr>
-                    </a:p>
-                  </a:txBody>
-                  <a:tcPr>
-                    <a:lnL w="12700" cap="flat" cmpd="sng" algn="ctr">
-                      <a:solidFill>
-                        <a:schemeClr val="tx1"/>
-                      </a:solidFill>
-                      <a:prstDash val="solid"/>
-                      <a:round/>
-                      <a:headEnd type="none" w="med" len="med"/>
-                      <a:tailEnd type="none" w="med" len="med"/>
-                    </a:lnL>
-                    <a:lnR w="12700" cap="flat" cmpd="sng" algn="ctr">
-                      <a:solidFill>
-                        <a:schemeClr val="tx1"/>
-                      </a:solidFill>
-                      <a:prstDash val="solid"/>
-                      <a:round/>
-                      <a:headEnd type="none" w="med" len="med"/>
-                      <a:tailEnd type="none" w="med" len="med"/>
-                    </a:lnR>
-                    <a:lnT w="12700" cap="flat" cmpd="sng" algn="ctr">
-                      <a:solidFill>
-                        <a:schemeClr val="tx1"/>
-                      </a:solidFill>
-                      <a:prstDash val="solid"/>
-                      <a:round/>
-                      <a:headEnd type="none" w="med" len="med"/>
-                      <a:tailEnd type="none" w="med" len="med"/>
-                    </a:lnT>
-                    <a:lnB w="12700" cap="flat" cmpd="sng" algn="ctr">
-                      <a:solidFill>
-                        <a:schemeClr val="tx1"/>
-                      </a:solidFill>
-                      <a:prstDash val="solid"/>
-                      <a:round/>
-                      <a:headEnd type="none" w="med" len="med"/>
-                      <a:tailEnd type="none" w="med" len="med"/>
-                    </a:lnB>
-                    <a:lnTlToBr w="12700" cmpd="sng">
-                      <a:noFill/>
-                      <a:prstDash val="solid"/>
-                    </a:lnTlToBr>
-                    <a:lnBlToTr w="12700" cmpd="sng">
-                      <a:noFill/>
-                      <a:prstDash val="solid"/>
-                    </a:lnBlToTr>
-                    <a:solidFill>
-                      <a:schemeClr val="bg2"/>
-                    </a:solidFill>
-                  </a:tcPr>
-                </a:tc>
-                <a:tc>
-                  <a:txBody>
-                    <a:bodyPr/>
-                    <a:lstStyle/>
-                    <a:p>
-                      <a:pPr algn="ctr"/>
-                      <a:r>
-                        <a:rPr lang="en-US" altLang="zh-TW" dirty="0">
-                          <a:solidFill>
-                            <a:schemeClr val="tx1"/>
-                          </a:solidFill>
-                          <a:latin typeface="Consolas" panose="020B0609020204030204" pitchFamily="49" charset="0"/>
-                        </a:rPr>
-                        <a:t>1</a:t>
-                      </a:r>
-                      <a:endParaRPr lang="en-US" dirty="0">
-                        <a:solidFill>
-                          <a:schemeClr val="tx1"/>
-                        </a:solidFill>
-                        <a:latin typeface="Consolas" panose="020B0609020204030204" pitchFamily="49" charset="0"/>
-                      </a:endParaRPr>
-                    </a:p>
-                  </a:txBody>
-                  <a:tcPr>
-                    <a:lnL w="12700" cap="flat" cmpd="sng" algn="ctr">
-                      <a:solidFill>
-                        <a:schemeClr val="tx1"/>
-                      </a:solidFill>
-                      <a:prstDash val="solid"/>
-                      <a:round/>
-                      <a:headEnd type="none" w="med" len="med"/>
-                      <a:tailEnd type="none" w="med" len="med"/>
-                    </a:lnL>
-                    <a:lnR w="12700" cap="flat" cmpd="sng" algn="ctr">
-                      <a:solidFill>
-                        <a:schemeClr val="tx1"/>
-                      </a:solidFill>
-                      <a:prstDash val="solid"/>
-                      <a:round/>
-                      <a:headEnd type="none" w="med" len="med"/>
-                      <a:tailEnd type="none" w="med" len="med"/>
-                    </a:lnR>
-                    <a:lnT w="12700" cap="flat" cmpd="sng" algn="ctr">
-                      <a:solidFill>
-                        <a:schemeClr val="tx1"/>
-                      </a:solidFill>
-                      <a:prstDash val="solid"/>
-                      <a:round/>
-                      <a:headEnd type="none" w="med" len="med"/>
-                      <a:tailEnd type="none" w="med" len="med"/>
-                    </a:lnT>
-                    <a:lnB w="12700" cap="flat" cmpd="sng" algn="ctr">
-                      <a:solidFill>
-                        <a:schemeClr val="tx1"/>
-                      </a:solidFill>
-                      <a:prstDash val="solid"/>
-                      <a:round/>
-                      <a:headEnd type="none" w="med" len="med"/>
-                      <a:tailEnd type="none" w="med" len="med"/>
-                    </a:lnB>
-                    <a:lnTlToBr w="12700" cmpd="sng">
-                      <a:noFill/>
-                      <a:prstDash val="solid"/>
-                    </a:lnTlToBr>
-                    <a:lnBlToTr w="12700" cmpd="sng">
-                      <a:noFill/>
-                      <a:prstDash val="solid"/>
-                    </a:lnBlToTr>
-                    <a:solidFill>
-                      <a:schemeClr val="bg2"/>
-                    </a:solidFill>
-                  </a:tcPr>
-                </a:tc>
-                <a:tc>
-                  <a:txBody>
-                    <a:bodyPr/>
-                    <a:lstStyle/>
-                    <a:p>
-                      <a:pPr algn="ctr"/>
-                      <a:r>
-                        <a:rPr lang="en-US" altLang="zh-TW" dirty="0">
-                          <a:solidFill>
-                            <a:schemeClr val="tx1"/>
-                          </a:solidFill>
-                          <a:latin typeface="Consolas" panose="020B0609020204030204" pitchFamily="49" charset="0"/>
-                        </a:rPr>
-                        <a:t>2</a:t>
-                      </a:r>
-                      <a:endParaRPr lang="en-US" dirty="0">
-                        <a:solidFill>
-                          <a:schemeClr val="tx1"/>
-                        </a:solidFill>
-                        <a:latin typeface="Consolas" panose="020B0609020204030204" pitchFamily="49" charset="0"/>
-                      </a:endParaRPr>
-                    </a:p>
-                  </a:txBody>
-                  <a:tcPr>
-                    <a:lnL w="12700" cap="flat" cmpd="sng" algn="ctr">
-                      <a:solidFill>
-                        <a:schemeClr val="tx1"/>
-                      </a:solidFill>
-                      <a:prstDash val="solid"/>
-                      <a:round/>
-                      <a:headEnd type="none" w="med" len="med"/>
-                      <a:tailEnd type="none" w="med" len="med"/>
-                    </a:lnL>
-                    <a:lnR w="12700" cap="flat" cmpd="sng" algn="ctr">
-                      <a:solidFill>
-                        <a:schemeClr val="tx1"/>
-                      </a:solidFill>
-                      <a:prstDash val="solid"/>
-                      <a:round/>
-                      <a:headEnd type="none" w="med" len="med"/>
-                      <a:tailEnd type="none" w="med" len="med"/>
-                    </a:lnR>
-                    <a:lnT w="12700" cap="flat" cmpd="sng" algn="ctr">
-                      <a:solidFill>
-                        <a:schemeClr val="tx1"/>
-                      </a:solidFill>
-                      <a:prstDash val="solid"/>
-                      <a:round/>
-                      <a:headEnd type="none" w="med" len="med"/>
-                      <a:tailEnd type="none" w="med" len="med"/>
-                    </a:lnT>
-                    <a:lnB w="12700" cap="flat" cmpd="sng" algn="ctr">
-                      <a:solidFill>
-                        <a:schemeClr val="tx1"/>
-                      </a:solidFill>
-                      <a:prstDash val="solid"/>
-                      <a:round/>
-                      <a:headEnd type="none" w="med" len="med"/>
-                      <a:tailEnd type="none" w="med" len="med"/>
-                    </a:lnB>
-                    <a:lnTlToBr w="12700" cmpd="sng">
-                      <a:noFill/>
-                      <a:prstDash val="solid"/>
-                    </a:lnTlToBr>
-                    <a:lnBlToTr w="12700" cmpd="sng">
-                      <a:noFill/>
-                      <a:prstDash val="solid"/>
-                    </a:lnBlToTr>
-                    <a:solidFill>
-                      <a:schemeClr val="bg2"/>
-                    </a:solidFill>
-                  </a:tcPr>
-                </a:tc>
-                <a:tc>
-                  <a:txBody>
-                    <a:bodyPr/>
-                    <a:lstStyle/>
-                    <a:p>
-                      <a:pPr algn="ctr"/>
-                      <a:r>
-                        <a:rPr lang="en-US" altLang="zh-TW" dirty="0">
-                          <a:solidFill>
-                            <a:schemeClr val="tx1"/>
-                          </a:solidFill>
-                          <a:latin typeface="Consolas" panose="020B0609020204030204" pitchFamily="49" charset="0"/>
-                        </a:rPr>
-                        <a:t>3</a:t>
-                      </a:r>
-                      <a:endParaRPr lang="en-US" dirty="0">
-                        <a:solidFill>
-                          <a:schemeClr val="tx1"/>
-                        </a:solidFill>
-                        <a:latin typeface="Consolas" panose="020B0609020204030204" pitchFamily="49" charset="0"/>
-                      </a:endParaRPr>
-                    </a:p>
-                  </a:txBody>
-                  <a:tcPr>
-                    <a:lnL w="12700" cap="flat" cmpd="sng" algn="ctr">
-                      <a:solidFill>
-                        <a:schemeClr val="tx1"/>
-                      </a:solidFill>
-                      <a:prstDash val="solid"/>
-                      <a:round/>
-                      <a:headEnd type="none" w="med" len="med"/>
-                      <a:tailEnd type="none" w="med" len="med"/>
-                    </a:lnL>
-                    <a:lnR w="12700" cap="flat" cmpd="sng" algn="ctr">
-                      <a:solidFill>
-                        <a:schemeClr val="tx1"/>
-                      </a:solidFill>
-                      <a:prstDash val="solid"/>
-                      <a:round/>
-                      <a:headEnd type="none" w="med" len="med"/>
-                      <a:tailEnd type="none" w="med" len="med"/>
-                    </a:lnR>
-                    <a:lnT w="12700" cap="flat" cmpd="sng" algn="ctr">
-                      <a:solidFill>
-                        <a:schemeClr val="tx1"/>
-                      </a:solidFill>
-                      <a:prstDash val="solid"/>
-                      <a:round/>
-                      <a:headEnd type="none" w="med" len="med"/>
-                      <a:tailEnd type="none" w="med" len="med"/>
-                    </a:lnT>
-                    <a:lnB w="12700" cap="flat" cmpd="sng" algn="ctr">
-                      <a:solidFill>
-                        <a:schemeClr val="tx1"/>
-                      </a:solidFill>
-                      <a:prstDash val="solid"/>
-                      <a:round/>
-                      <a:headEnd type="none" w="med" len="med"/>
-                      <a:tailEnd type="none" w="med" len="med"/>
-                    </a:lnB>
-                    <a:lnTlToBr w="12700" cmpd="sng">
-                      <a:noFill/>
-                      <a:prstDash val="solid"/>
-                    </a:lnTlToBr>
-                    <a:lnBlToTr w="12700" cmpd="sng">
-                      <a:noFill/>
-                      <a:prstDash val="solid"/>
-                    </a:lnBlToTr>
-                    <a:solidFill>
-                      <a:schemeClr val="bg2"/>
-                    </a:solidFill>
-                  </a:tcPr>
-                </a:tc>
-                <a:tc>
-                  <a:txBody>
-                    <a:bodyPr/>
-                    <a:lstStyle/>
-                    <a:p>
-                      <a:pPr algn="ctr"/>
-                      <a:r>
-                        <a:rPr lang="en-US" altLang="zh-TW" dirty="0">
-                          <a:solidFill>
-                            <a:schemeClr val="tx1"/>
-                          </a:solidFill>
-                          <a:latin typeface="Consolas" panose="020B0609020204030204" pitchFamily="49" charset="0"/>
-                        </a:rPr>
-                        <a:t>4</a:t>
-                      </a:r>
-                      <a:endParaRPr lang="en-US" dirty="0">
-                        <a:solidFill>
-                          <a:schemeClr val="tx1"/>
-                        </a:solidFill>
-                        <a:latin typeface="Consolas" panose="020B0609020204030204" pitchFamily="49" charset="0"/>
-                      </a:endParaRPr>
-                    </a:p>
-                  </a:txBody>
-                  <a:tcPr>
-                    <a:lnL w="12700" cap="flat" cmpd="sng" algn="ctr">
-                      <a:solidFill>
-                        <a:schemeClr val="tx1"/>
-                      </a:solidFill>
-                      <a:prstDash val="solid"/>
-                      <a:round/>
-                      <a:headEnd type="none" w="med" len="med"/>
-                      <a:tailEnd type="none" w="med" len="med"/>
-                    </a:lnL>
-                    <a:lnR w="12700" cap="flat" cmpd="sng" algn="ctr">
-                      <a:solidFill>
-                        <a:schemeClr val="tx1"/>
-                      </a:solidFill>
-                      <a:prstDash val="solid"/>
-                      <a:round/>
-                      <a:headEnd type="none" w="med" len="med"/>
-                      <a:tailEnd type="none" w="med" len="med"/>
-                    </a:lnR>
-                    <a:lnT w="12700" cap="flat" cmpd="sng" algn="ctr">
-                      <a:solidFill>
-                        <a:schemeClr val="tx1"/>
-                      </a:solidFill>
-                      <a:prstDash val="solid"/>
-                      <a:round/>
-                      <a:headEnd type="none" w="med" len="med"/>
-                      <a:tailEnd type="none" w="med" len="med"/>
-                    </a:lnT>
-                    <a:lnB w="12700" cap="flat" cmpd="sng" algn="ctr">
-                      <a:solidFill>
-                        <a:schemeClr val="tx1"/>
-                      </a:solidFill>
-                      <a:prstDash val="solid"/>
-                      <a:round/>
-                      <a:headEnd type="none" w="med" len="med"/>
-                      <a:tailEnd type="none" w="med" len="med"/>
-                    </a:lnB>
-                    <a:lnTlToBr w="12700" cmpd="sng">
-                      <a:noFill/>
-                      <a:prstDash val="solid"/>
-                    </a:lnTlToBr>
-                    <a:lnBlToTr w="12700" cmpd="sng">
-                      <a:noFill/>
-                      <a:prstDash val="solid"/>
-                    </a:lnBlToTr>
-                    <a:solidFill>
-                      <a:schemeClr val="bg2"/>
-                    </a:solidFill>
-                  </a:tcPr>
-                </a:tc>
-                <a:tc>
-                  <a:txBody>
-                    <a:bodyPr/>
-                    <a:lstStyle/>
-                    <a:p>
-                      <a:pPr algn="ctr"/>
-                      <a:r>
-                        <a:rPr lang="en-US" altLang="zh-TW" dirty="0">
-                          <a:solidFill>
-                            <a:schemeClr val="tx1"/>
-                          </a:solidFill>
-                          <a:latin typeface="Consolas" panose="020B0609020204030204" pitchFamily="49" charset="0"/>
-                        </a:rPr>
-                        <a:t>5</a:t>
-                      </a:r>
-                      <a:endParaRPr lang="en-US" dirty="0">
-                        <a:solidFill>
-                          <a:schemeClr val="tx1"/>
-                        </a:solidFill>
-                        <a:latin typeface="Consolas" panose="020B0609020204030204" pitchFamily="49" charset="0"/>
-                      </a:endParaRPr>
-                    </a:p>
-                  </a:txBody>
-                  <a:tcPr>
-                    <a:lnL w="12700" cap="flat" cmpd="sng" algn="ctr">
-                      <a:solidFill>
-                        <a:schemeClr val="tx1"/>
-                      </a:solidFill>
-                      <a:prstDash val="solid"/>
-                      <a:round/>
-                      <a:headEnd type="none" w="med" len="med"/>
-                      <a:tailEnd type="none" w="med" len="med"/>
-                    </a:lnL>
-                    <a:lnR w="12700" cap="flat" cmpd="sng" algn="ctr">
-                      <a:solidFill>
-                        <a:schemeClr val="tx1"/>
-                      </a:solidFill>
-                      <a:prstDash val="solid"/>
-                      <a:round/>
-                      <a:headEnd type="none" w="med" len="med"/>
-                      <a:tailEnd type="none" w="med" len="med"/>
-                    </a:lnR>
-                    <a:lnT w="12700" cap="flat" cmpd="sng" algn="ctr">
-                      <a:solidFill>
-                        <a:schemeClr val="tx1"/>
-                      </a:solidFill>
-                      <a:prstDash val="solid"/>
-                      <a:round/>
-                      <a:headEnd type="none" w="med" len="med"/>
-                      <a:tailEnd type="none" w="med" len="med"/>
-                    </a:lnT>
-                    <a:lnB w="12700" cap="flat" cmpd="sng" algn="ctr">
-                      <a:solidFill>
-                        <a:schemeClr val="tx1"/>
-                      </a:solidFill>
-                      <a:prstDash val="solid"/>
-                      <a:round/>
-                      <a:headEnd type="none" w="med" len="med"/>
-                      <a:tailEnd type="none" w="med" len="med"/>
-                    </a:lnB>
-                    <a:lnTlToBr w="12700" cmpd="sng">
-                      <a:noFill/>
-                      <a:prstDash val="solid"/>
-                    </a:lnTlToBr>
-                    <a:lnBlToTr w="12700" cmpd="sng">
-                      <a:noFill/>
-                      <a:prstDash val="solid"/>
-                    </a:lnBlToTr>
-                    <a:solidFill>
-                      <a:schemeClr val="bg2"/>
-                    </a:solidFill>
-                  </a:tcPr>
-                </a:tc>
-                <a:tc>
-                  <a:txBody>
-                    <a:bodyPr/>
-                    <a:lstStyle/>
-                    <a:p>
-                      <a:pPr algn="ctr"/>
-                      <a:r>
-                        <a:rPr lang="en-US" altLang="zh-TW" dirty="0">
-                          <a:solidFill>
-                            <a:schemeClr val="tx1"/>
-                          </a:solidFill>
-                          <a:latin typeface="Consolas" panose="020B0609020204030204" pitchFamily="49" charset="0"/>
-                        </a:rPr>
-                        <a:t>6</a:t>
-                      </a:r>
-                      <a:endParaRPr lang="en-US" dirty="0">
-                        <a:solidFill>
-                          <a:schemeClr val="tx1"/>
-                        </a:solidFill>
-                        <a:latin typeface="Consolas" panose="020B0609020204030204" pitchFamily="49" charset="0"/>
-                      </a:endParaRPr>
-                    </a:p>
-                  </a:txBody>
-                  <a:tcPr>
-                    <a:lnL w="12700" cap="flat" cmpd="sng" algn="ctr">
-                      <a:solidFill>
-                        <a:schemeClr val="tx1"/>
-                      </a:solidFill>
-                      <a:prstDash val="solid"/>
-                      <a:round/>
-                      <a:headEnd type="none" w="med" len="med"/>
-                      <a:tailEnd type="none" w="med" len="med"/>
-                    </a:lnL>
-                    <a:lnR w="12700" cap="flat" cmpd="sng" algn="ctr">
-                      <a:solidFill>
-                        <a:schemeClr val="tx1"/>
-                      </a:solidFill>
-                      <a:prstDash val="solid"/>
-                      <a:round/>
-                      <a:headEnd type="none" w="med" len="med"/>
-                      <a:tailEnd type="none" w="med" len="med"/>
-                    </a:lnR>
-                    <a:lnT w="12700" cap="flat" cmpd="sng" algn="ctr">
-                      <a:solidFill>
-                        <a:schemeClr val="tx1"/>
-                      </a:solidFill>
-                      <a:prstDash val="solid"/>
-                      <a:round/>
-                      <a:headEnd type="none" w="med" len="med"/>
-                      <a:tailEnd type="none" w="med" len="med"/>
-                    </a:lnT>
-                    <a:lnB w="12700" cap="flat" cmpd="sng" algn="ctr">
-                      <a:solidFill>
-                        <a:schemeClr val="tx1"/>
-                      </a:solidFill>
-                      <a:prstDash val="solid"/>
-                      <a:round/>
-                      <a:headEnd type="none" w="med" len="med"/>
-                      <a:tailEnd type="none" w="med" len="med"/>
-                    </a:lnB>
-                    <a:lnTlToBr w="12700" cmpd="sng">
-                      <a:noFill/>
-                      <a:prstDash val="solid"/>
-                    </a:lnTlToBr>
-                    <a:lnBlToTr w="12700" cmpd="sng">
-                      <a:noFill/>
-                      <a:prstDash val="solid"/>
-                    </a:lnBlToTr>
-                    <a:solidFill>
-                      <a:schemeClr val="bg2"/>
-                    </a:solidFill>
-                  </a:tcPr>
-                </a:tc>
-                <a:tc>
-                  <a:txBody>
-                    <a:bodyPr/>
-                    <a:lstStyle/>
-                    <a:p>
-                      <a:pPr algn="ctr"/>
-                      <a:r>
-                        <a:rPr lang="en-US" altLang="zh-TW" dirty="0">
-                          <a:solidFill>
-                            <a:schemeClr val="tx1"/>
-                          </a:solidFill>
-                          <a:latin typeface="Consolas" panose="020B0609020204030204" pitchFamily="49" charset="0"/>
-                        </a:rPr>
-                        <a:t>7</a:t>
-                      </a:r>
-                      <a:endParaRPr lang="en-US" dirty="0">
-                        <a:solidFill>
-                          <a:schemeClr val="tx1"/>
-                        </a:solidFill>
-                        <a:latin typeface="Consolas" panose="020B0609020204030204" pitchFamily="49" charset="0"/>
-                      </a:endParaRPr>
-                    </a:p>
-                  </a:txBody>
-                  <a:tcPr>
-                    <a:lnL w="12700" cap="flat" cmpd="sng" algn="ctr">
-                      <a:solidFill>
-                        <a:schemeClr val="tx1"/>
-                      </a:solidFill>
-                      <a:prstDash val="solid"/>
-                      <a:round/>
-                      <a:headEnd type="none" w="med" len="med"/>
-                      <a:tailEnd type="none" w="med" len="med"/>
-                    </a:lnL>
-                    <a:lnR w="12700" cap="flat" cmpd="sng" algn="ctr">
-                      <a:solidFill>
-                        <a:schemeClr val="tx1"/>
-                      </a:solidFill>
-                      <a:prstDash val="solid"/>
-                      <a:round/>
-                      <a:headEnd type="none" w="med" len="med"/>
-                      <a:tailEnd type="none" w="med" len="med"/>
-                    </a:lnR>
-                    <a:lnT w="12700" cap="flat" cmpd="sng" algn="ctr">
-                      <a:solidFill>
-                        <a:schemeClr val="tx1"/>
-                      </a:solidFill>
-                      <a:prstDash val="solid"/>
-                      <a:round/>
-                      <a:headEnd type="none" w="med" len="med"/>
-                      <a:tailEnd type="none" w="med" len="med"/>
-                    </a:lnT>
-                    <a:lnB w="12700" cap="flat" cmpd="sng" algn="ctr">
-                      <a:solidFill>
-                        <a:schemeClr val="tx1"/>
-                      </a:solidFill>
-                      <a:prstDash val="solid"/>
-                      <a:round/>
-                      <a:headEnd type="none" w="med" len="med"/>
-                      <a:tailEnd type="none" w="med" len="med"/>
-                    </a:lnB>
-                    <a:lnTlToBr w="12700" cmpd="sng">
-                      <a:noFill/>
-                      <a:prstDash val="solid"/>
-                    </a:lnTlToBr>
-                    <a:lnBlToTr w="12700" cmpd="sng">
-                      <a:noFill/>
-                      <a:prstDash val="solid"/>
-                    </a:lnBlToTr>
-                    <a:solidFill>
-                      <a:schemeClr val="bg2"/>
-                    </a:solidFill>
-                  </a:tcPr>
-                </a:tc>
-                <a:tc>
-                  <a:txBody>
-                    <a:bodyPr/>
-                    <a:lstStyle/>
-                    <a:p>
-                      <a:pPr algn="ctr"/>
-                      <a:r>
-                        <a:rPr lang="en-US" altLang="zh-TW" dirty="0">
-                          <a:solidFill>
-                            <a:schemeClr val="tx1"/>
-                          </a:solidFill>
-                          <a:latin typeface="Consolas" panose="020B0609020204030204" pitchFamily="49" charset="0"/>
-                        </a:rPr>
-                        <a:t>8</a:t>
-                      </a:r>
-                      <a:endParaRPr lang="en-US" dirty="0">
-                        <a:solidFill>
-                          <a:schemeClr val="tx1"/>
-                        </a:solidFill>
-                        <a:latin typeface="Consolas" panose="020B0609020204030204" pitchFamily="49" charset="0"/>
-                      </a:endParaRPr>
-                    </a:p>
-                  </a:txBody>
-                  <a:tcPr>
-                    <a:lnL w="12700" cap="flat" cmpd="sng" algn="ctr">
-                      <a:solidFill>
-                        <a:schemeClr val="tx1"/>
-                      </a:solidFill>
-                      <a:prstDash val="solid"/>
-                      <a:round/>
-                      <a:headEnd type="none" w="med" len="med"/>
-                      <a:tailEnd type="none" w="med" len="med"/>
-                    </a:lnL>
-                    <a:lnR w="12700" cap="flat" cmpd="sng" algn="ctr">
-                      <a:solidFill>
-                        <a:schemeClr val="tx1"/>
-                      </a:solidFill>
-                      <a:prstDash val="solid"/>
-                      <a:round/>
-                      <a:headEnd type="none" w="med" len="med"/>
-                      <a:tailEnd type="none" w="med" len="med"/>
-                    </a:lnR>
-                    <a:lnT w="12700" cap="flat" cmpd="sng" algn="ctr">
-                      <a:solidFill>
-                        <a:schemeClr val="tx1"/>
-                      </a:solidFill>
-                      <a:prstDash val="solid"/>
-                      <a:round/>
-                      <a:headEnd type="none" w="med" len="med"/>
-                      <a:tailEnd type="none" w="med" len="med"/>
-                    </a:lnT>
-                    <a:lnB w="12700" cap="flat" cmpd="sng" algn="ctr">
-                      <a:solidFill>
-                        <a:schemeClr val="tx1"/>
-                      </a:solidFill>
-                      <a:prstDash val="solid"/>
-                      <a:round/>
-                      <a:headEnd type="none" w="med" len="med"/>
-                      <a:tailEnd type="none" w="med" len="med"/>
-                    </a:lnB>
-                    <a:lnTlToBr w="12700" cmpd="sng">
-                      <a:noFill/>
-                      <a:prstDash val="solid"/>
-                    </a:lnTlToBr>
-                    <a:lnBlToTr w="12700" cmpd="sng">
-                      <a:noFill/>
-                      <a:prstDash val="solid"/>
-                    </a:lnBlToTr>
-                    <a:solidFill>
-                      <a:schemeClr val="bg2"/>
-                    </a:solidFill>
-                  </a:tcPr>
-                </a:tc>
-                <a:tc>
-                  <a:txBody>
-                    <a:bodyPr/>
-                    <a:lstStyle/>
-                    <a:p>
-                      <a:pPr algn="ctr"/>
-                      <a:r>
-                        <a:rPr lang="en-US" altLang="zh-TW" dirty="0">
-                          <a:solidFill>
-                            <a:schemeClr val="tx1"/>
-                          </a:solidFill>
-                          <a:latin typeface="Consolas" panose="020B0609020204030204" pitchFamily="49" charset="0"/>
-                        </a:rPr>
-                        <a:t>9</a:t>
-                      </a:r>
-                      <a:endParaRPr lang="en-US" dirty="0">
-                        <a:solidFill>
-                          <a:schemeClr val="tx1"/>
-                        </a:solidFill>
-                        <a:latin typeface="Consolas" panose="020B0609020204030204" pitchFamily="49" charset="0"/>
-                      </a:endParaRPr>
-                    </a:p>
-                  </a:txBody>
-                  <a:tcPr>
-                    <a:lnL w="12700" cap="flat" cmpd="sng" algn="ctr">
-                      <a:solidFill>
-                        <a:schemeClr val="tx1"/>
-                      </a:solidFill>
-                      <a:prstDash val="solid"/>
-                      <a:round/>
-                      <a:headEnd type="none" w="med" len="med"/>
-                      <a:tailEnd type="none" w="med" len="med"/>
-                    </a:lnL>
-                    <a:lnR w="12700" cap="flat" cmpd="sng" algn="ctr">
-                      <a:solidFill>
-                        <a:schemeClr val="tx1"/>
-                      </a:solidFill>
-                      <a:prstDash val="solid"/>
-                      <a:round/>
-                      <a:headEnd type="none" w="med" len="med"/>
-                      <a:tailEnd type="none" w="med" len="med"/>
-                    </a:lnR>
-                    <a:lnT w="12700" cap="flat" cmpd="sng" algn="ctr">
-                      <a:solidFill>
-                        <a:schemeClr val="tx1"/>
-                      </a:solidFill>
-                      <a:prstDash val="solid"/>
-                      <a:round/>
-                      <a:headEnd type="none" w="med" len="med"/>
-                      <a:tailEnd type="none" w="med" len="med"/>
-                    </a:lnT>
-                    <a:lnB w="12700" cap="flat" cmpd="sng" algn="ctr">
-                      <a:solidFill>
-                        <a:schemeClr val="tx1"/>
-                      </a:solidFill>
-                      <a:prstDash val="solid"/>
-                      <a:round/>
-                      <a:headEnd type="none" w="med" len="med"/>
-                      <a:tailEnd type="none" w="med" len="med"/>
-                    </a:lnB>
-                    <a:lnTlToBr w="12700" cmpd="sng">
-                      <a:noFill/>
-                      <a:prstDash val="solid"/>
-                    </a:lnTlToBr>
-                    <a:lnBlToTr w="12700" cmpd="sng">
-                      <a:noFill/>
-                      <a:prstDash val="solid"/>
-                    </a:lnBlToTr>
-                    <a:solidFill>
-                      <a:schemeClr val="bg2"/>
-                    </a:solidFill>
-                  </a:tcPr>
-                </a:tc>
-                <a:extLst>
-                  <a:ext uri="{0D108BD9-81ED-4DB2-BD59-A6C34878D82A}">
-                    <a16:rowId xmlns:a16="http://schemas.microsoft.com/office/drawing/2014/main" val="376532356"/>
-                  </a:ext>
-                </a:extLst>
-              </a:tr>
-              <a:tr h="370840">
-                <a:tc>
-                  <a:txBody>
-                    <a:bodyPr/>
-                    <a:lstStyle/>
-                    <a:p>
-                      <a:pPr algn="ctr"/>
-                      <a:r>
-                        <a:rPr lang="en-US" dirty="0">
-                          <a:solidFill>
-                            <a:schemeClr val="tx1"/>
-                          </a:solidFill>
-                          <a:latin typeface="Consolas" panose="020B0609020204030204" pitchFamily="49" charset="0"/>
-                        </a:rPr>
-                        <a:t>4</a:t>
-                      </a:r>
-                    </a:p>
-                  </a:txBody>
-                  <a:tcPr>
-                    <a:lnL w="12700" cap="flat" cmpd="sng" algn="ctr">
-                      <a:solidFill>
-                        <a:schemeClr val="tx1"/>
-                      </a:solidFill>
-                      <a:prstDash val="solid"/>
-                      <a:round/>
-                      <a:headEnd type="none" w="med" len="med"/>
-                      <a:tailEnd type="none" w="med" len="med"/>
-                    </a:lnL>
-                    <a:lnR w="12700" cap="flat" cmpd="sng" algn="ctr">
-                      <a:solidFill>
-                        <a:schemeClr val="tx1"/>
-                      </a:solidFill>
-                      <a:prstDash val="solid"/>
-                      <a:round/>
-                      <a:headEnd type="none" w="med" len="med"/>
-                      <a:tailEnd type="none" w="med" len="med"/>
-                    </a:lnR>
-                    <a:lnT w="12700" cap="flat" cmpd="sng" algn="ctr">
-                      <a:solidFill>
-                        <a:schemeClr val="tx1"/>
-                      </a:solidFill>
-                      <a:prstDash val="solid"/>
-                      <a:round/>
-                      <a:headEnd type="none" w="med" len="med"/>
-                      <a:tailEnd type="none" w="med" len="med"/>
-                    </a:lnT>
-                    <a:lnB w="12700" cap="flat" cmpd="sng" algn="ctr">
-                      <a:solidFill>
-                        <a:schemeClr val="tx1"/>
-                      </a:solidFill>
-                      <a:prstDash val="solid"/>
-                      <a:round/>
-                      <a:headEnd type="none" w="med" len="med"/>
-                      <a:tailEnd type="none" w="med" len="med"/>
-                    </a:lnB>
-                    <a:lnTlToBr w="12700" cmpd="sng">
-                      <a:noFill/>
-                      <a:prstDash val="solid"/>
-                    </a:lnTlToBr>
-                    <a:lnBlToTr w="12700" cmpd="sng">
-                      <a:noFill/>
-                      <a:prstDash val="solid"/>
-                    </a:lnBlToTr>
-                    <a:solidFill>
-                      <a:schemeClr val="bg1"/>
-                    </a:solidFill>
-                  </a:tcPr>
-                </a:tc>
-                <a:tc>
-                  <a:txBody>
-                    <a:bodyPr/>
-                    <a:lstStyle/>
-                    <a:p>
-                      <a:pPr algn="ctr"/>
-                      <a:r>
-                        <a:rPr lang="en-US" dirty="0">
-                          <a:solidFill>
-                            <a:schemeClr val="tx1"/>
-                          </a:solidFill>
-                          <a:latin typeface="Consolas" panose="020B0609020204030204" pitchFamily="49" charset="0"/>
-                        </a:rPr>
-                        <a:t>9</a:t>
-                      </a:r>
-                    </a:p>
-                  </a:txBody>
-                  <a:tcPr>
-                    <a:lnL w="12700" cap="flat" cmpd="sng" algn="ctr">
-                      <a:solidFill>
-                        <a:schemeClr val="tx1"/>
-                      </a:solidFill>
-                      <a:prstDash val="solid"/>
-                      <a:round/>
-                      <a:headEnd type="none" w="med" len="med"/>
-                      <a:tailEnd type="none" w="med" len="med"/>
-                    </a:lnL>
-                    <a:lnR w="12700" cap="flat" cmpd="sng" algn="ctr">
-                      <a:solidFill>
-                        <a:schemeClr val="tx1"/>
-                      </a:solidFill>
-                      <a:prstDash val="solid"/>
-                      <a:round/>
-                      <a:headEnd type="none" w="med" len="med"/>
-                      <a:tailEnd type="none" w="med" len="med"/>
-                    </a:lnR>
-                    <a:lnT w="12700" cap="flat" cmpd="sng" algn="ctr">
-                      <a:solidFill>
-                        <a:schemeClr val="tx1"/>
-                      </a:solidFill>
-                      <a:prstDash val="solid"/>
-                      <a:round/>
-                      <a:headEnd type="none" w="med" len="med"/>
-                      <a:tailEnd type="none" w="med" len="med"/>
-                    </a:lnT>
-                    <a:lnB w="12700" cap="flat" cmpd="sng" algn="ctr">
-                      <a:solidFill>
-                        <a:schemeClr val="tx1"/>
-                      </a:solidFill>
-                      <a:prstDash val="solid"/>
-                      <a:round/>
-                      <a:headEnd type="none" w="med" len="med"/>
-                      <a:tailEnd type="none" w="med" len="med"/>
-                    </a:lnB>
-                    <a:lnTlToBr w="12700" cmpd="sng">
-                      <a:noFill/>
-                      <a:prstDash val="solid"/>
-                    </a:lnTlToBr>
-                    <a:lnBlToTr w="12700" cmpd="sng">
-                      <a:noFill/>
-                      <a:prstDash val="solid"/>
-                    </a:lnBlToTr>
-                    <a:solidFill>
-                      <a:schemeClr val="bg1"/>
-                    </a:solidFill>
-                  </a:tcPr>
-                </a:tc>
-                <a:tc>
-                  <a:txBody>
-                    <a:bodyPr/>
-                    <a:lstStyle/>
-                    <a:p>
-                      <a:pPr algn="ctr"/>
-                      <a:r>
-                        <a:rPr lang="en-US" dirty="0">
-                          <a:solidFill>
-                            <a:schemeClr val="tx1"/>
-                          </a:solidFill>
-                          <a:latin typeface="Consolas" panose="020B0609020204030204" pitchFamily="49" charset="0"/>
-                        </a:rPr>
-                        <a:t>2</a:t>
-                      </a:r>
-                    </a:p>
-                  </a:txBody>
-                  <a:tcPr>
-                    <a:lnL w="12700" cap="flat" cmpd="sng" algn="ctr">
-                      <a:solidFill>
-                        <a:schemeClr val="tx1"/>
-                      </a:solidFill>
-                      <a:prstDash val="solid"/>
-                      <a:round/>
-                      <a:headEnd type="none" w="med" len="med"/>
-                      <a:tailEnd type="none" w="med" len="med"/>
-                    </a:lnL>
-                    <a:lnR w="12700" cap="flat" cmpd="sng" algn="ctr">
-                      <a:solidFill>
-                        <a:schemeClr val="tx1"/>
-                      </a:solidFill>
-                      <a:prstDash val="solid"/>
-                      <a:round/>
-                      <a:headEnd type="none" w="med" len="med"/>
-                      <a:tailEnd type="none" w="med" len="med"/>
-                    </a:lnR>
-                    <a:lnT w="12700" cap="flat" cmpd="sng" algn="ctr">
-                      <a:solidFill>
-                        <a:schemeClr val="tx1"/>
-                      </a:solidFill>
-                      <a:prstDash val="solid"/>
-                      <a:round/>
-                      <a:headEnd type="none" w="med" len="med"/>
-                      <a:tailEnd type="none" w="med" len="med"/>
-                    </a:lnT>
-                    <a:lnB w="12700" cap="flat" cmpd="sng" algn="ctr">
-                      <a:solidFill>
-                        <a:schemeClr val="tx1"/>
-                      </a:solidFill>
-                      <a:prstDash val="solid"/>
-                      <a:round/>
-                      <a:headEnd type="none" w="med" len="med"/>
-                      <a:tailEnd type="none" w="med" len="med"/>
-                    </a:lnB>
-                    <a:lnTlToBr w="12700" cmpd="sng">
-                      <a:noFill/>
-                      <a:prstDash val="solid"/>
-                    </a:lnTlToBr>
-                    <a:lnBlToTr w="12700" cmpd="sng">
-                      <a:noFill/>
-                      <a:prstDash val="solid"/>
-                    </a:lnBlToTr>
-                    <a:solidFill>
-                      <a:schemeClr val="bg1"/>
-                    </a:solidFill>
-                  </a:tcPr>
-                </a:tc>
-                <a:tc>
-                  <a:txBody>
-                    <a:bodyPr/>
-                    <a:lstStyle/>
-                    <a:p>
-                      <a:pPr algn="ctr"/>
-                      <a:r>
-                        <a:rPr lang="en-US" dirty="0">
-                          <a:solidFill>
-                            <a:schemeClr val="tx1"/>
-                          </a:solidFill>
-                          <a:latin typeface="Consolas" panose="020B0609020204030204" pitchFamily="49" charset="0"/>
-                        </a:rPr>
-                        <a:t>8</a:t>
-                      </a:r>
-                    </a:p>
-                  </a:txBody>
-                  <a:tcPr>
-                    <a:lnL w="12700" cap="flat" cmpd="sng" algn="ctr">
-                      <a:solidFill>
-                        <a:schemeClr val="tx1"/>
-                      </a:solidFill>
-                      <a:prstDash val="solid"/>
-                      <a:round/>
-                      <a:headEnd type="none" w="med" len="med"/>
-                      <a:tailEnd type="none" w="med" len="med"/>
-                    </a:lnL>
-                    <a:lnR w="12700" cap="flat" cmpd="sng" algn="ctr">
-                      <a:solidFill>
-                        <a:schemeClr val="tx1"/>
-                      </a:solidFill>
-                      <a:prstDash val="solid"/>
-                      <a:round/>
-                      <a:headEnd type="none" w="med" len="med"/>
-                      <a:tailEnd type="none" w="med" len="med"/>
-                    </a:lnR>
-                    <a:lnT w="12700" cap="flat" cmpd="sng" algn="ctr">
-                      <a:solidFill>
-                        <a:schemeClr val="tx1"/>
-                      </a:solidFill>
-                      <a:prstDash val="solid"/>
-                      <a:round/>
-                      <a:headEnd type="none" w="med" len="med"/>
-                      <a:tailEnd type="none" w="med" len="med"/>
-                    </a:lnT>
-                    <a:lnB w="12700" cap="flat" cmpd="sng" algn="ctr">
-                      <a:solidFill>
-                        <a:schemeClr val="tx1"/>
-                      </a:solidFill>
-                      <a:prstDash val="solid"/>
-                      <a:round/>
-                      <a:headEnd type="none" w="med" len="med"/>
-                      <a:tailEnd type="none" w="med" len="med"/>
-                    </a:lnB>
-                    <a:lnTlToBr w="12700" cmpd="sng">
-                      <a:noFill/>
-                      <a:prstDash val="solid"/>
-                    </a:lnTlToBr>
-                    <a:lnBlToTr w="12700" cmpd="sng">
-                      <a:noFill/>
-                      <a:prstDash val="solid"/>
-                    </a:lnBlToTr>
-                    <a:solidFill>
-                      <a:schemeClr val="bg1"/>
-                    </a:solidFill>
-                  </a:tcPr>
-                </a:tc>
-                <a:tc>
-                  <a:txBody>
-                    <a:bodyPr/>
-                    <a:lstStyle/>
-                    <a:p>
-                      <a:pPr algn="ctr"/>
-                      <a:r>
-                        <a:rPr lang="en-US" dirty="0">
-                          <a:solidFill>
-                            <a:schemeClr val="tx1"/>
-                          </a:solidFill>
-                          <a:latin typeface="Consolas" panose="020B0609020204030204" pitchFamily="49" charset="0"/>
-                        </a:rPr>
-                        <a:t>7</a:t>
-                      </a:r>
-                    </a:p>
-                  </a:txBody>
-                  <a:tcPr>
-                    <a:lnL w="12700" cap="flat" cmpd="sng" algn="ctr">
-                      <a:solidFill>
-                        <a:schemeClr val="tx1"/>
-                      </a:solidFill>
-                      <a:prstDash val="solid"/>
-                      <a:round/>
-                      <a:headEnd type="none" w="med" len="med"/>
-                      <a:tailEnd type="none" w="med" len="med"/>
-                    </a:lnL>
-                    <a:lnR w="12700" cap="flat" cmpd="sng" algn="ctr">
-                      <a:solidFill>
-                        <a:schemeClr val="tx1"/>
-                      </a:solidFill>
-                      <a:prstDash val="solid"/>
-                      <a:round/>
-                      <a:headEnd type="none" w="med" len="med"/>
-                      <a:tailEnd type="none" w="med" len="med"/>
-                    </a:lnR>
-                    <a:lnT w="12700" cap="flat" cmpd="sng" algn="ctr">
-                      <a:solidFill>
-                        <a:schemeClr val="tx1"/>
-                      </a:solidFill>
-                      <a:prstDash val="solid"/>
-                      <a:round/>
-                      <a:headEnd type="none" w="med" len="med"/>
-                      <a:tailEnd type="none" w="med" len="med"/>
-                    </a:lnT>
-                    <a:lnB w="12700" cap="flat" cmpd="sng" algn="ctr">
-                      <a:solidFill>
-                        <a:schemeClr val="tx1"/>
-                      </a:solidFill>
-                      <a:prstDash val="solid"/>
-                      <a:round/>
-                      <a:headEnd type="none" w="med" len="med"/>
-                      <a:tailEnd type="none" w="med" len="med"/>
-                    </a:lnB>
-                    <a:lnTlToBr w="12700" cmpd="sng">
-                      <a:noFill/>
-                      <a:prstDash val="solid"/>
-                    </a:lnTlToBr>
-                    <a:lnBlToTr w="12700" cmpd="sng">
-                      <a:noFill/>
-                      <a:prstDash val="solid"/>
-                    </a:lnBlToTr>
-                    <a:solidFill>
-                      <a:schemeClr val="bg1"/>
-                    </a:solidFill>
-                  </a:tcPr>
-                </a:tc>
-                <a:tc>
-                  <a:txBody>
-                    <a:bodyPr/>
-                    <a:lstStyle/>
-                    <a:p>
-                      <a:pPr algn="ctr"/>
-                      <a:r>
-                        <a:rPr lang="en-US" dirty="0">
-                          <a:solidFill>
-                            <a:schemeClr val="tx1"/>
-                          </a:solidFill>
-                          <a:latin typeface="Consolas" panose="020B0609020204030204" pitchFamily="49" charset="0"/>
-                        </a:rPr>
-                        <a:t>1</a:t>
-                      </a:r>
-                    </a:p>
-                  </a:txBody>
-                  <a:tcPr>
-                    <a:lnL w="12700" cap="flat" cmpd="sng" algn="ctr">
-                      <a:solidFill>
-                        <a:schemeClr val="tx1"/>
-                      </a:solidFill>
-                      <a:prstDash val="solid"/>
-                      <a:round/>
-                      <a:headEnd type="none" w="med" len="med"/>
-                      <a:tailEnd type="none" w="med" len="med"/>
-                    </a:lnL>
-                    <a:lnR w="12700" cap="flat" cmpd="sng" algn="ctr">
-                      <a:solidFill>
-                        <a:schemeClr val="tx1"/>
-                      </a:solidFill>
-                      <a:prstDash val="solid"/>
-                      <a:round/>
-                      <a:headEnd type="none" w="med" len="med"/>
-                      <a:tailEnd type="none" w="med" len="med"/>
-                    </a:lnR>
-                    <a:lnT w="12700" cap="flat" cmpd="sng" algn="ctr">
-                      <a:solidFill>
-                        <a:schemeClr val="tx1"/>
-                      </a:solidFill>
-                      <a:prstDash val="solid"/>
-                      <a:round/>
-                      <a:headEnd type="none" w="med" len="med"/>
-                      <a:tailEnd type="none" w="med" len="med"/>
-                    </a:lnT>
-                    <a:lnB w="12700" cap="flat" cmpd="sng" algn="ctr">
-                      <a:solidFill>
-                        <a:schemeClr val="tx1"/>
-                      </a:solidFill>
-                      <a:prstDash val="solid"/>
-                      <a:round/>
-                      <a:headEnd type="none" w="med" len="med"/>
-                      <a:tailEnd type="none" w="med" len="med"/>
-                    </a:lnB>
-                    <a:lnTlToBr w="12700" cmpd="sng">
-                      <a:noFill/>
-                      <a:prstDash val="solid"/>
-                    </a:lnTlToBr>
-                    <a:lnBlToTr w="12700" cmpd="sng">
-                      <a:noFill/>
-                      <a:prstDash val="solid"/>
-                    </a:lnBlToTr>
-                    <a:solidFill>
-                      <a:schemeClr val="bg1"/>
-                    </a:solidFill>
-                  </a:tcPr>
-                </a:tc>
-                <a:tc>
-                  <a:txBody>
-                    <a:bodyPr/>
-                    <a:lstStyle/>
-                    <a:p>
-                      <a:pPr algn="ctr"/>
-                      <a:r>
-                        <a:rPr lang="en-US" dirty="0">
-                          <a:solidFill>
-                            <a:schemeClr val="tx1"/>
-                          </a:solidFill>
-                          <a:latin typeface="Consolas" panose="020B0609020204030204" pitchFamily="49" charset="0"/>
-                        </a:rPr>
-                        <a:t>4</a:t>
-                      </a:r>
-                    </a:p>
-                  </a:txBody>
-                  <a:tcPr>
-                    <a:lnL w="12700" cap="flat" cmpd="sng" algn="ctr">
-                      <a:solidFill>
-                        <a:schemeClr val="tx1"/>
-                      </a:solidFill>
-                      <a:prstDash val="solid"/>
-                      <a:round/>
-                      <a:headEnd type="none" w="med" len="med"/>
-                      <a:tailEnd type="none" w="med" len="med"/>
-                    </a:lnL>
-                    <a:lnR w="12700" cap="flat" cmpd="sng" algn="ctr">
-                      <a:solidFill>
-                        <a:schemeClr val="tx1"/>
-                      </a:solidFill>
-                      <a:prstDash val="solid"/>
-                      <a:round/>
-                      <a:headEnd type="none" w="med" len="med"/>
-                      <a:tailEnd type="none" w="med" len="med"/>
-                    </a:lnR>
-                    <a:lnT w="12700" cap="flat" cmpd="sng" algn="ctr">
-                      <a:solidFill>
-                        <a:schemeClr val="tx1"/>
-                      </a:solidFill>
-                      <a:prstDash val="solid"/>
-                      <a:round/>
-                      <a:headEnd type="none" w="med" len="med"/>
-                      <a:tailEnd type="none" w="med" len="med"/>
-                    </a:lnT>
-                    <a:lnB w="12700" cap="flat" cmpd="sng" algn="ctr">
-                      <a:solidFill>
-                        <a:schemeClr val="tx1"/>
-                      </a:solidFill>
-                      <a:prstDash val="solid"/>
-                      <a:round/>
-                      <a:headEnd type="none" w="med" len="med"/>
-                      <a:tailEnd type="none" w="med" len="med"/>
-                    </a:lnB>
-                    <a:lnTlToBr w="12700" cmpd="sng">
-                      <a:noFill/>
-                      <a:prstDash val="solid"/>
-                    </a:lnTlToBr>
-                    <a:lnBlToTr w="12700" cmpd="sng">
-                      <a:noFill/>
-                      <a:prstDash val="solid"/>
-                    </a:lnBlToTr>
-                    <a:solidFill>
-                      <a:schemeClr val="bg1"/>
-                    </a:solidFill>
-                  </a:tcPr>
-                </a:tc>
-                <a:tc>
-                  <a:txBody>
-                    <a:bodyPr/>
-                    <a:lstStyle/>
-                    <a:p>
-                      <a:pPr algn="ctr"/>
-                      <a:r>
-                        <a:rPr lang="en-US" dirty="0">
-                          <a:solidFill>
-                            <a:schemeClr val="tx1"/>
-                          </a:solidFill>
-                          <a:latin typeface="Consolas" panose="020B0609020204030204" pitchFamily="49" charset="0"/>
-                        </a:rPr>
-                        <a:t>10</a:t>
-                      </a:r>
-                    </a:p>
-                  </a:txBody>
-                  <a:tcPr>
-                    <a:lnL w="12700" cap="flat" cmpd="sng" algn="ctr">
-                      <a:solidFill>
-                        <a:schemeClr val="tx1"/>
-                      </a:solidFill>
-                      <a:prstDash val="solid"/>
-                      <a:round/>
-                      <a:headEnd type="none" w="med" len="med"/>
-                      <a:tailEnd type="none" w="med" len="med"/>
-                    </a:lnL>
-                    <a:lnR w="12700" cap="flat" cmpd="sng" algn="ctr">
-                      <a:solidFill>
-                        <a:schemeClr val="tx1"/>
-                      </a:solidFill>
-                      <a:prstDash val="solid"/>
-                      <a:round/>
-                      <a:headEnd type="none" w="med" len="med"/>
-                      <a:tailEnd type="none" w="med" len="med"/>
-                    </a:lnR>
-                    <a:lnT w="12700" cap="flat" cmpd="sng" algn="ctr">
-                      <a:solidFill>
-                        <a:schemeClr val="tx1"/>
-                      </a:solidFill>
-                      <a:prstDash val="solid"/>
-                      <a:round/>
-                      <a:headEnd type="none" w="med" len="med"/>
-                      <a:tailEnd type="none" w="med" len="med"/>
-                    </a:lnT>
-                    <a:lnB w="12700" cap="flat" cmpd="sng" algn="ctr">
-                      <a:solidFill>
-                        <a:schemeClr val="tx1"/>
-                      </a:solidFill>
-                      <a:prstDash val="solid"/>
-                      <a:round/>
-                      <a:headEnd type="none" w="med" len="med"/>
-                      <a:tailEnd type="none" w="med" len="med"/>
-                    </a:lnB>
-                    <a:lnTlToBr w="12700" cmpd="sng">
-                      <a:noFill/>
-                      <a:prstDash val="solid"/>
-                    </a:lnTlToBr>
-                    <a:lnBlToTr w="12700" cmpd="sng">
-                      <a:noFill/>
-                      <a:prstDash val="solid"/>
-                    </a:lnBlToTr>
-                    <a:solidFill>
-                      <a:schemeClr val="bg1"/>
-                    </a:solidFill>
-                  </a:tcPr>
-                </a:tc>
-                <a:tc>
-                  <a:txBody>
-                    <a:bodyPr/>
-                    <a:lstStyle/>
-                    <a:p>
-                      <a:pPr algn="ctr"/>
-                      <a:r>
-                        <a:rPr lang="en-US" dirty="0">
-                          <a:solidFill>
-                            <a:schemeClr val="tx1"/>
-                          </a:solidFill>
-                          <a:latin typeface="Consolas" panose="020B0609020204030204" pitchFamily="49" charset="0"/>
-                        </a:rPr>
-                        <a:t>3</a:t>
-                      </a:r>
-                    </a:p>
-                  </a:txBody>
-                  <a:tcPr>
-                    <a:lnL w="12700" cap="flat" cmpd="sng" algn="ctr">
-                      <a:solidFill>
-                        <a:schemeClr val="tx1"/>
-                      </a:solidFill>
-                      <a:prstDash val="solid"/>
-                      <a:round/>
-                      <a:headEnd type="none" w="med" len="med"/>
-                      <a:tailEnd type="none" w="med" len="med"/>
-                    </a:lnL>
-                    <a:lnR w="12700" cap="flat" cmpd="sng" algn="ctr">
-                      <a:solidFill>
-                        <a:schemeClr val="tx1"/>
-                      </a:solidFill>
-                      <a:prstDash val="solid"/>
-                      <a:round/>
-                      <a:headEnd type="none" w="med" len="med"/>
-                      <a:tailEnd type="none" w="med" len="med"/>
-                    </a:lnR>
-                    <a:lnT w="12700" cap="flat" cmpd="sng" algn="ctr">
-                      <a:solidFill>
-                        <a:schemeClr val="tx1"/>
-                      </a:solidFill>
-                      <a:prstDash val="solid"/>
-                      <a:round/>
-                      <a:headEnd type="none" w="med" len="med"/>
-                      <a:tailEnd type="none" w="med" len="med"/>
-                    </a:lnT>
-                    <a:lnB w="12700" cap="flat" cmpd="sng" algn="ctr">
-                      <a:solidFill>
-                        <a:schemeClr val="tx1"/>
-                      </a:solidFill>
-                      <a:prstDash val="solid"/>
-                      <a:round/>
-                      <a:headEnd type="none" w="med" len="med"/>
-                      <a:tailEnd type="none" w="med" len="med"/>
-                    </a:lnB>
-                    <a:lnTlToBr w="12700" cmpd="sng">
-                      <a:noFill/>
-                      <a:prstDash val="solid"/>
-                    </a:lnTlToBr>
-                    <a:lnBlToTr w="12700" cmpd="sng">
-                      <a:noFill/>
-                      <a:prstDash val="solid"/>
-                    </a:lnBlToTr>
-                    <a:solidFill>
-                      <a:schemeClr val="bg1"/>
-                    </a:solidFill>
-                  </a:tcPr>
-                </a:tc>
-                <a:tc>
-                  <a:txBody>
-                    <a:bodyPr/>
-                    <a:lstStyle/>
-                    <a:p>
-                      <a:pPr algn="ctr"/>
-                      <a:r>
-                        <a:rPr lang="en-US" dirty="0">
-                          <a:solidFill>
-                            <a:schemeClr val="tx1"/>
-                          </a:solidFill>
-                          <a:latin typeface="Consolas" panose="020B0609020204030204" pitchFamily="49" charset="0"/>
-                        </a:rPr>
-                        <a:t>7</a:t>
-                      </a:r>
-                    </a:p>
-                  </a:txBody>
-                  <a:tcPr>
-                    <a:lnL w="12700" cap="flat" cmpd="sng" algn="ctr">
-                      <a:solidFill>
-                        <a:schemeClr val="tx1"/>
-                      </a:solidFill>
-                      <a:prstDash val="solid"/>
-                      <a:round/>
-                      <a:headEnd type="none" w="med" len="med"/>
-                      <a:tailEnd type="none" w="med" len="med"/>
-                    </a:lnL>
-                    <a:lnR w="12700" cap="flat" cmpd="sng" algn="ctr">
-                      <a:solidFill>
-                        <a:schemeClr val="tx1"/>
-                      </a:solidFill>
-                      <a:prstDash val="solid"/>
-                      <a:round/>
-                      <a:headEnd type="none" w="med" len="med"/>
-                      <a:tailEnd type="none" w="med" len="med"/>
-                    </a:lnR>
-                    <a:lnT w="12700" cap="flat" cmpd="sng" algn="ctr">
-                      <a:solidFill>
-                        <a:schemeClr val="tx1"/>
-                      </a:solidFill>
-                      <a:prstDash val="solid"/>
-                      <a:round/>
-                      <a:headEnd type="none" w="med" len="med"/>
-                      <a:tailEnd type="none" w="med" len="med"/>
-                    </a:lnT>
-                    <a:lnB w="12700" cap="flat" cmpd="sng" algn="ctr">
-                      <a:solidFill>
-                        <a:schemeClr val="tx1"/>
-                      </a:solidFill>
-                      <a:prstDash val="solid"/>
-                      <a:round/>
-                      <a:headEnd type="none" w="med" len="med"/>
-                      <a:tailEnd type="none" w="med" len="med"/>
-                    </a:lnB>
-                    <a:lnTlToBr w="12700" cmpd="sng">
-                      <a:noFill/>
-                      <a:prstDash val="solid"/>
-                    </a:lnTlToBr>
-                    <a:lnBlToTr w="12700" cmpd="sng">
-                      <a:noFill/>
-                      <a:prstDash val="solid"/>
-                    </a:lnBlToTr>
-                    <a:solidFill>
-                      <a:schemeClr val="bg1"/>
-                    </a:solidFill>
-                  </a:tcPr>
-                </a:tc>
-                <a:extLst>
-                  <a:ext uri="{0D108BD9-81ED-4DB2-BD59-A6C34878D82A}">
-                    <a16:rowId xmlns:a16="http://schemas.microsoft.com/office/drawing/2014/main" val="2415824673"/>
-                  </a:ext>
-                </a:extLst>
-              </a:tr>
-              <a:tr h="370840">
-                <a:tc>
-                  <a:txBody>
-                    <a:bodyPr/>
-                    <a:lstStyle/>
-                    <a:p>
-                      <a:pPr algn="ctr"/>
-                      <a:r>
-                        <a:rPr lang="en-US" altLang="zh-TW" dirty="0">
-                          <a:solidFill>
-                            <a:schemeClr val="tx1"/>
-                          </a:solidFill>
-                          <a:latin typeface="Consolas" panose="020B0609020204030204" pitchFamily="49" charset="0"/>
-                        </a:rPr>
-                        <a:t>4</a:t>
-                      </a:r>
-                      <a:endParaRPr lang="en-US" dirty="0">
-                        <a:solidFill>
-                          <a:schemeClr val="tx1"/>
-                        </a:solidFill>
-                        <a:latin typeface="Consolas" panose="020B0609020204030204" pitchFamily="49" charset="0"/>
-                      </a:endParaRPr>
-                    </a:p>
-                  </a:txBody>
-                  <a:tcPr>
-                    <a:lnL w="12700" cap="flat" cmpd="sng" algn="ctr">
-                      <a:solidFill>
-                        <a:schemeClr val="tx1"/>
-                      </a:solidFill>
-                      <a:prstDash val="solid"/>
-                      <a:round/>
-                      <a:headEnd type="none" w="med" len="med"/>
-                      <a:tailEnd type="none" w="med" len="med"/>
-                    </a:lnL>
-                    <a:lnR w="12700" cap="flat" cmpd="sng" algn="ctr">
-                      <a:solidFill>
-                        <a:schemeClr val="tx1"/>
-                      </a:solidFill>
-                      <a:prstDash val="solid"/>
-                      <a:round/>
-                      <a:headEnd type="none" w="med" len="med"/>
-                      <a:tailEnd type="none" w="med" len="med"/>
-                    </a:lnR>
-                    <a:lnT w="12700" cap="flat" cmpd="sng" algn="ctr">
-                      <a:solidFill>
-                        <a:schemeClr val="tx1"/>
-                      </a:solidFill>
-                      <a:prstDash val="solid"/>
-                      <a:round/>
-                      <a:headEnd type="none" w="med" len="med"/>
-                      <a:tailEnd type="none" w="med" len="med"/>
-                    </a:lnT>
-                    <a:lnB w="12700" cap="flat" cmpd="sng" algn="ctr">
-                      <a:solidFill>
-                        <a:schemeClr val="tx1"/>
-                      </a:solidFill>
-                      <a:prstDash val="solid"/>
-                      <a:round/>
-                      <a:headEnd type="none" w="med" len="med"/>
-                      <a:tailEnd type="none" w="med" len="med"/>
-                    </a:lnB>
-                    <a:lnTlToBr w="12700" cmpd="sng">
-                      <a:noFill/>
-                      <a:prstDash val="solid"/>
-                    </a:lnTlToBr>
-                    <a:lnBlToTr w="12700" cmpd="sng">
-                      <a:noFill/>
-                      <a:prstDash val="solid"/>
-                    </a:lnBlToTr>
-                    <a:solidFill>
-                      <a:schemeClr val="bg1"/>
-                    </a:solidFill>
-                  </a:tcPr>
-                </a:tc>
-                <a:tc>
-                  <a:txBody>
-                    <a:bodyPr/>
-                    <a:lstStyle/>
-                    <a:p>
-                      <a:pPr algn="ctr"/>
-                      <a:r>
-                        <a:rPr lang="en-US" altLang="zh-TW" dirty="0">
-                          <a:solidFill>
-                            <a:schemeClr val="tx1"/>
-                          </a:solidFill>
-                          <a:latin typeface="Consolas" panose="020B0609020204030204" pitchFamily="49" charset="0"/>
-                        </a:rPr>
-                        <a:t>13</a:t>
-                      </a:r>
-                      <a:endParaRPr lang="en-US" dirty="0">
-                        <a:solidFill>
-                          <a:schemeClr val="tx1"/>
-                        </a:solidFill>
-                        <a:latin typeface="Consolas" panose="020B0609020204030204" pitchFamily="49" charset="0"/>
-                      </a:endParaRPr>
-                    </a:p>
-                  </a:txBody>
-                  <a:tcPr>
-                    <a:lnL w="12700" cap="flat" cmpd="sng" algn="ctr">
-                      <a:solidFill>
-                        <a:schemeClr val="tx1"/>
-                      </a:solidFill>
-                      <a:prstDash val="solid"/>
-                      <a:round/>
-                      <a:headEnd type="none" w="med" len="med"/>
-                      <a:tailEnd type="none" w="med" len="med"/>
-                    </a:lnL>
-                    <a:lnR w="12700" cap="flat" cmpd="sng" algn="ctr">
-                      <a:solidFill>
-                        <a:schemeClr val="tx1"/>
-                      </a:solidFill>
-                      <a:prstDash val="solid"/>
-                      <a:round/>
-                      <a:headEnd type="none" w="med" len="med"/>
-                      <a:tailEnd type="none" w="med" len="med"/>
-                    </a:lnR>
-                    <a:lnT w="12700" cap="flat" cmpd="sng" algn="ctr">
-                      <a:solidFill>
-                        <a:schemeClr val="tx1"/>
-                      </a:solidFill>
-                      <a:prstDash val="solid"/>
-                      <a:round/>
-                      <a:headEnd type="none" w="med" len="med"/>
-                      <a:tailEnd type="none" w="med" len="med"/>
-                    </a:lnT>
-                    <a:lnB w="12700" cap="flat" cmpd="sng" algn="ctr">
-                      <a:solidFill>
-                        <a:schemeClr val="tx1"/>
-                      </a:solidFill>
-                      <a:prstDash val="solid"/>
-                      <a:round/>
-                      <a:headEnd type="none" w="med" len="med"/>
-                      <a:tailEnd type="none" w="med" len="med"/>
-                    </a:lnB>
-                    <a:lnTlToBr w="12700" cmpd="sng">
-                      <a:noFill/>
-                      <a:prstDash val="solid"/>
-                    </a:lnTlToBr>
-                    <a:lnBlToTr w="12700" cmpd="sng">
-                      <a:noFill/>
-                      <a:prstDash val="solid"/>
-                    </a:lnBlToTr>
-                    <a:solidFill>
-                      <a:schemeClr val="bg1"/>
-                    </a:solidFill>
-                  </a:tcPr>
-                </a:tc>
-                <a:tc>
-                  <a:txBody>
-                    <a:bodyPr/>
-                    <a:lstStyle/>
-                    <a:p>
-                      <a:pPr algn="ctr"/>
-                      <a:r>
-                        <a:rPr lang="en-US" altLang="zh-TW" dirty="0">
-                          <a:solidFill>
-                            <a:schemeClr val="tx1"/>
-                          </a:solidFill>
-                          <a:latin typeface="Consolas" panose="020B0609020204030204" pitchFamily="49" charset="0"/>
-                        </a:rPr>
-                        <a:t>15</a:t>
-                      </a:r>
-                      <a:endParaRPr lang="en-US" dirty="0">
-                        <a:solidFill>
-                          <a:schemeClr val="tx1"/>
-                        </a:solidFill>
-                        <a:latin typeface="Consolas" panose="020B0609020204030204" pitchFamily="49" charset="0"/>
-                      </a:endParaRPr>
-                    </a:p>
-                  </a:txBody>
-                  <a:tcPr>
-                    <a:lnL w="12700" cap="flat" cmpd="sng" algn="ctr">
-                      <a:solidFill>
-                        <a:schemeClr val="tx1"/>
-                      </a:solidFill>
-                      <a:prstDash val="solid"/>
-                      <a:round/>
-                      <a:headEnd type="none" w="med" len="med"/>
-                      <a:tailEnd type="none" w="med" len="med"/>
-                    </a:lnL>
-                    <a:lnR w="12700" cap="flat" cmpd="sng" algn="ctr">
-                      <a:solidFill>
-                        <a:schemeClr val="tx1"/>
-                      </a:solidFill>
-                      <a:prstDash val="solid"/>
-                      <a:round/>
-                      <a:headEnd type="none" w="med" len="med"/>
-                      <a:tailEnd type="none" w="med" len="med"/>
-                    </a:lnR>
-                    <a:lnT w="12700" cap="flat" cmpd="sng" algn="ctr">
-                      <a:solidFill>
-                        <a:schemeClr val="tx1"/>
-                      </a:solidFill>
-                      <a:prstDash val="solid"/>
-                      <a:round/>
-                      <a:headEnd type="none" w="med" len="med"/>
-                      <a:tailEnd type="none" w="med" len="med"/>
-                    </a:lnT>
-                    <a:lnB w="12700" cap="flat" cmpd="sng" algn="ctr">
-                      <a:solidFill>
-                        <a:schemeClr val="tx1"/>
-                      </a:solidFill>
-                      <a:prstDash val="solid"/>
-                      <a:round/>
-                      <a:headEnd type="none" w="med" len="med"/>
-                      <a:tailEnd type="none" w="med" len="med"/>
-                    </a:lnB>
-                    <a:lnTlToBr w="12700" cmpd="sng">
-                      <a:noFill/>
-                      <a:prstDash val="solid"/>
-                    </a:lnTlToBr>
-                    <a:lnBlToTr w="12700" cmpd="sng">
-                      <a:noFill/>
-                      <a:prstDash val="solid"/>
-                    </a:lnBlToTr>
-                    <a:solidFill>
-                      <a:schemeClr val="bg1"/>
-                    </a:solidFill>
-                  </a:tcPr>
-                </a:tc>
-                <a:tc>
-                  <a:txBody>
-                    <a:bodyPr/>
-                    <a:lstStyle/>
-                    <a:p>
-                      <a:pPr algn="ctr"/>
-                      <a:r>
-                        <a:rPr lang="en-US" altLang="zh-TW" dirty="0">
-                          <a:solidFill>
-                            <a:schemeClr val="tx1"/>
-                          </a:solidFill>
-                          <a:latin typeface="Consolas" panose="020B0609020204030204" pitchFamily="49" charset="0"/>
-                        </a:rPr>
-                        <a:t>23</a:t>
-                      </a:r>
-                      <a:endParaRPr lang="en-US" dirty="0">
-                        <a:solidFill>
-                          <a:schemeClr val="tx1"/>
-                        </a:solidFill>
-                        <a:latin typeface="Consolas" panose="020B0609020204030204" pitchFamily="49" charset="0"/>
-                      </a:endParaRPr>
-                    </a:p>
-                  </a:txBody>
-                  <a:tcPr>
-                    <a:lnL w="12700" cap="flat" cmpd="sng" algn="ctr">
-                      <a:solidFill>
-                        <a:schemeClr val="tx1"/>
-                      </a:solidFill>
-                      <a:prstDash val="solid"/>
-                      <a:round/>
-                      <a:headEnd type="none" w="med" len="med"/>
-                      <a:tailEnd type="none" w="med" len="med"/>
-                    </a:lnL>
-                    <a:lnR w="12700" cap="flat" cmpd="sng" algn="ctr">
-                      <a:solidFill>
-                        <a:schemeClr val="tx1"/>
-                      </a:solidFill>
-                      <a:prstDash val="solid"/>
-                      <a:round/>
-                      <a:headEnd type="none" w="med" len="med"/>
-                      <a:tailEnd type="none" w="med" len="med"/>
-                    </a:lnR>
-                    <a:lnT w="12700" cap="flat" cmpd="sng" algn="ctr">
-                      <a:solidFill>
-                        <a:schemeClr val="tx1"/>
-                      </a:solidFill>
-                      <a:prstDash val="solid"/>
-                      <a:round/>
-                      <a:headEnd type="none" w="med" len="med"/>
-                      <a:tailEnd type="none" w="med" len="med"/>
-                    </a:lnT>
-                    <a:lnB w="12700" cap="flat" cmpd="sng" algn="ctr">
-                      <a:solidFill>
-                        <a:schemeClr val="tx1"/>
-                      </a:solidFill>
-                      <a:prstDash val="solid"/>
-                      <a:round/>
-                      <a:headEnd type="none" w="med" len="med"/>
-                      <a:tailEnd type="none" w="med" len="med"/>
-                    </a:lnB>
-                    <a:lnTlToBr w="12700" cmpd="sng">
-                      <a:noFill/>
-                      <a:prstDash val="solid"/>
-                    </a:lnTlToBr>
-                    <a:lnBlToTr w="12700" cmpd="sng">
-                      <a:noFill/>
-                      <a:prstDash val="solid"/>
-                    </a:lnBlToTr>
-                    <a:solidFill>
-                      <a:schemeClr val="bg1"/>
-                    </a:solidFill>
-                  </a:tcPr>
-                </a:tc>
-                <a:tc>
-                  <a:txBody>
-                    <a:bodyPr/>
-                    <a:lstStyle/>
-                    <a:p>
-                      <a:pPr algn="ctr"/>
-                      <a:r>
-                        <a:rPr lang="en-US" altLang="zh-TW" dirty="0">
-                          <a:solidFill>
-                            <a:schemeClr val="tx1"/>
-                          </a:solidFill>
-                          <a:latin typeface="Consolas" panose="020B0609020204030204" pitchFamily="49" charset="0"/>
-                        </a:rPr>
-                        <a:t>30</a:t>
-                      </a:r>
-                      <a:endParaRPr lang="en-US" dirty="0">
-                        <a:solidFill>
-                          <a:schemeClr val="tx1"/>
-                        </a:solidFill>
-                        <a:latin typeface="Consolas" panose="020B0609020204030204" pitchFamily="49" charset="0"/>
-                      </a:endParaRPr>
-                    </a:p>
-                  </a:txBody>
-                  <a:tcPr>
-                    <a:lnL w="12700" cap="flat" cmpd="sng" algn="ctr">
-                      <a:solidFill>
-                        <a:schemeClr val="tx1"/>
-                      </a:solidFill>
-                      <a:prstDash val="solid"/>
-                      <a:round/>
-                      <a:headEnd type="none" w="med" len="med"/>
-                      <a:tailEnd type="none" w="med" len="med"/>
-                    </a:lnL>
-                    <a:lnR w="12700" cap="flat" cmpd="sng" algn="ctr">
-                      <a:solidFill>
-                        <a:schemeClr val="tx1"/>
-                      </a:solidFill>
-                      <a:prstDash val="solid"/>
-                      <a:round/>
-                      <a:headEnd type="none" w="med" len="med"/>
-                      <a:tailEnd type="none" w="med" len="med"/>
-                    </a:lnR>
-                    <a:lnT w="12700" cap="flat" cmpd="sng" algn="ctr">
-                      <a:solidFill>
-                        <a:schemeClr val="tx1"/>
-                      </a:solidFill>
-                      <a:prstDash val="solid"/>
-                      <a:round/>
-                      <a:headEnd type="none" w="med" len="med"/>
-                      <a:tailEnd type="none" w="med" len="med"/>
-                    </a:lnT>
-                    <a:lnB w="12700" cap="flat" cmpd="sng" algn="ctr">
-                      <a:solidFill>
-                        <a:schemeClr val="tx1"/>
-                      </a:solidFill>
-                      <a:prstDash val="solid"/>
-                      <a:round/>
-                      <a:headEnd type="none" w="med" len="med"/>
-                      <a:tailEnd type="none" w="med" len="med"/>
-                    </a:lnB>
-                    <a:lnTlToBr w="12700" cmpd="sng">
-                      <a:noFill/>
-                      <a:prstDash val="solid"/>
-                    </a:lnTlToBr>
-                    <a:lnBlToTr w="12700" cmpd="sng">
-                      <a:noFill/>
-                      <a:prstDash val="solid"/>
-                    </a:lnBlToTr>
-                    <a:solidFill>
-                      <a:schemeClr val="bg1"/>
-                    </a:solidFill>
-                  </a:tcPr>
-                </a:tc>
-                <a:tc>
-                  <a:txBody>
-                    <a:bodyPr/>
-                    <a:lstStyle/>
-                    <a:p>
-                      <a:pPr algn="ctr"/>
-                      <a:r>
-                        <a:rPr lang="en-US" altLang="zh-TW" dirty="0">
-                          <a:solidFill>
-                            <a:schemeClr val="tx1"/>
-                          </a:solidFill>
-                          <a:latin typeface="Consolas" panose="020B0609020204030204" pitchFamily="49" charset="0"/>
-                        </a:rPr>
-                        <a:t>31</a:t>
-                      </a:r>
-                      <a:endParaRPr lang="en-US" dirty="0">
-                        <a:solidFill>
-                          <a:schemeClr val="tx1"/>
-                        </a:solidFill>
-                        <a:latin typeface="Consolas" panose="020B0609020204030204" pitchFamily="49" charset="0"/>
-                      </a:endParaRPr>
-                    </a:p>
-                  </a:txBody>
-                  <a:tcPr>
-                    <a:lnL w="12700" cap="flat" cmpd="sng" algn="ctr">
-                      <a:solidFill>
-                        <a:schemeClr val="tx1"/>
-                      </a:solidFill>
-                      <a:prstDash val="solid"/>
-                      <a:round/>
-                      <a:headEnd type="none" w="med" len="med"/>
-                      <a:tailEnd type="none" w="med" len="med"/>
-                    </a:lnL>
-                    <a:lnR w="12700" cap="flat" cmpd="sng" algn="ctr">
-                      <a:solidFill>
-                        <a:schemeClr val="tx1"/>
-                      </a:solidFill>
-                      <a:prstDash val="solid"/>
-                      <a:round/>
-                      <a:headEnd type="none" w="med" len="med"/>
-                      <a:tailEnd type="none" w="med" len="med"/>
-                    </a:lnR>
-                    <a:lnT w="12700" cap="flat" cmpd="sng" algn="ctr">
-                      <a:solidFill>
-                        <a:schemeClr val="tx1"/>
-                      </a:solidFill>
-                      <a:prstDash val="solid"/>
-                      <a:round/>
-                      <a:headEnd type="none" w="med" len="med"/>
-                      <a:tailEnd type="none" w="med" len="med"/>
-                    </a:lnT>
-                    <a:lnB w="12700" cap="flat" cmpd="sng" algn="ctr">
-                      <a:solidFill>
-                        <a:schemeClr val="tx1"/>
-                      </a:solidFill>
-                      <a:prstDash val="solid"/>
-                      <a:round/>
-                      <a:headEnd type="none" w="med" len="med"/>
-                      <a:tailEnd type="none" w="med" len="med"/>
-                    </a:lnB>
-                    <a:lnTlToBr w="12700" cmpd="sng">
-                      <a:noFill/>
-                      <a:prstDash val="solid"/>
-                    </a:lnTlToBr>
-                    <a:lnBlToTr w="12700" cmpd="sng">
-                      <a:noFill/>
-                      <a:prstDash val="solid"/>
-                    </a:lnBlToTr>
-                    <a:solidFill>
-                      <a:schemeClr val="bg1"/>
-                    </a:solidFill>
-                  </a:tcPr>
-                </a:tc>
-                <a:tc>
-                  <a:txBody>
-                    <a:bodyPr/>
-                    <a:lstStyle/>
-                    <a:p>
-                      <a:pPr algn="ctr"/>
-                      <a:r>
-                        <a:rPr lang="en-US" altLang="zh-TW" dirty="0">
-                          <a:solidFill>
-                            <a:schemeClr val="tx1"/>
-                          </a:solidFill>
-                          <a:latin typeface="Consolas" panose="020B0609020204030204" pitchFamily="49" charset="0"/>
-                        </a:rPr>
-                        <a:t>35</a:t>
-                      </a:r>
-                      <a:endParaRPr lang="en-US" dirty="0">
-                        <a:solidFill>
-                          <a:schemeClr val="tx1"/>
-                        </a:solidFill>
-                        <a:latin typeface="Consolas" panose="020B0609020204030204" pitchFamily="49" charset="0"/>
-                      </a:endParaRPr>
-                    </a:p>
-                  </a:txBody>
-                  <a:tcPr>
-                    <a:lnL w="12700" cap="flat" cmpd="sng" algn="ctr">
-                      <a:solidFill>
-                        <a:schemeClr val="tx1"/>
-                      </a:solidFill>
-                      <a:prstDash val="solid"/>
-                      <a:round/>
-                      <a:headEnd type="none" w="med" len="med"/>
-                      <a:tailEnd type="none" w="med" len="med"/>
-                    </a:lnL>
-                    <a:lnR w="12700" cap="flat" cmpd="sng" algn="ctr">
-                      <a:solidFill>
-                        <a:schemeClr val="tx1"/>
-                      </a:solidFill>
-                      <a:prstDash val="solid"/>
-                      <a:round/>
-                      <a:headEnd type="none" w="med" len="med"/>
-                      <a:tailEnd type="none" w="med" len="med"/>
-                    </a:lnR>
-                    <a:lnT w="12700" cap="flat" cmpd="sng" algn="ctr">
-                      <a:solidFill>
-                        <a:schemeClr val="tx1"/>
-                      </a:solidFill>
-                      <a:prstDash val="solid"/>
-                      <a:round/>
-                      <a:headEnd type="none" w="med" len="med"/>
-                      <a:tailEnd type="none" w="med" len="med"/>
-                    </a:lnT>
-                    <a:lnB w="12700" cap="flat" cmpd="sng" algn="ctr">
-                      <a:solidFill>
-                        <a:schemeClr val="tx1"/>
-                      </a:solidFill>
-                      <a:prstDash val="solid"/>
-                      <a:round/>
-                      <a:headEnd type="none" w="med" len="med"/>
-                      <a:tailEnd type="none" w="med" len="med"/>
-                    </a:lnB>
-                    <a:lnTlToBr w="12700" cmpd="sng">
-                      <a:noFill/>
-                      <a:prstDash val="solid"/>
-                    </a:lnTlToBr>
-                    <a:lnBlToTr w="12700" cmpd="sng">
-                      <a:noFill/>
-                      <a:prstDash val="solid"/>
-                    </a:lnBlToTr>
-                    <a:solidFill>
-                      <a:schemeClr val="bg1"/>
-                    </a:solidFill>
-                  </a:tcPr>
-                </a:tc>
-                <a:tc>
-                  <a:txBody>
-                    <a:bodyPr/>
-                    <a:lstStyle/>
-                    <a:p>
-                      <a:pPr algn="ctr"/>
-                      <a:r>
-                        <a:rPr lang="en-US" altLang="zh-TW" dirty="0">
-                          <a:solidFill>
-                            <a:schemeClr val="tx1"/>
-                          </a:solidFill>
-                          <a:latin typeface="Consolas" panose="020B0609020204030204" pitchFamily="49" charset="0"/>
-                        </a:rPr>
-                        <a:t>45</a:t>
-                      </a:r>
-                      <a:endParaRPr lang="en-US" dirty="0">
-                        <a:solidFill>
-                          <a:schemeClr val="tx1"/>
-                        </a:solidFill>
-                        <a:latin typeface="Consolas" panose="020B0609020204030204" pitchFamily="49" charset="0"/>
-                      </a:endParaRPr>
-                    </a:p>
-                  </a:txBody>
-                  <a:tcPr>
-                    <a:lnL w="12700" cap="flat" cmpd="sng" algn="ctr">
-                      <a:solidFill>
-                        <a:schemeClr val="tx1"/>
-                      </a:solidFill>
-                      <a:prstDash val="solid"/>
-                      <a:round/>
-                      <a:headEnd type="none" w="med" len="med"/>
-                      <a:tailEnd type="none" w="med" len="med"/>
-                    </a:lnL>
-                    <a:lnR w="12700" cap="flat" cmpd="sng" algn="ctr">
-                      <a:solidFill>
-                        <a:schemeClr val="tx1"/>
-                      </a:solidFill>
-                      <a:prstDash val="solid"/>
-                      <a:round/>
-                      <a:headEnd type="none" w="med" len="med"/>
-                      <a:tailEnd type="none" w="med" len="med"/>
-                    </a:lnR>
-                    <a:lnT w="12700" cap="flat" cmpd="sng" algn="ctr">
-                      <a:solidFill>
-                        <a:schemeClr val="tx1"/>
-                      </a:solidFill>
-                      <a:prstDash val="solid"/>
-                      <a:round/>
-                      <a:headEnd type="none" w="med" len="med"/>
-                      <a:tailEnd type="none" w="med" len="med"/>
-                    </a:lnT>
-                    <a:lnB w="12700" cap="flat" cmpd="sng" algn="ctr">
-                      <a:solidFill>
-                        <a:schemeClr val="tx1"/>
-                      </a:solidFill>
-                      <a:prstDash val="solid"/>
-                      <a:round/>
-                      <a:headEnd type="none" w="med" len="med"/>
-                      <a:tailEnd type="none" w="med" len="med"/>
-                    </a:lnB>
-                    <a:lnTlToBr w="12700" cmpd="sng">
-                      <a:noFill/>
-                      <a:prstDash val="solid"/>
-                    </a:lnTlToBr>
-                    <a:lnBlToTr w="12700" cmpd="sng">
-                      <a:noFill/>
-                      <a:prstDash val="solid"/>
-                    </a:lnBlToTr>
-                    <a:solidFill>
-                      <a:schemeClr val="bg1"/>
-                    </a:solidFill>
-                  </a:tcPr>
-                </a:tc>
-                <a:tc>
-                  <a:txBody>
-                    <a:bodyPr/>
-                    <a:lstStyle/>
-                    <a:p>
-                      <a:pPr algn="ctr"/>
-                      <a:r>
-                        <a:rPr lang="en-US" altLang="zh-TW" dirty="0">
-                          <a:solidFill>
-                            <a:schemeClr val="tx1"/>
-                          </a:solidFill>
-                          <a:latin typeface="Consolas" panose="020B0609020204030204" pitchFamily="49" charset="0"/>
-                        </a:rPr>
-                        <a:t>48</a:t>
-                      </a:r>
-                      <a:endParaRPr lang="en-US" dirty="0">
-                        <a:solidFill>
-                          <a:schemeClr val="tx1"/>
-                        </a:solidFill>
-                        <a:latin typeface="Consolas" panose="020B0609020204030204" pitchFamily="49" charset="0"/>
-                      </a:endParaRPr>
-                    </a:p>
-                  </a:txBody>
-                  <a:tcPr>
-                    <a:lnL w="12700" cap="flat" cmpd="sng" algn="ctr">
-                      <a:solidFill>
-                        <a:schemeClr val="tx1"/>
-                      </a:solidFill>
-                      <a:prstDash val="solid"/>
-                      <a:round/>
-                      <a:headEnd type="none" w="med" len="med"/>
-                      <a:tailEnd type="none" w="med" len="med"/>
-                    </a:lnL>
-                    <a:lnR w="12700" cap="flat" cmpd="sng" algn="ctr">
-                      <a:solidFill>
-                        <a:schemeClr val="tx1"/>
-                      </a:solidFill>
-                      <a:prstDash val="solid"/>
-                      <a:round/>
-                      <a:headEnd type="none" w="med" len="med"/>
-                      <a:tailEnd type="none" w="med" len="med"/>
-                    </a:lnR>
-                    <a:lnT w="12700" cap="flat" cmpd="sng" algn="ctr">
-                      <a:solidFill>
-                        <a:schemeClr val="tx1"/>
-                      </a:solidFill>
-                      <a:prstDash val="solid"/>
-                      <a:round/>
-                      <a:headEnd type="none" w="med" len="med"/>
-                      <a:tailEnd type="none" w="med" len="med"/>
-                    </a:lnT>
-                    <a:lnB w="12700" cap="flat" cmpd="sng" algn="ctr">
-                      <a:solidFill>
-                        <a:schemeClr val="tx1"/>
-                      </a:solidFill>
-                      <a:prstDash val="solid"/>
-                      <a:round/>
-                      <a:headEnd type="none" w="med" len="med"/>
-                      <a:tailEnd type="none" w="med" len="med"/>
-                    </a:lnB>
-                    <a:lnTlToBr w="12700" cmpd="sng">
-                      <a:noFill/>
-                      <a:prstDash val="solid"/>
-                    </a:lnTlToBr>
-                    <a:lnBlToTr w="12700" cmpd="sng">
-                      <a:noFill/>
-                      <a:prstDash val="solid"/>
-                    </a:lnBlToTr>
-                    <a:solidFill>
-                      <a:schemeClr val="bg1"/>
-                    </a:solidFill>
-                  </a:tcPr>
-                </a:tc>
-                <a:tc>
-                  <a:txBody>
-                    <a:bodyPr/>
-                    <a:lstStyle/>
-                    <a:p>
-                      <a:pPr algn="ctr"/>
-                      <a:r>
-                        <a:rPr lang="en-US" altLang="zh-TW" dirty="0">
-                          <a:solidFill>
-                            <a:schemeClr val="tx1"/>
-                          </a:solidFill>
-                          <a:latin typeface="Consolas" panose="020B0609020204030204" pitchFamily="49" charset="0"/>
-                        </a:rPr>
-                        <a:t>0</a:t>
-                      </a:r>
-                      <a:endParaRPr lang="en-US" dirty="0">
-                        <a:solidFill>
-                          <a:schemeClr val="tx1"/>
-                        </a:solidFill>
-                        <a:latin typeface="Consolas" panose="020B0609020204030204" pitchFamily="49" charset="0"/>
-                      </a:endParaRPr>
-                    </a:p>
-                  </a:txBody>
-                  <a:tcPr>
-                    <a:lnL w="12700" cap="flat" cmpd="sng" algn="ctr">
-                      <a:solidFill>
-                        <a:schemeClr val="tx1"/>
-                      </a:solidFill>
-                      <a:prstDash val="solid"/>
-                      <a:round/>
-                      <a:headEnd type="none" w="med" len="med"/>
-                      <a:tailEnd type="none" w="med" len="med"/>
-                    </a:lnL>
-                    <a:lnR w="12700" cap="flat" cmpd="sng" algn="ctr">
-                      <a:solidFill>
-                        <a:schemeClr val="tx1"/>
-                      </a:solidFill>
-                      <a:prstDash val="solid"/>
-                      <a:round/>
-                      <a:headEnd type="none" w="med" len="med"/>
-                      <a:tailEnd type="none" w="med" len="med"/>
-                    </a:lnR>
-                    <a:lnT w="12700" cap="flat" cmpd="sng" algn="ctr">
-                      <a:solidFill>
-                        <a:schemeClr val="tx1"/>
-                      </a:solidFill>
-                      <a:prstDash val="solid"/>
-                      <a:round/>
-                      <a:headEnd type="none" w="med" len="med"/>
-                      <a:tailEnd type="none" w="med" len="med"/>
-                    </a:lnT>
-                    <a:lnB w="12700" cap="flat" cmpd="sng" algn="ctr">
-                      <a:solidFill>
-                        <a:schemeClr val="tx1"/>
-                      </a:solidFill>
-                      <a:prstDash val="solid"/>
-                      <a:round/>
-                      <a:headEnd type="none" w="med" len="med"/>
-                      <a:tailEnd type="none" w="med" len="med"/>
-                    </a:lnB>
-                    <a:lnTlToBr w="12700" cmpd="sng">
-                      <a:noFill/>
-                      <a:prstDash val="solid"/>
-                    </a:lnTlToBr>
-                    <a:lnBlToTr w="12700" cmpd="sng">
-                      <a:noFill/>
-                      <a:prstDash val="solid"/>
-                    </a:lnBlToTr>
-                    <a:solidFill>
-                      <a:schemeClr val="bg1"/>
-                    </a:solidFill>
-                  </a:tcPr>
-                </a:tc>
-                <a:extLst>
-                  <a:ext uri="{0D108BD9-81ED-4DB2-BD59-A6C34878D82A}">
-                    <a16:rowId xmlns:a16="http://schemas.microsoft.com/office/drawing/2014/main" val="4182549166"/>
-                  </a:ext>
-                </a:extLst>
-              </a:tr>
-            </a:tbl>
-          </a:graphicData>
-        </a:graphic>
-      </p:graphicFrame>
-      <p:sp>
-        <p:nvSpPr>
-          <p:cNvPr id="5" name="文字方塊 4">
-            <a:extLst>
-              <a:ext uri="{FF2B5EF4-FFF2-40B4-BE49-F238E27FC236}">
-                <a16:creationId xmlns:a16="http://schemas.microsoft.com/office/drawing/2014/main" id="{64A08855-064F-4041-8030-4336D7ED12B8}"/>
-              </a:ext>
-            </a:extLst>
-          </p:cNvPr>
-          <p:cNvSpPr txBox="1"/>
-          <p:nvPr/>
-        </p:nvSpPr>
-        <p:spPr>
-          <a:xfrm>
-            <a:off x="1362635" y="3244334"/>
-            <a:ext cx="564578" cy="369332"/>
-          </a:xfrm>
-          <a:prstGeom prst="rect">
-            <a:avLst/>
-          </a:prstGeom>
-          <a:noFill/>
-        </p:spPr>
-        <p:txBody>
-          <a:bodyPr wrap="none" rtlCol="0">
-            <a:spAutoFit/>
-          </a:bodyPr>
-          <a:lstStyle/>
-          <a:p>
-            <a:r>
-              <a:rPr lang="en-US" b="1" dirty="0">
-                <a:latin typeface="Consolas" panose="020B0609020204030204" pitchFamily="49" charset="0"/>
-              </a:rPr>
-              <a:t>num</a:t>
-            </a:r>
-          </a:p>
-        </p:txBody>
-      </p:sp>
-      <p:sp>
-        <p:nvSpPr>
-          <p:cNvPr id="6" name="文字方塊 5">
-            <a:extLst>
-              <a:ext uri="{FF2B5EF4-FFF2-40B4-BE49-F238E27FC236}">
-                <a16:creationId xmlns:a16="http://schemas.microsoft.com/office/drawing/2014/main" id="{FB163E0B-473E-4386-B310-AB66AAC247D9}"/>
-              </a:ext>
-            </a:extLst>
-          </p:cNvPr>
-          <p:cNvSpPr txBox="1"/>
-          <p:nvPr/>
-        </p:nvSpPr>
-        <p:spPr>
-          <a:xfrm>
-            <a:off x="1362635" y="3613666"/>
-            <a:ext cx="437940" cy="369332"/>
-          </a:xfrm>
-          <a:prstGeom prst="rect">
-            <a:avLst/>
-          </a:prstGeom>
-          <a:noFill/>
-        </p:spPr>
-        <p:txBody>
-          <a:bodyPr wrap="none" rtlCol="0">
-            <a:spAutoFit/>
-          </a:bodyPr>
-          <a:lstStyle/>
-          <a:p>
-            <a:r>
-              <a:rPr lang="en-US" b="1" dirty="0" err="1">
-                <a:latin typeface="Consolas" panose="020B0609020204030204" pitchFamily="49" charset="0"/>
-              </a:rPr>
-              <a:t>dp</a:t>
-            </a:r>
-            <a:endParaRPr lang="en-US" b="1" dirty="0">
-              <a:latin typeface="Consolas" panose="020B0609020204030204" pitchFamily="49" charset="0"/>
-            </a:endParaRPr>
-          </a:p>
-        </p:txBody>
-      </p:sp>
-      <p:sp>
-        <p:nvSpPr>
-          <p:cNvPr id="2" name="文字方塊 1">
-            <a:extLst>
-              <a:ext uri="{FF2B5EF4-FFF2-40B4-BE49-F238E27FC236}">
-                <a16:creationId xmlns:a16="http://schemas.microsoft.com/office/drawing/2014/main" id="{4CB24D44-B356-4935-9130-BF5AF10B3B8F}"/>
-              </a:ext>
-            </a:extLst>
-          </p:cNvPr>
-          <p:cNvSpPr txBox="1"/>
-          <p:nvPr/>
-        </p:nvSpPr>
-        <p:spPr>
-          <a:xfrm>
-            <a:off x="3001276" y="2196353"/>
-            <a:ext cx="5902578" cy="523220"/>
-          </a:xfrm>
-          <a:prstGeom prst="rect">
-            <a:avLst/>
-          </a:prstGeom>
-          <a:noFill/>
-        </p:spPr>
-        <p:txBody>
-          <a:bodyPr wrap="none" rtlCol="0">
-            <a:spAutoFit/>
-          </a:bodyPr>
-          <a:lstStyle/>
-          <a:p>
-            <a:r>
-              <a:rPr lang="en-US" sz="2800" b="1" dirty="0">
-                <a:latin typeface="Consolas" panose="020B0609020204030204" pitchFamily="49" charset="0"/>
-              </a:rPr>
-              <a:t>Max(</a:t>
-            </a:r>
-            <a:r>
-              <a:rPr lang="en-US" sz="2800" b="1" dirty="0" err="1">
-                <a:latin typeface="Consolas" panose="020B0609020204030204" pitchFamily="49" charset="0"/>
-              </a:rPr>
-              <a:t>dp</a:t>
-            </a:r>
-            <a:r>
-              <a:rPr lang="en-US" sz="2800" b="1" dirty="0">
-                <a:latin typeface="Consolas" panose="020B0609020204030204" pitchFamily="49" charset="0"/>
-              </a:rPr>
-              <a:t>[7]+num[8],num[8]) = 48</a:t>
+              <a:t>[7]+num[8],num[8]) = 3</a:t>
             </a:r>
           </a:p>
         </p:txBody>
